--- a/SUPER RESOLUTION A SPATIAL SUBPIXEL INTERPOLATION TECHNIQUE_sprint_3.pptx
+++ b/SUPER RESOLUTION A SPATIAL SUBPIXEL INTERPOLATION TECHNIQUE_sprint_3.pptx
@@ -9156,6 +9156,13 @@
   <p:clrMapOvr>
     <a:masterClrMapping/>
   </p:clrMapOvr>
+  <p:timing>
+    <p:tnLst>
+      <p:par>
+        <p:cTn id="1" dur="indefinite" restart="never" nodeType="tmRoot"/>
+      </p:par>
+    </p:tnLst>
+  </p:timing>
 </p:sld>
 </file>
 
@@ -9232,7 +9239,6 @@
               <a:rPr lang="ro-RO" dirty="0" smtClean="0"/>
               <a:t>ETAPA CURENTĂ</a:t>
             </a:r>
-            <a:endParaRPr lang="ro-RO" dirty="0" smtClean="0"/>
           </a:p>
           <a:p>
             <a:endParaRPr lang="en-US" dirty="0" smtClean="0"/>
@@ -9279,6 +9285,13 @@
   <p:clrMapOvr>
     <a:masterClrMapping/>
   </p:clrMapOvr>
+  <p:timing>
+    <p:tnLst>
+      <p:par>
+        <p:cTn id="1" dur="indefinite" restart="never" nodeType="tmRoot"/>
+      </p:par>
+    </p:tnLst>
+  </p:timing>
 </p:sld>
 </file>
 
@@ -9781,6 +9794,13 @@
   <p:clrMapOvr>
     <a:masterClrMapping/>
   </p:clrMapOvr>
+  <p:timing>
+    <p:tnLst>
+      <p:par>
+        <p:cTn id="1" dur="indefinite" restart="never" nodeType="tmRoot"/>
+      </p:par>
+    </p:tnLst>
+  </p:timing>
 </p:sld>
 </file>
 
@@ -9942,6 +9962,13 @@
   <p:clrMapOvr>
     <a:masterClrMapping/>
   </p:clrMapOvr>
+  <p:timing>
+    <p:tnLst>
+      <p:par>
+        <p:cTn id="1" dur="indefinite" restart="never" nodeType="tmRoot"/>
+      </p:par>
+    </p:tnLst>
+  </p:timing>
 </p:sld>
 </file>
 
@@ -9989,25 +10016,70 @@
           </a:p>
         </p:txBody>
       </p:sp>
-      <p:sp>
-        <p:nvSpPr>
-          <p:cNvPr id="3" name="Content Placeholder 2"/>
-          <p:cNvSpPr>
-            <a:spLocks noGrp="1"/>
-          </p:cNvSpPr>
+      <p:pic>
+        <p:nvPicPr>
+          <p:cNvPr id="7" name="video-1608135774">
+            <a:hlinkClick r:id="" action="ppaction://media"/>
+          </p:cNvPr>
+          <p:cNvPicPr>
+            <a:picLocks noGrp="1" noChangeAspect="1"/>
+          </p:cNvPicPr>
           <p:nvPr>
             <p:ph idx="1"/>
+            <a:videoFile r:link="rId2"/>
+            <p:extLst>
+              <p:ext uri="{DAA4B4D4-6D71-4841-9C94-3DE7FCFB9230}">
+                <p14:media xmlns:p14="http://schemas.microsoft.com/office/powerpoint/2010/main" r:embed="rId1"/>
+              </p:ext>
+            </p:extLst>
           </p:nvPr>
-        </p:nvSpPr>
-        <p:spPr/>
-        <p:txBody>
-          <a:bodyPr/>
-          <a:lstStyle/>
-          <a:p>
-            <a:endParaRPr lang="en-US"/>
-          </a:p>
-        </p:txBody>
-      </p:sp>
+        </p:nvPicPr>
+        <p:blipFill>
+          <a:blip r:embed="rId6"/>
+          <a:stretch>
+            <a:fillRect/>
+          </a:stretch>
+        </p:blipFill>
+        <p:spPr>
+          <a:xfrm>
+            <a:off x="461203" y="2236345"/>
+            <a:ext cx="5490710" cy="3157287"/>
+          </a:xfrm>
+        </p:spPr>
+      </p:pic>
+      <p:pic>
+        <p:nvPicPr>
+          <p:cNvPr id="8" name="video-1608135782">
+            <a:hlinkClick r:id="" action="ppaction://media"/>
+          </p:cNvPr>
+          <p:cNvPicPr>
+            <a:picLocks noChangeAspect="1"/>
+          </p:cNvPicPr>
+          <p:nvPr>
+            <a:videoFile r:link="rId4"/>
+            <p:extLst>
+              <p:ext uri="{DAA4B4D4-6D71-4841-9C94-3DE7FCFB9230}">
+                <p14:media xmlns:p14="http://schemas.microsoft.com/office/powerpoint/2010/main" r:embed="rId3"/>
+              </p:ext>
+            </p:extLst>
+          </p:nvPr>
+        </p:nvPicPr>
+        <p:blipFill>
+          <a:blip r:embed="rId7"/>
+          <a:stretch>
+            <a:fillRect/>
+          </a:stretch>
+        </p:blipFill>
+        <p:spPr>
+          <a:xfrm>
+            <a:off x="6334299" y="2236345"/>
+            <a:ext cx="5541818" cy="3156731"/>
+          </a:xfrm>
+          <a:prstGeom prst="rect">
+            <a:avLst/>
+          </a:prstGeom>
+        </p:spPr>
+      </p:pic>
     </p:spTree>
     <p:extLst>
       <p:ext uri="{BB962C8B-B14F-4D97-AF65-F5344CB8AC3E}">
@@ -10018,6 +10090,115 @@
   <p:clrMapOvr>
     <a:masterClrMapping/>
   </p:clrMapOvr>
+  <p:timing>
+    <p:tnLst>
+      <p:par>
+        <p:cTn id="1" dur="indefinite" restart="never" nodeType="tmRoot">
+          <p:childTnLst>
+            <p:video>
+              <p:cMediaNode vol="80000">
+                <p:cTn id="2" fill="hold" display="0">
+                  <p:stCondLst>
+                    <p:cond delay="indefinite"/>
+                  </p:stCondLst>
+                </p:cTn>
+                <p:tgtEl>
+                  <p:spTgt spid="7"/>
+                </p:tgtEl>
+              </p:cMediaNode>
+            </p:video>
+            <p:video>
+              <p:cMediaNode vol="80000">
+                <p:cTn id="3" fill="hold" display="0">
+                  <p:stCondLst>
+                    <p:cond delay="indefinite"/>
+                  </p:stCondLst>
+                </p:cTn>
+                <p:tgtEl>
+                  <p:spTgt spid="8"/>
+                </p:tgtEl>
+              </p:cMediaNode>
+            </p:video>
+            <p:seq concurrent="1" nextAc="seek">
+              <p:cTn id="4" restart="whenNotActive" fill="hold" evtFilter="cancelBubble" nodeType="interactiveSeq">
+                <p:stCondLst>
+                  <p:cond evt="onClick" delay="0">
+                    <p:tgtEl>
+                      <p:spTgt spid="7"/>
+                    </p:tgtEl>
+                  </p:cond>
+                </p:stCondLst>
+                <p:endSync evt="end" delay="0">
+                  <p:rtn val="all"/>
+                </p:endSync>
+                <p:childTnLst>
+                  <p:par>
+                    <p:cTn id="5" fill="hold">
+                      <p:stCondLst>
+                        <p:cond delay="0"/>
+                      </p:stCondLst>
+                      <p:childTnLst>
+                        <p:par>
+                          <p:cTn id="6" fill="hold">
+                            <p:stCondLst>
+                              <p:cond delay="0"/>
+                            </p:stCondLst>
+                            <p:childTnLst>
+                              <p:par>
+                                <p:cTn id="7" presetID="1" presetClass="mediacall" presetSubtype="0" fill="hold" nodeType="clickEffect">
+                                  <p:stCondLst>
+                                    <p:cond delay="0"/>
+                                  </p:stCondLst>
+                                  <p:childTnLst>
+                                    <p:cmd type="call" cmd="playFrom(0.0)">
+                                      <p:cBhvr>
+                                        <p:cTn id="8" dur="8939" fill="hold"/>
+                                        <p:tgtEl>
+                                          <p:spTgt spid="7"/>
+                                        </p:tgtEl>
+                                      </p:cBhvr>
+                                    </p:cmd>
+                                  </p:childTnLst>
+                                </p:cTn>
+                              </p:par>
+                              <p:par>
+                                <p:cTn id="9" presetID="1" presetClass="mediacall" presetSubtype="0" fill="hold" nodeType="withEffect">
+                                  <p:stCondLst>
+                                    <p:cond delay="0"/>
+                                  </p:stCondLst>
+                                  <p:childTnLst>
+                                    <p:cmd type="call" cmd="playFrom(0.0)">
+                                      <p:cBhvr>
+                                        <p:cTn id="10" dur="10667" fill="hold"/>
+                                        <p:tgtEl>
+                                          <p:spTgt spid="8"/>
+                                        </p:tgtEl>
+                                      </p:cBhvr>
+                                    </p:cmd>
+                                  </p:childTnLst>
+                                </p:cTn>
+                              </p:par>
+                            </p:childTnLst>
+                          </p:cTn>
+                        </p:par>
+                      </p:childTnLst>
+                    </p:cTn>
+                  </p:par>
+                </p:childTnLst>
+              </p:cTn>
+              <p:nextCondLst>
+                <p:cond evt="onClick" delay="0">
+                  <p:tgtEl>
+                    <p:spTgt spid="7"/>
+                  </p:tgtEl>
+                </p:cond>
+              </p:nextCondLst>
+            </p:seq>
+          </p:childTnLst>
+        </p:cTn>
+      </p:par>
+    </p:tnLst>
+  </p:timing>
 </p:sld>
 </file>
 
@@ -10096,6 +10277,13 @@
   <p:clrMapOvr>
     <a:masterClrMapping/>
   </p:clrMapOvr>
+  <p:timing>
+    <p:tnLst>
+      <p:par>
+        <p:cTn id="1" dur="indefinite" restart="never" nodeType="tmRoot"/>
+      </p:par>
+    </p:tnLst>
+  </p:timing>
 </p:sld>
 </file>
 
@@ -10181,6 +10369,13 @@
   <p:clrMapOvr>
     <a:masterClrMapping/>
   </p:clrMapOvr>
+  <p:timing>
+    <p:tnLst>
+      <p:par>
+        <p:cTn id="1" dur="indefinite" restart="never" nodeType="tmRoot"/>
+      </p:par>
+    </p:tnLst>
+  </p:timing>
 </p:sld>
 </file>
 

--- a/SUPER RESOLUTION A SPATIAL SUBPIXEL INTERPOLATION TECHNIQUE_sprint_3.pptx
+++ b/SUPER RESOLUTION A SPATIAL SUBPIXEL INTERPOLATION TECHNIQUE_sprint_3.pptx
@@ -10,9 +10,11 @@
     <p:sldId id="273" r:id="rId4"/>
     <p:sldId id="274" r:id="rId5"/>
     <p:sldId id="276" r:id="rId6"/>
-    <p:sldId id="272" r:id="rId7"/>
-    <p:sldId id="270" r:id="rId8"/>
-    <p:sldId id="271" r:id="rId9"/>
+    <p:sldId id="277" r:id="rId7"/>
+    <p:sldId id="278" r:id="rId8"/>
+    <p:sldId id="272" r:id="rId9"/>
+    <p:sldId id="270" r:id="rId10"/>
+    <p:sldId id="271" r:id="rId11"/>
   </p:sldIdLst>
   <p:sldSz cx="12192000" cy="6858000"/>
   <p:notesSz cx="6858000" cy="9144000"/>
@@ -117,6 +119,5280 @@
     </p:ext>
   </p:extLst>
 </p:presentation>
+</file>
+
+<file path=ppt/charts/chart1.xml><?xml version="1.0" encoding="utf-8"?>
+<c:chartSpace xmlns:c="http://schemas.openxmlformats.org/drawingml/2006/chart" xmlns:a="http://schemas.openxmlformats.org/drawingml/2006/main" xmlns:r="http://schemas.openxmlformats.org/officeDocument/2006/relationships" xmlns:c16r2="http://schemas.microsoft.com/office/drawing/2015/06/chart">
+  <c:date1904 val="0"/>
+  <c:lang val="en-US"/>
+  <c:roundedCorners val="0"/>
+  <mc:AlternateContent xmlns:mc="http://schemas.openxmlformats.org/markup-compatibility/2006">
+    <mc:Choice xmlns:c14="http://schemas.microsoft.com/office/drawing/2007/8/2/chart" Requires="c14">
+      <c14:style val="102"/>
+    </mc:Choice>
+    <mc:Fallback>
+      <c:style val="2"/>
+    </mc:Fallback>
+  </mc:AlternateContent>
+  <c:clrMapOvr bg1="lt1" tx1="dk1" bg2="lt2" tx2="dk2" accent1="accent1" accent2="accent2" accent3="accent3" accent4="accent4" accent5="accent5" accent6="accent6" hlink="hlink" folHlink="folHlink"/>
+  <c:chart>
+    <c:title>
+      <c:tx>
+        <c:rich>
+          <a:bodyPr rot="0" spcFirstLastPara="1" vertOverflow="ellipsis" vert="horz" wrap="square" anchor="ctr" anchorCtr="1"/>
+          <a:lstStyle/>
+          <a:p>
+            <a:pPr>
+              <a:defRPr sz="1400" b="0" i="0" u="none" strike="noStrike" kern="1200" spc="0" baseline="0">
+                <a:solidFill>
+                  <a:schemeClr val="tx1">
+                    <a:lumMod val="65000"/>
+                    <a:lumOff val="35000"/>
+                  </a:schemeClr>
+                </a:solidFill>
+                <a:latin typeface="+mn-lt"/>
+                <a:ea typeface="+mn-ea"/>
+                <a:cs typeface="+mn-cs"/>
+              </a:defRPr>
+            </a:pPr>
+            <a:r>
+              <a:rPr lang="en-US"/>
+              <a:t>Brox  CPU VS GPU</a:t>
+            </a:r>
+            <a:endParaRPr lang="ro-RO"/>
+          </a:p>
+        </c:rich>
+      </c:tx>
+      <c:overlay val="0"/>
+      <c:spPr>
+        <a:noFill/>
+        <a:ln>
+          <a:noFill/>
+        </a:ln>
+        <a:effectLst/>
+      </c:spPr>
+      <c:txPr>
+        <a:bodyPr rot="0" spcFirstLastPara="1" vertOverflow="ellipsis" vert="horz" wrap="square" anchor="ctr" anchorCtr="1"/>
+        <a:lstStyle/>
+        <a:p>
+          <a:pPr>
+            <a:defRPr sz="1400" b="0" i="0" u="none" strike="noStrike" kern="1200" spc="0" baseline="0">
+              <a:solidFill>
+                <a:schemeClr val="tx1">
+                  <a:lumMod val="65000"/>
+                  <a:lumOff val="35000"/>
+                </a:schemeClr>
+              </a:solidFill>
+              <a:latin typeface="+mn-lt"/>
+              <a:ea typeface="+mn-ea"/>
+              <a:cs typeface="+mn-cs"/>
+            </a:defRPr>
+          </a:pPr>
+          <a:endParaRPr lang="ro-RO"/>
+        </a:p>
+      </c:txPr>
+    </c:title>
+    <c:autoTitleDeleted val="0"/>
+    <c:plotArea>
+      <c:layout/>
+      <c:lineChart>
+        <c:grouping val="standard"/>
+        <c:varyColors val="0"/>
+        <c:ser>
+          <c:idx val="0"/>
+          <c:order val="0"/>
+          <c:tx>
+            <c:v>CPU</c:v>
+          </c:tx>
+          <c:spPr>
+            <a:ln w="28575" cap="rnd">
+              <a:solidFill>
+                <a:schemeClr val="accent1"/>
+              </a:solidFill>
+              <a:round/>
+            </a:ln>
+            <a:effectLst/>
+          </c:spPr>
+          <c:marker>
+            <c:symbol val="none"/>
+          </c:marker>
+          <c:val>
+            <c:numRef>
+              <c:f>Sheet1!$B$2:$B$268</c:f>
+              <c:numCache>
+                <c:formatCode>General</c:formatCode>
+                <c:ptCount val="267"/>
+                <c:pt idx="0">
+                  <c:v>167.64500000000001</c:v>
+                </c:pt>
+                <c:pt idx="1">
+                  <c:v>25.8644</c:v>
+                </c:pt>
+                <c:pt idx="2">
+                  <c:v>26.227699999999999</c:v>
+                </c:pt>
+                <c:pt idx="3">
+                  <c:v>25.661799999999999</c:v>
+                </c:pt>
+                <c:pt idx="4">
+                  <c:v>26.266999999999999</c:v>
+                </c:pt>
+                <c:pt idx="5">
+                  <c:v>25.7836</c:v>
+                </c:pt>
+                <c:pt idx="6">
+                  <c:v>26.065000000000001</c:v>
+                </c:pt>
+                <c:pt idx="7">
+                  <c:v>25.709</c:v>
+                </c:pt>
+                <c:pt idx="8">
+                  <c:v>26.3093</c:v>
+                </c:pt>
+                <c:pt idx="9">
+                  <c:v>25.85</c:v>
+                </c:pt>
+                <c:pt idx="10">
+                  <c:v>25.984400000000001</c:v>
+                </c:pt>
+                <c:pt idx="11">
+                  <c:v>26.187799999999999</c:v>
+                </c:pt>
+                <c:pt idx="12">
+                  <c:v>25.827200000000001</c:v>
+                </c:pt>
+                <c:pt idx="13">
+                  <c:v>26.286300000000001</c:v>
+                </c:pt>
+                <c:pt idx="14">
+                  <c:v>25.941099999999999</c:v>
+                </c:pt>
+                <c:pt idx="15">
+                  <c:v>26.685700000000001</c:v>
+                </c:pt>
+                <c:pt idx="16">
+                  <c:v>25.819800000000001</c:v>
+                </c:pt>
+                <c:pt idx="17">
+                  <c:v>26.3127</c:v>
+                </c:pt>
+                <c:pt idx="18">
+                  <c:v>25.673200000000001</c:v>
+                </c:pt>
+                <c:pt idx="19">
+                  <c:v>25.893599999999999</c:v>
+                </c:pt>
+                <c:pt idx="20">
+                  <c:v>26.195799999999998</c:v>
+                </c:pt>
+                <c:pt idx="21">
+                  <c:v>25.831099999999999</c:v>
+                </c:pt>
+                <c:pt idx="22">
+                  <c:v>26.369299999999999</c:v>
+                </c:pt>
+                <c:pt idx="23">
+                  <c:v>26.067599999999999</c:v>
+                </c:pt>
+                <c:pt idx="24">
+                  <c:v>26.416399999999999</c:v>
+                </c:pt>
+                <c:pt idx="25">
+                  <c:v>25.8826</c:v>
+                </c:pt>
+                <c:pt idx="26">
+                  <c:v>26.306799999999999</c:v>
+                </c:pt>
+                <c:pt idx="27">
+                  <c:v>26.038499999999999</c:v>
+                </c:pt>
+                <c:pt idx="28">
+                  <c:v>26.049099999999999</c:v>
+                </c:pt>
+                <c:pt idx="29">
+                  <c:v>26.174499999999998</c:v>
+                </c:pt>
+                <c:pt idx="30">
+                  <c:v>26.296299999999999</c:v>
+                </c:pt>
+                <c:pt idx="31">
+                  <c:v>26.522500000000001</c:v>
+                </c:pt>
+                <c:pt idx="32">
+                  <c:v>25.824200000000001</c:v>
+                </c:pt>
+                <c:pt idx="33">
+                  <c:v>26.3428</c:v>
+                </c:pt>
+                <c:pt idx="34">
+                  <c:v>26.053000000000001</c:v>
+                </c:pt>
+                <c:pt idx="35">
+                  <c:v>26.3841</c:v>
+                </c:pt>
+                <c:pt idx="36">
+                  <c:v>25.949200000000001</c:v>
+                </c:pt>
+                <c:pt idx="37">
+                  <c:v>26.1617</c:v>
+                </c:pt>
+                <c:pt idx="38">
+                  <c:v>28.403400000000001</c:v>
+                </c:pt>
+                <c:pt idx="39">
+                  <c:v>26.11</c:v>
+                </c:pt>
+                <c:pt idx="40">
+                  <c:v>26.478000000000002</c:v>
+                </c:pt>
+                <c:pt idx="41">
+                  <c:v>26.036100000000001</c:v>
+                </c:pt>
+                <c:pt idx="42">
+                  <c:v>26.696100000000001</c:v>
+                </c:pt>
+                <c:pt idx="43">
+                  <c:v>26.079000000000001</c:v>
+                </c:pt>
+                <c:pt idx="44">
+                  <c:v>26.4468</c:v>
+                </c:pt>
+                <c:pt idx="45">
+                  <c:v>26.078700000000001</c:v>
+                </c:pt>
+                <c:pt idx="46">
+                  <c:v>26.087700000000002</c:v>
+                </c:pt>
+                <c:pt idx="47">
+                  <c:v>26.0549</c:v>
+                </c:pt>
+                <c:pt idx="48">
+                  <c:v>26.1388</c:v>
+                </c:pt>
+                <c:pt idx="49">
+                  <c:v>26.4573</c:v>
+                </c:pt>
+                <c:pt idx="50">
+                  <c:v>25.9757</c:v>
+                </c:pt>
+                <c:pt idx="51">
+                  <c:v>26.558800000000002</c:v>
+                </c:pt>
+                <c:pt idx="52">
+                  <c:v>26.147600000000001</c:v>
+                </c:pt>
+                <c:pt idx="53">
+                  <c:v>26.491099999999999</c:v>
+                </c:pt>
+                <c:pt idx="54">
+                  <c:v>26.062000000000001</c:v>
+                </c:pt>
+                <c:pt idx="55">
+                  <c:v>26.0471</c:v>
+                </c:pt>
+                <c:pt idx="56">
+                  <c:v>25.952000000000002</c:v>
+                </c:pt>
+                <c:pt idx="57">
+                  <c:v>25.9483</c:v>
+                </c:pt>
+                <c:pt idx="58">
+                  <c:v>26.366499999999998</c:v>
+                </c:pt>
+                <c:pt idx="59">
+                  <c:v>26.214300000000001</c:v>
+                </c:pt>
+                <c:pt idx="60">
+                  <c:v>26.646100000000001</c:v>
+                </c:pt>
+                <c:pt idx="61">
+                  <c:v>26.1099</c:v>
+                </c:pt>
+                <c:pt idx="62">
+                  <c:v>26.587399999999999</c:v>
+                </c:pt>
+                <c:pt idx="63">
+                  <c:v>26.0961</c:v>
+                </c:pt>
+                <c:pt idx="64">
+                  <c:v>27.088000000000001</c:v>
+                </c:pt>
+                <c:pt idx="65">
+                  <c:v>26.275200000000002</c:v>
+                </c:pt>
+                <c:pt idx="66">
+                  <c:v>26.265999999999998</c:v>
+                </c:pt>
+                <c:pt idx="67">
+                  <c:v>26.576499999999999</c:v>
+                </c:pt>
+                <c:pt idx="68">
+                  <c:v>26.169799999999999</c:v>
+                </c:pt>
+                <c:pt idx="69">
+                  <c:v>26.696400000000001</c:v>
+                </c:pt>
+                <c:pt idx="70">
+                  <c:v>26.1981</c:v>
+                </c:pt>
+                <c:pt idx="71">
+                  <c:v>26.627700000000001</c:v>
+                </c:pt>
+                <c:pt idx="72">
+                  <c:v>26.204499999999999</c:v>
+                </c:pt>
+                <c:pt idx="73">
+                  <c:v>26.655799999999999</c:v>
+                </c:pt>
+                <c:pt idx="74">
+                  <c:v>26.2849</c:v>
+                </c:pt>
+                <c:pt idx="75">
+                  <c:v>26.293199999999999</c:v>
+                </c:pt>
+                <c:pt idx="76">
+                  <c:v>26.635200000000001</c:v>
+                </c:pt>
+                <c:pt idx="77">
+                  <c:v>26.034400000000002</c:v>
+                </c:pt>
+                <c:pt idx="78">
+                  <c:v>26.659099999999999</c:v>
+                </c:pt>
+                <c:pt idx="79">
+                  <c:v>26.100100000000001</c:v>
+                </c:pt>
+                <c:pt idx="80">
+                  <c:v>26.49</c:v>
+                </c:pt>
+                <c:pt idx="81">
+                  <c:v>26.244</c:v>
+                </c:pt>
+                <c:pt idx="82">
+                  <c:v>26.647500000000001</c:v>
+                </c:pt>
+                <c:pt idx="83">
+                  <c:v>26.155200000000001</c:v>
+                </c:pt>
+                <c:pt idx="84">
+                  <c:v>26.1386</c:v>
+                </c:pt>
+                <c:pt idx="85">
+                  <c:v>26.2835</c:v>
+                </c:pt>
+                <c:pt idx="86">
+                  <c:v>28.548999999999999</c:v>
+                </c:pt>
+                <c:pt idx="87">
+                  <c:v>26.6203</c:v>
+                </c:pt>
+                <c:pt idx="88">
+                  <c:v>26.157499999999999</c:v>
+                </c:pt>
+                <c:pt idx="89">
+                  <c:v>26.607600000000001</c:v>
+                </c:pt>
+                <c:pt idx="90">
+                  <c:v>26.064599999999999</c:v>
+                </c:pt>
+                <c:pt idx="91">
+                  <c:v>26.6037</c:v>
+                </c:pt>
+                <c:pt idx="92">
+                  <c:v>26.1449</c:v>
+                </c:pt>
+                <c:pt idx="93">
+                  <c:v>26.527100000000001</c:v>
+                </c:pt>
+                <c:pt idx="94">
+                  <c:v>26.0883</c:v>
+                </c:pt>
+                <c:pt idx="95">
+                  <c:v>26.1511</c:v>
+                </c:pt>
+                <c:pt idx="96">
+                  <c:v>26.582699999999999</c:v>
+                </c:pt>
+                <c:pt idx="97">
+                  <c:v>26.093599999999999</c:v>
+                </c:pt>
+                <c:pt idx="98">
+                  <c:v>26.6496</c:v>
+                </c:pt>
+                <c:pt idx="99">
+                  <c:v>26.2852</c:v>
+                </c:pt>
+                <c:pt idx="100">
+                  <c:v>27.318899999999999</c:v>
+                </c:pt>
+                <c:pt idx="101">
+                  <c:v>26.033899999999999</c:v>
+                </c:pt>
+                <c:pt idx="102">
+                  <c:v>26.599699999999999</c:v>
+                </c:pt>
+                <c:pt idx="103">
+                  <c:v>26.060700000000001</c:v>
+                </c:pt>
+                <c:pt idx="104">
+                  <c:v>27.816800000000001</c:v>
+                </c:pt>
+                <c:pt idx="105">
+                  <c:v>27.799099999999999</c:v>
+                </c:pt>
+                <c:pt idx="106">
+                  <c:v>26.553699999999999</c:v>
+                </c:pt>
+                <c:pt idx="107">
+                  <c:v>29.136299999999999</c:v>
+                </c:pt>
+                <c:pt idx="108">
+                  <c:v>26.8019</c:v>
+                </c:pt>
+                <c:pt idx="109">
+                  <c:v>27.133199999999999</c:v>
+                </c:pt>
+                <c:pt idx="110">
+                  <c:v>26.377700000000001</c:v>
+                </c:pt>
+                <c:pt idx="111">
+                  <c:v>26.917400000000001</c:v>
+                </c:pt>
+                <c:pt idx="112">
+                  <c:v>27.881799999999998</c:v>
+                </c:pt>
+                <c:pt idx="113">
+                  <c:v>27.4406</c:v>
+                </c:pt>
+                <c:pt idx="114">
+                  <c:v>26.3887</c:v>
+                </c:pt>
+                <c:pt idx="115">
+                  <c:v>26.952300000000001</c:v>
+                </c:pt>
+                <c:pt idx="116">
+                  <c:v>26.3187</c:v>
+                </c:pt>
+                <c:pt idx="117">
+                  <c:v>27.177099999999999</c:v>
+                </c:pt>
+                <c:pt idx="118">
+                  <c:v>26.3628</c:v>
+                </c:pt>
+                <c:pt idx="119">
+                  <c:v>26.3795</c:v>
+                </c:pt>
+                <c:pt idx="120">
+                  <c:v>27.549900000000001</c:v>
+                </c:pt>
+                <c:pt idx="121">
+                  <c:v>27.290700000000001</c:v>
+                </c:pt>
+                <c:pt idx="122">
+                  <c:v>28.058299999999999</c:v>
+                </c:pt>
+                <c:pt idx="123">
+                  <c:v>27.807400000000001</c:v>
+                </c:pt>
+                <c:pt idx="124">
+                  <c:v>27.578600000000002</c:v>
+                </c:pt>
+                <c:pt idx="125">
+                  <c:v>26.957799999999999</c:v>
+                </c:pt>
+                <c:pt idx="126">
+                  <c:v>28.917100000000001</c:v>
+                </c:pt>
+                <c:pt idx="127">
+                  <c:v>29.469200000000001</c:v>
+                </c:pt>
+                <c:pt idx="128">
+                  <c:v>28.571999999999999</c:v>
+                </c:pt>
+                <c:pt idx="129">
+                  <c:v>35.984299999999998</c:v>
+                </c:pt>
+                <c:pt idx="130">
+                  <c:v>29.894400000000001</c:v>
+                </c:pt>
+                <c:pt idx="131">
+                  <c:v>32.7988</c:v>
+                </c:pt>
+                <c:pt idx="132">
+                  <c:v>30.816099999999999</c:v>
+                </c:pt>
+                <c:pt idx="133">
+                  <c:v>28.969899999999999</c:v>
+                </c:pt>
+                <c:pt idx="134">
+                  <c:v>30.457100000000001</c:v>
+                </c:pt>
+                <c:pt idx="135">
+                  <c:v>28.8081</c:v>
+                </c:pt>
+                <c:pt idx="136">
+                  <c:v>27.707999999999998</c:v>
+                </c:pt>
+                <c:pt idx="137">
+                  <c:v>26.994700000000002</c:v>
+                </c:pt>
+                <c:pt idx="138">
+                  <c:v>27.363099999999999</c:v>
+                </c:pt>
+                <c:pt idx="139">
+                  <c:v>26.839300000000001</c:v>
+                </c:pt>
+                <c:pt idx="140">
+                  <c:v>27.3003</c:v>
+                </c:pt>
+                <c:pt idx="141">
+                  <c:v>26.713200000000001</c:v>
+                </c:pt>
+                <c:pt idx="142">
+                  <c:v>27.0306</c:v>
+                </c:pt>
+                <c:pt idx="143">
+                  <c:v>26.544699999999999</c:v>
+                </c:pt>
+                <c:pt idx="144">
+                  <c:v>28.636500000000002</c:v>
+                </c:pt>
+                <c:pt idx="145">
+                  <c:v>26.522200000000002</c:v>
+                </c:pt>
+                <c:pt idx="146">
+                  <c:v>26.452400000000001</c:v>
+                </c:pt>
+                <c:pt idx="147">
+                  <c:v>26.936</c:v>
+                </c:pt>
+                <c:pt idx="148">
+                  <c:v>26.3431</c:v>
+                </c:pt>
+                <c:pt idx="149">
+                  <c:v>26.870899999999999</c:v>
+                </c:pt>
+                <c:pt idx="150">
+                  <c:v>26.407699999999998</c:v>
+                </c:pt>
+                <c:pt idx="151">
+                  <c:v>26.9223</c:v>
+                </c:pt>
+                <c:pt idx="152">
+                  <c:v>26.867999999999999</c:v>
+                </c:pt>
+                <c:pt idx="153">
+                  <c:v>27.247499999999999</c:v>
+                </c:pt>
+                <c:pt idx="154">
+                  <c:v>26.749300000000002</c:v>
+                </c:pt>
+                <c:pt idx="155">
+                  <c:v>27.049700000000001</c:v>
+                </c:pt>
+                <c:pt idx="156">
+                  <c:v>26.406199999999998</c:v>
+                </c:pt>
+                <c:pt idx="157">
+                  <c:v>26.3766</c:v>
+                </c:pt>
+                <c:pt idx="158">
+                  <c:v>26.727499999999999</c:v>
+                </c:pt>
+                <c:pt idx="159">
+                  <c:v>26.834900000000001</c:v>
+                </c:pt>
+                <c:pt idx="160">
+                  <c:v>27.110900000000001</c:v>
+                </c:pt>
+                <c:pt idx="161">
+                  <c:v>27.0061</c:v>
+                </c:pt>
+                <c:pt idx="162">
+                  <c:v>27.191199999999998</c:v>
+                </c:pt>
+                <c:pt idx="163">
+                  <c:v>26.607199999999999</c:v>
+                </c:pt>
+                <c:pt idx="164">
+                  <c:v>26.956800000000001</c:v>
+                </c:pt>
+                <c:pt idx="165">
+                  <c:v>26.958300000000001</c:v>
+                </c:pt>
+                <c:pt idx="166">
+                  <c:v>27.173500000000001</c:v>
+                </c:pt>
+                <c:pt idx="167">
+                  <c:v>27.357299999999999</c:v>
+                </c:pt>
+                <c:pt idx="168">
+                  <c:v>31.793700000000001</c:v>
+                </c:pt>
+                <c:pt idx="169">
+                  <c:v>27.6005</c:v>
+                </c:pt>
+                <c:pt idx="170">
+                  <c:v>29.674700000000001</c:v>
+                </c:pt>
+                <c:pt idx="171">
+                  <c:v>27.655799999999999</c:v>
+                </c:pt>
+                <c:pt idx="172">
+                  <c:v>27.919</c:v>
+                </c:pt>
+                <c:pt idx="173">
+                  <c:v>29.395700000000001</c:v>
+                </c:pt>
+                <c:pt idx="174">
+                  <c:v>28.055</c:v>
+                </c:pt>
+                <c:pt idx="175">
+                  <c:v>27.796900000000001</c:v>
+                </c:pt>
+                <c:pt idx="176">
+                  <c:v>27.453099999999999</c:v>
+                </c:pt>
+                <c:pt idx="177">
+                  <c:v>27.799800000000001</c:v>
+                </c:pt>
+                <c:pt idx="178">
+                  <c:v>28.061699999999998</c:v>
+                </c:pt>
+                <c:pt idx="179">
+                  <c:v>30.378399999999999</c:v>
+                </c:pt>
+                <c:pt idx="180">
+                  <c:v>29.281199999999998</c:v>
+                </c:pt>
+                <c:pt idx="181">
+                  <c:v>29.421199999999999</c:v>
+                </c:pt>
+                <c:pt idx="182">
+                  <c:v>28.898900000000001</c:v>
+                </c:pt>
+                <c:pt idx="183">
+                  <c:v>29.809000000000001</c:v>
+                </c:pt>
+                <c:pt idx="184">
+                  <c:v>30.698799999999999</c:v>
+                </c:pt>
+                <c:pt idx="185">
+                  <c:v>28.586500000000001</c:v>
+                </c:pt>
+                <c:pt idx="186">
+                  <c:v>27.3339</c:v>
+                </c:pt>
+                <c:pt idx="187">
+                  <c:v>27.796700000000001</c:v>
+                </c:pt>
+                <c:pt idx="188">
+                  <c:v>27.2315</c:v>
+                </c:pt>
+                <c:pt idx="189">
+                  <c:v>28.392199999999999</c:v>
+                </c:pt>
+                <c:pt idx="190">
+                  <c:v>27.497900000000001</c:v>
+                </c:pt>
+                <c:pt idx="191">
+                  <c:v>27.393999999999998</c:v>
+                </c:pt>
+                <c:pt idx="192">
+                  <c:v>26.880199999999999</c:v>
+                </c:pt>
+                <c:pt idx="193">
+                  <c:v>27.494700000000002</c:v>
+                </c:pt>
+                <c:pt idx="194">
+                  <c:v>26.999400000000001</c:v>
+                </c:pt>
+                <c:pt idx="195">
+                  <c:v>27.399699999999999</c:v>
+                </c:pt>
+                <c:pt idx="196">
+                  <c:v>27.201000000000001</c:v>
+                </c:pt>
+                <c:pt idx="197">
+                  <c:v>27.104500000000002</c:v>
+                </c:pt>
+                <c:pt idx="198">
+                  <c:v>27.9237</c:v>
+                </c:pt>
+                <c:pt idx="199">
+                  <c:v>28.9557</c:v>
+                </c:pt>
+                <c:pt idx="200">
+                  <c:v>28.5867</c:v>
+                </c:pt>
+                <c:pt idx="201">
+                  <c:v>27.564599999999999</c:v>
+                </c:pt>
+                <c:pt idx="202">
+                  <c:v>29.279599999999999</c:v>
+                </c:pt>
+                <c:pt idx="203">
+                  <c:v>30.630800000000001</c:v>
+                </c:pt>
+                <c:pt idx="204">
+                  <c:v>33.3367</c:v>
+                </c:pt>
+                <c:pt idx="205">
+                  <c:v>28.5824</c:v>
+                </c:pt>
+                <c:pt idx="206">
+                  <c:v>28.272300000000001</c:v>
+                </c:pt>
+                <c:pt idx="207">
+                  <c:v>29.3765</c:v>
+                </c:pt>
+                <c:pt idx="208">
+                  <c:v>27.629899999999999</c:v>
+                </c:pt>
+                <c:pt idx="209">
+                  <c:v>27.490400000000001</c:v>
+                </c:pt>
+                <c:pt idx="210">
+                  <c:v>28.228999999999999</c:v>
+                </c:pt>
+                <c:pt idx="211">
+                  <c:v>27.1465</c:v>
+                </c:pt>
+                <c:pt idx="212">
+                  <c:v>27.188099999999999</c:v>
+                </c:pt>
+                <c:pt idx="213">
+                  <c:v>26.663499999999999</c:v>
+                </c:pt>
+                <c:pt idx="214">
+                  <c:v>27.2178</c:v>
+                </c:pt>
+                <c:pt idx="215">
+                  <c:v>26.429300000000001</c:v>
+                </c:pt>
+                <c:pt idx="216">
+                  <c:v>26.984200000000001</c:v>
+                </c:pt>
+                <c:pt idx="217">
+                  <c:v>26.4665</c:v>
+                </c:pt>
+                <c:pt idx="218">
+                  <c:v>26.5182</c:v>
+                </c:pt>
+                <c:pt idx="219">
+                  <c:v>26.5077</c:v>
+                </c:pt>
+                <c:pt idx="220">
+                  <c:v>26.543399999999998</c:v>
+                </c:pt>
+                <c:pt idx="221">
+                  <c:v>27.560500000000001</c:v>
+                </c:pt>
+                <c:pt idx="222">
+                  <c:v>27.312000000000001</c:v>
+                </c:pt>
+                <c:pt idx="223">
+                  <c:v>32.275300000000001</c:v>
+                </c:pt>
+                <c:pt idx="224">
+                  <c:v>27.385400000000001</c:v>
+                </c:pt>
+                <c:pt idx="225">
+                  <c:v>27.686299999999999</c:v>
+                </c:pt>
+                <c:pt idx="226">
+                  <c:v>27.651599999999998</c:v>
+                </c:pt>
+                <c:pt idx="227">
+                  <c:v>30.092400000000001</c:v>
+                </c:pt>
+                <c:pt idx="228">
+                  <c:v>30.8506</c:v>
+                </c:pt>
+                <c:pt idx="229">
+                  <c:v>27.862300000000001</c:v>
+                </c:pt>
+                <c:pt idx="230">
+                  <c:v>27.388500000000001</c:v>
+                </c:pt>
+                <c:pt idx="231">
+                  <c:v>29.678599999999999</c:v>
+                </c:pt>
+                <c:pt idx="232">
+                  <c:v>27.3963</c:v>
+                </c:pt>
+                <c:pt idx="233">
+                  <c:v>27.989599999999999</c:v>
+                </c:pt>
+                <c:pt idx="234">
+                  <c:v>27.4253</c:v>
+                </c:pt>
+                <c:pt idx="235">
+                  <c:v>28.112400000000001</c:v>
+                </c:pt>
+                <c:pt idx="236">
+                  <c:v>27.345800000000001</c:v>
+                </c:pt>
+                <c:pt idx="237">
+                  <c:v>28.232199999999999</c:v>
+                </c:pt>
+                <c:pt idx="238">
+                  <c:v>30.0337</c:v>
+                </c:pt>
+                <c:pt idx="239">
+                  <c:v>29.8383</c:v>
+                </c:pt>
+                <c:pt idx="240">
+                  <c:v>29.5382</c:v>
+                </c:pt>
+                <c:pt idx="241">
+                  <c:v>28.244</c:v>
+                </c:pt>
+                <c:pt idx="242">
+                  <c:v>27.604500000000002</c:v>
+                </c:pt>
+                <c:pt idx="243">
+                  <c:v>27.478400000000001</c:v>
+                </c:pt>
+                <c:pt idx="244">
+                  <c:v>26.9895</c:v>
+                </c:pt>
+                <c:pt idx="245">
+                  <c:v>27.057300000000001</c:v>
+                </c:pt>
+                <c:pt idx="246">
+                  <c:v>27.6081</c:v>
+                </c:pt>
+                <c:pt idx="247">
+                  <c:v>26.9861</c:v>
+                </c:pt>
+                <c:pt idx="248">
+                  <c:v>27.3736</c:v>
+                </c:pt>
+                <c:pt idx="249">
+                  <c:v>26.969200000000001</c:v>
+                </c:pt>
+                <c:pt idx="250">
+                  <c:v>27.442499999999999</c:v>
+                </c:pt>
+                <c:pt idx="251">
+                  <c:v>26.966699999999999</c:v>
+                </c:pt>
+                <c:pt idx="252">
+                  <c:v>27.324300000000001</c:v>
+                </c:pt>
+                <c:pt idx="253">
+                  <c:v>26.846599999999999</c:v>
+                </c:pt>
+                <c:pt idx="254">
+                  <c:v>27.425999999999998</c:v>
+                </c:pt>
+                <c:pt idx="255">
+                  <c:v>26.992000000000001</c:v>
+                </c:pt>
+                <c:pt idx="256">
+                  <c:v>27.244</c:v>
+                </c:pt>
+                <c:pt idx="257">
+                  <c:v>27.1</c:v>
+                </c:pt>
+                <c:pt idx="258">
+                  <c:v>26.5623</c:v>
+                </c:pt>
+                <c:pt idx="259">
+                  <c:v>24.588699999999999</c:v>
+                </c:pt>
+                <c:pt idx="260">
+                  <c:v>21.96</c:v>
+                </c:pt>
+                <c:pt idx="261">
+                  <c:v>21.336500000000001</c:v>
+                </c:pt>
+                <c:pt idx="262">
+                  <c:v>3.81277E-2</c:v>
+                </c:pt>
+                <c:pt idx="263">
+                  <c:v>3.8532400000000001E-2</c:v>
+                </c:pt>
+                <c:pt idx="264">
+                  <c:v>4.4667400000000003E-2</c:v>
+                </c:pt>
+                <c:pt idx="265">
+                  <c:v>4.7420400000000001E-2</c:v>
+                </c:pt>
+                <c:pt idx="266">
+                  <c:v>4.7554199999999998E-2</c:v>
+                </c:pt>
+              </c:numCache>
+            </c:numRef>
+          </c:val>
+          <c:smooth val="0"/>
+          <c:extLst>
+            <c:ext xmlns:c16="http://schemas.microsoft.com/office/drawing/2014/chart" uri="{C3380CC4-5D6E-409C-BE32-E72D297353CC}">
+              <c16:uniqueId val="{00000000-D960-46E0-A8B9-E6903B8EA970}"/>
+            </c:ext>
+          </c:extLst>
+        </c:ser>
+        <c:ser>
+          <c:idx val="1"/>
+          <c:order val="1"/>
+          <c:tx>
+            <c:v>GPU</c:v>
+          </c:tx>
+          <c:spPr>
+            <a:ln w="28575" cap="rnd">
+              <a:solidFill>
+                <a:schemeClr val="accent2"/>
+              </a:solidFill>
+              <a:round/>
+            </a:ln>
+            <a:effectLst/>
+          </c:spPr>
+          <c:marker>
+            <c:symbol val="none"/>
+          </c:marker>
+          <c:val>
+            <c:numRef>
+              <c:f>Sheet1!$C$2:$C$268</c:f>
+              <c:numCache>
+                <c:formatCode>General</c:formatCode>
+                <c:ptCount val="267"/>
+                <c:pt idx="0">
+                  <c:v>3.8430300000000002</c:v>
+                </c:pt>
+                <c:pt idx="1">
+                  <c:v>0.43262899999999999</c:v>
+                </c:pt>
+                <c:pt idx="2">
+                  <c:v>0.42366700000000002</c:v>
+                </c:pt>
+                <c:pt idx="3">
+                  <c:v>0.42910199999999998</c:v>
+                </c:pt>
+                <c:pt idx="4">
+                  <c:v>0.42778500000000003</c:v>
+                </c:pt>
+                <c:pt idx="5">
+                  <c:v>0.42827199999999999</c:v>
+                </c:pt>
+                <c:pt idx="6">
+                  <c:v>0.42555900000000002</c:v>
+                </c:pt>
+                <c:pt idx="7">
+                  <c:v>0.43051499999999998</c:v>
+                </c:pt>
+                <c:pt idx="8">
+                  <c:v>0.42440899999999998</c:v>
+                </c:pt>
+                <c:pt idx="9">
+                  <c:v>0.42939100000000002</c:v>
+                </c:pt>
+                <c:pt idx="10">
+                  <c:v>0.43319299999999999</c:v>
+                </c:pt>
+                <c:pt idx="11">
+                  <c:v>0.42510500000000001</c:v>
+                </c:pt>
+                <c:pt idx="12">
+                  <c:v>0.42999900000000002</c:v>
+                </c:pt>
+                <c:pt idx="13">
+                  <c:v>0.42471999999999999</c:v>
+                </c:pt>
+                <c:pt idx="14">
+                  <c:v>0.42802400000000002</c:v>
+                </c:pt>
+                <c:pt idx="15">
+                  <c:v>0.445021</c:v>
+                </c:pt>
+                <c:pt idx="16">
+                  <c:v>0.44578600000000002</c:v>
+                </c:pt>
+                <c:pt idx="17">
+                  <c:v>0.42657099999999998</c:v>
+                </c:pt>
+                <c:pt idx="18">
+                  <c:v>0.42502299999999998</c:v>
+                </c:pt>
+                <c:pt idx="19">
+                  <c:v>0.43610100000000002</c:v>
+                </c:pt>
+                <c:pt idx="20">
+                  <c:v>0.44836999999999999</c:v>
+                </c:pt>
+                <c:pt idx="21">
+                  <c:v>0.42894100000000002</c:v>
+                </c:pt>
+                <c:pt idx="22">
+                  <c:v>0.42543300000000001</c:v>
+                </c:pt>
+                <c:pt idx="23">
+                  <c:v>0.42831599999999997</c:v>
+                </c:pt>
+                <c:pt idx="24">
+                  <c:v>0.42843199999999998</c:v>
+                </c:pt>
+                <c:pt idx="25">
+                  <c:v>0.431257</c:v>
+                </c:pt>
+                <c:pt idx="26">
+                  <c:v>0.42612100000000003</c:v>
+                </c:pt>
+                <c:pt idx="27">
+                  <c:v>0.42486200000000002</c:v>
+                </c:pt>
+                <c:pt idx="28">
+                  <c:v>0.42777100000000001</c:v>
+                </c:pt>
+                <c:pt idx="29">
+                  <c:v>0.42313200000000001</c:v>
+                </c:pt>
+                <c:pt idx="30">
+                  <c:v>0.43185899999999999</c:v>
+                </c:pt>
+                <c:pt idx="31">
+                  <c:v>0.43332199999999998</c:v>
+                </c:pt>
+                <c:pt idx="32">
+                  <c:v>0.42813499999999999</c:v>
+                </c:pt>
+                <c:pt idx="33">
+                  <c:v>0.43151</c:v>
+                </c:pt>
+                <c:pt idx="34">
+                  <c:v>0.44315900000000003</c:v>
+                </c:pt>
+                <c:pt idx="35">
+                  <c:v>0.43489800000000001</c:v>
+                </c:pt>
+                <c:pt idx="36">
+                  <c:v>0.60059399999999996</c:v>
+                </c:pt>
+                <c:pt idx="37">
+                  <c:v>0.432537</c:v>
+                </c:pt>
+                <c:pt idx="38">
+                  <c:v>0.43077900000000002</c:v>
+                </c:pt>
+                <c:pt idx="39">
+                  <c:v>0.42722500000000002</c:v>
+                </c:pt>
+                <c:pt idx="40">
+                  <c:v>0.43104399999999998</c:v>
+                </c:pt>
+                <c:pt idx="41">
+                  <c:v>0.43519400000000003</c:v>
+                </c:pt>
+                <c:pt idx="42">
+                  <c:v>0.43123299999999998</c:v>
+                </c:pt>
+                <c:pt idx="43">
+                  <c:v>0.43824800000000003</c:v>
+                </c:pt>
+                <c:pt idx="44">
+                  <c:v>0.43376399999999998</c:v>
+                </c:pt>
+                <c:pt idx="45">
+                  <c:v>0.44194800000000001</c:v>
+                </c:pt>
+                <c:pt idx="46">
+                  <c:v>0.44167899999999999</c:v>
+                </c:pt>
+                <c:pt idx="47">
+                  <c:v>0.42714600000000003</c:v>
+                </c:pt>
+                <c:pt idx="48">
+                  <c:v>0.427541</c:v>
+                </c:pt>
+                <c:pt idx="49">
+                  <c:v>0.43563600000000002</c:v>
+                </c:pt>
+                <c:pt idx="50">
+                  <c:v>0.43343100000000001</c:v>
+                </c:pt>
+                <c:pt idx="51">
+                  <c:v>0.42837399999999998</c:v>
+                </c:pt>
+                <c:pt idx="52">
+                  <c:v>0.42890200000000001</c:v>
+                </c:pt>
+                <c:pt idx="53">
+                  <c:v>0.430089</c:v>
+                </c:pt>
+                <c:pt idx="54">
+                  <c:v>0.44175500000000001</c:v>
+                </c:pt>
+                <c:pt idx="55">
+                  <c:v>0.43018400000000001</c:v>
+                </c:pt>
+                <c:pt idx="56">
+                  <c:v>0.43242000000000003</c:v>
+                </c:pt>
+                <c:pt idx="57">
+                  <c:v>0.42910799999999999</c:v>
+                </c:pt>
+                <c:pt idx="58">
+                  <c:v>0.43549900000000002</c:v>
+                </c:pt>
+                <c:pt idx="59">
+                  <c:v>0.430948</c:v>
+                </c:pt>
+                <c:pt idx="60">
+                  <c:v>0.42539700000000003</c:v>
+                </c:pt>
+                <c:pt idx="61">
+                  <c:v>0.43099700000000002</c:v>
+                </c:pt>
+                <c:pt idx="62">
+                  <c:v>0.42783100000000002</c:v>
+                </c:pt>
+                <c:pt idx="63">
+                  <c:v>0.432112</c:v>
+                </c:pt>
+                <c:pt idx="64">
+                  <c:v>0.42826700000000001</c:v>
+                </c:pt>
+                <c:pt idx="65">
+                  <c:v>0.42787799999999998</c:v>
+                </c:pt>
+                <c:pt idx="66">
+                  <c:v>0.434475</c:v>
+                </c:pt>
+                <c:pt idx="67">
+                  <c:v>0.42880400000000002</c:v>
+                </c:pt>
+                <c:pt idx="68">
+                  <c:v>0.42717899999999998</c:v>
+                </c:pt>
+                <c:pt idx="69">
+                  <c:v>0.42980800000000002</c:v>
+                </c:pt>
+                <c:pt idx="70">
+                  <c:v>0.42860199999999998</c:v>
+                </c:pt>
+                <c:pt idx="71">
+                  <c:v>0.42823800000000001</c:v>
+                </c:pt>
+                <c:pt idx="72">
+                  <c:v>0.42552000000000001</c:v>
+                </c:pt>
+                <c:pt idx="73">
+                  <c:v>0.42922100000000002</c:v>
+                </c:pt>
+                <c:pt idx="74">
+                  <c:v>0.42450300000000002</c:v>
+                </c:pt>
+                <c:pt idx="75">
+                  <c:v>0.424377</c:v>
+                </c:pt>
+                <c:pt idx="76">
+                  <c:v>0.42902299999999999</c:v>
+                </c:pt>
+                <c:pt idx="77">
+                  <c:v>0.42660900000000002</c:v>
+                </c:pt>
+                <c:pt idx="78">
+                  <c:v>0.60417799999999999</c:v>
+                </c:pt>
+                <c:pt idx="79">
+                  <c:v>0.42365799999999998</c:v>
+                </c:pt>
+                <c:pt idx="80">
+                  <c:v>0.42464600000000002</c:v>
+                </c:pt>
+                <c:pt idx="81">
+                  <c:v>0.42533599999999999</c:v>
+                </c:pt>
+                <c:pt idx="82">
+                  <c:v>0.42660300000000001</c:v>
+                </c:pt>
+                <c:pt idx="83">
+                  <c:v>0.42464600000000002</c:v>
+                </c:pt>
+                <c:pt idx="84">
+                  <c:v>0.433755</c:v>
+                </c:pt>
+                <c:pt idx="85">
+                  <c:v>0.43416300000000002</c:v>
+                </c:pt>
+                <c:pt idx="86">
+                  <c:v>0.43026700000000001</c:v>
+                </c:pt>
+                <c:pt idx="87">
+                  <c:v>0.42884499999999998</c:v>
+                </c:pt>
+                <c:pt idx="88">
+                  <c:v>0.43229400000000001</c:v>
+                </c:pt>
+                <c:pt idx="89">
+                  <c:v>0.42805100000000001</c:v>
+                </c:pt>
+                <c:pt idx="90">
+                  <c:v>0.430423</c:v>
+                </c:pt>
+                <c:pt idx="91">
+                  <c:v>0.42683500000000002</c:v>
+                </c:pt>
+                <c:pt idx="92">
+                  <c:v>0.42920900000000001</c:v>
+                </c:pt>
+                <c:pt idx="93">
+                  <c:v>0.423315</c:v>
+                </c:pt>
+                <c:pt idx="94">
+                  <c:v>0.42714099999999999</c:v>
+                </c:pt>
+                <c:pt idx="95">
+                  <c:v>0.42815999999999999</c:v>
+                </c:pt>
+                <c:pt idx="96">
+                  <c:v>0.43027300000000002</c:v>
+                </c:pt>
+                <c:pt idx="97">
+                  <c:v>0.42677399999999999</c:v>
+                </c:pt>
+                <c:pt idx="98">
+                  <c:v>0.432952</c:v>
+                </c:pt>
+                <c:pt idx="99">
+                  <c:v>0.42554399999999998</c:v>
+                </c:pt>
+                <c:pt idx="100">
+                  <c:v>0.42917</c:v>
+                </c:pt>
+                <c:pt idx="101">
+                  <c:v>0.43495299999999998</c:v>
+                </c:pt>
+                <c:pt idx="102">
+                  <c:v>0.43238900000000002</c:v>
+                </c:pt>
+                <c:pt idx="103">
+                  <c:v>0.429012</c:v>
+                </c:pt>
+                <c:pt idx="104">
+                  <c:v>0.42921500000000001</c:v>
+                </c:pt>
+                <c:pt idx="105">
+                  <c:v>0.43633</c:v>
+                </c:pt>
+                <c:pt idx="106">
+                  <c:v>0.43095899999999998</c:v>
+                </c:pt>
+                <c:pt idx="107">
+                  <c:v>0.427367</c:v>
+                </c:pt>
+                <c:pt idx="108">
+                  <c:v>0.43140600000000001</c:v>
+                </c:pt>
+                <c:pt idx="109">
+                  <c:v>0.42803099999999999</c:v>
+                </c:pt>
+                <c:pt idx="110">
+                  <c:v>0.42374400000000001</c:v>
+                </c:pt>
+                <c:pt idx="111">
+                  <c:v>0.42653999999999997</c:v>
+                </c:pt>
+                <c:pt idx="112">
+                  <c:v>0.425016</c:v>
+                </c:pt>
+                <c:pt idx="113">
+                  <c:v>0.42743900000000001</c:v>
+                </c:pt>
+                <c:pt idx="114">
+                  <c:v>0.42986600000000003</c:v>
+                </c:pt>
+                <c:pt idx="115">
+                  <c:v>0.42971399999999998</c:v>
+                </c:pt>
+                <c:pt idx="116">
+                  <c:v>0.43585200000000002</c:v>
+                </c:pt>
+                <c:pt idx="117">
+                  <c:v>0.42642000000000002</c:v>
+                </c:pt>
+                <c:pt idx="118">
+                  <c:v>0.43071700000000002</c:v>
+                </c:pt>
+                <c:pt idx="119">
+                  <c:v>0.42725099999999999</c:v>
+                </c:pt>
+                <c:pt idx="120">
+                  <c:v>2.04596</c:v>
+                </c:pt>
+                <c:pt idx="121">
+                  <c:v>0.43103200000000003</c:v>
+                </c:pt>
+                <c:pt idx="122">
+                  <c:v>0.42634899999999998</c:v>
+                </c:pt>
+                <c:pt idx="123">
+                  <c:v>0.42785299999999998</c:v>
+                </c:pt>
+                <c:pt idx="124">
+                  <c:v>0.42447600000000002</c:v>
+                </c:pt>
+                <c:pt idx="125">
+                  <c:v>0.43001499999999998</c:v>
+                </c:pt>
+                <c:pt idx="126">
+                  <c:v>0.42870000000000003</c:v>
+                </c:pt>
+                <c:pt idx="127">
+                  <c:v>0.42908000000000002</c:v>
+                </c:pt>
+                <c:pt idx="128">
+                  <c:v>0.42692200000000002</c:v>
+                </c:pt>
+                <c:pt idx="129">
+                  <c:v>0.422815</c:v>
+                </c:pt>
+                <c:pt idx="130">
+                  <c:v>0.42399199999999998</c:v>
+                </c:pt>
+                <c:pt idx="131">
+                  <c:v>0.42413000000000001</c:v>
+                </c:pt>
+                <c:pt idx="132">
+                  <c:v>0.42658499999999999</c:v>
+                </c:pt>
+                <c:pt idx="133">
+                  <c:v>0.43076900000000001</c:v>
+                </c:pt>
+                <c:pt idx="134">
+                  <c:v>0.42704700000000001</c:v>
+                </c:pt>
+                <c:pt idx="135">
+                  <c:v>0.42964400000000003</c:v>
+                </c:pt>
+                <c:pt idx="136">
+                  <c:v>0.42807099999999998</c:v>
+                </c:pt>
+                <c:pt idx="137">
+                  <c:v>0.42787500000000001</c:v>
+                </c:pt>
+                <c:pt idx="138">
+                  <c:v>0.42289100000000002</c:v>
+                </c:pt>
+                <c:pt idx="139">
+                  <c:v>0.44344699999999998</c:v>
+                </c:pt>
+                <c:pt idx="140">
+                  <c:v>0.423842</c:v>
+                </c:pt>
+                <c:pt idx="141">
+                  <c:v>0.426678</c:v>
+                </c:pt>
+                <c:pt idx="142">
+                  <c:v>0.42536299999999999</c:v>
+                </c:pt>
+                <c:pt idx="143">
+                  <c:v>0.43050899999999998</c:v>
+                </c:pt>
+                <c:pt idx="144">
+                  <c:v>0.42787599999999998</c:v>
+                </c:pt>
+                <c:pt idx="145">
+                  <c:v>0.42981000000000003</c:v>
+                </c:pt>
+                <c:pt idx="146">
+                  <c:v>0.42669699999999999</c:v>
+                </c:pt>
+                <c:pt idx="147">
+                  <c:v>0.42503099999999999</c:v>
+                </c:pt>
+                <c:pt idx="148">
+                  <c:v>0.42652699999999999</c:v>
+                </c:pt>
+                <c:pt idx="149">
+                  <c:v>0.42296800000000001</c:v>
+                </c:pt>
+                <c:pt idx="150">
+                  <c:v>0.428753</c:v>
+                </c:pt>
+                <c:pt idx="151">
+                  <c:v>0.42605100000000001</c:v>
+                </c:pt>
+                <c:pt idx="152">
+                  <c:v>0.42604199999999998</c:v>
+                </c:pt>
+                <c:pt idx="153">
+                  <c:v>0.43018000000000001</c:v>
+                </c:pt>
+                <c:pt idx="154">
+                  <c:v>0.42407899999999998</c:v>
+                </c:pt>
+                <c:pt idx="155">
+                  <c:v>0.423682</c:v>
+                </c:pt>
+                <c:pt idx="156">
+                  <c:v>0.43027500000000002</c:v>
+                </c:pt>
+                <c:pt idx="157">
+                  <c:v>0.42582700000000001</c:v>
+                </c:pt>
+                <c:pt idx="158">
+                  <c:v>0.42870599999999998</c:v>
+                </c:pt>
+                <c:pt idx="159">
+                  <c:v>0.43207899999999999</c:v>
+                </c:pt>
+                <c:pt idx="160">
+                  <c:v>0.42710700000000001</c:v>
+                </c:pt>
+                <c:pt idx="161">
+                  <c:v>0.57428100000000004</c:v>
+                </c:pt>
+                <c:pt idx="162">
+                  <c:v>0.43077199999999999</c:v>
+                </c:pt>
+                <c:pt idx="163">
+                  <c:v>0.42528100000000002</c:v>
+                </c:pt>
+                <c:pt idx="164">
+                  <c:v>0.43094300000000002</c:v>
+                </c:pt>
+                <c:pt idx="165">
+                  <c:v>0.428116</c:v>
+                </c:pt>
+                <c:pt idx="166">
+                  <c:v>0.42737999999999998</c:v>
+                </c:pt>
+                <c:pt idx="167">
+                  <c:v>0.4274</c:v>
+                </c:pt>
+                <c:pt idx="168">
+                  <c:v>0.42414299999999999</c:v>
+                </c:pt>
+                <c:pt idx="169">
+                  <c:v>0.42687199999999997</c:v>
+                </c:pt>
+                <c:pt idx="170">
+                  <c:v>0.42874299999999999</c:v>
+                </c:pt>
+                <c:pt idx="171">
+                  <c:v>0.42839300000000002</c:v>
+                </c:pt>
+                <c:pt idx="172">
+                  <c:v>0.42798599999999998</c:v>
+                </c:pt>
+                <c:pt idx="173">
+                  <c:v>0.42515799999999998</c:v>
+                </c:pt>
+                <c:pt idx="174">
+                  <c:v>0.43037199999999998</c:v>
+                </c:pt>
+                <c:pt idx="175">
+                  <c:v>0.42263200000000001</c:v>
+                </c:pt>
+                <c:pt idx="176">
+                  <c:v>0.42630800000000002</c:v>
+                </c:pt>
+                <c:pt idx="177">
+                  <c:v>0.424091</c:v>
+                </c:pt>
+                <c:pt idx="178">
+                  <c:v>0.427562</c:v>
+                </c:pt>
+                <c:pt idx="179">
+                  <c:v>0.42638199999999998</c:v>
+                </c:pt>
+                <c:pt idx="180">
+                  <c:v>0.42914400000000003</c:v>
+                </c:pt>
+                <c:pt idx="181">
+                  <c:v>0.42927399999999999</c:v>
+                </c:pt>
+                <c:pt idx="182">
+                  <c:v>0.424174</c:v>
+                </c:pt>
+                <c:pt idx="183">
+                  <c:v>0.42493300000000001</c:v>
+                </c:pt>
+                <c:pt idx="184">
+                  <c:v>0.42747800000000002</c:v>
+                </c:pt>
+                <c:pt idx="185">
+                  <c:v>0.42682500000000001</c:v>
+                </c:pt>
+                <c:pt idx="186">
+                  <c:v>0.42516399999999999</c:v>
+                </c:pt>
+                <c:pt idx="187">
+                  <c:v>0.42744599999999999</c:v>
+                </c:pt>
+                <c:pt idx="188">
+                  <c:v>0.42877300000000002</c:v>
+                </c:pt>
+                <c:pt idx="189">
+                  <c:v>0.429315</c:v>
+                </c:pt>
+                <c:pt idx="190">
+                  <c:v>0.42820900000000001</c:v>
+                </c:pt>
+                <c:pt idx="191">
+                  <c:v>0.42688300000000001</c:v>
+                </c:pt>
+                <c:pt idx="192">
+                  <c:v>0.42985699999999999</c:v>
+                </c:pt>
+                <c:pt idx="193">
+                  <c:v>0.42657699999999998</c:v>
+                </c:pt>
+                <c:pt idx="194">
+                  <c:v>0.42766199999999999</c:v>
+                </c:pt>
+                <c:pt idx="195">
+                  <c:v>0.42725200000000002</c:v>
+                </c:pt>
+                <c:pt idx="196">
+                  <c:v>0.42607600000000001</c:v>
+                </c:pt>
+                <c:pt idx="197">
+                  <c:v>0.42799300000000001</c:v>
+                </c:pt>
+                <c:pt idx="198">
+                  <c:v>0.42546400000000001</c:v>
+                </c:pt>
+                <c:pt idx="199">
+                  <c:v>0.42713699999999999</c:v>
+                </c:pt>
+                <c:pt idx="200">
+                  <c:v>0.42865199999999998</c:v>
+                </c:pt>
+                <c:pt idx="201">
+                  <c:v>0.42886600000000002</c:v>
+                </c:pt>
+                <c:pt idx="202">
+                  <c:v>0.42754999999999999</c:v>
+                </c:pt>
+                <c:pt idx="203">
+                  <c:v>0.64233399999999996</c:v>
+                </c:pt>
+                <c:pt idx="204">
+                  <c:v>0.426981</c:v>
+                </c:pt>
+                <c:pt idx="205">
+                  <c:v>0.42617100000000002</c:v>
+                </c:pt>
+                <c:pt idx="206">
+                  <c:v>0.42497499999999999</c:v>
+                </c:pt>
+                <c:pt idx="207">
+                  <c:v>0.42531099999999999</c:v>
+                </c:pt>
+                <c:pt idx="208">
+                  <c:v>0.42638900000000002</c:v>
+                </c:pt>
+                <c:pt idx="209">
+                  <c:v>0.43097200000000002</c:v>
+                </c:pt>
+                <c:pt idx="210">
+                  <c:v>0.42788999999999999</c:v>
+                </c:pt>
+                <c:pt idx="211">
+                  <c:v>0.43430999999999997</c:v>
+                </c:pt>
+                <c:pt idx="212">
+                  <c:v>0.42951</c:v>
+                </c:pt>
+                <c:pt idx="213">
+                  <c:v>0.42868400000000001</c:v>
+                </c:pt>
+                <c:pt idx="214">
+                  <c:v>0.42538100000000001</c:v>
+                </c:pt>
+                <c:pt idx="215">
+                  <c:v>0.426153</c:v>
+                </c:pt>
+                <c:pt idx="216">
+                  <c:v>0.42683399999999999</c:v>
+                </c:pt>
+                <c:pt idx="217">
+                  <c:v>0.42799700000000002</c:v>
+                </c:pt>
+                <c:pt idx="218">
+                  <c:v>0.42496</c:v>
+                </c:pt>
+                <c:pt idx="219">
+                  <c:v>0.42595899999999998</c:v>
+                </c:pt>
+                <c:pt idx="220">
+                  <c:v>0.428452</c:v>
+                </c:pt>
+                <c:pt idx="221">
+                  <c:v>0.42816100000000001</c:v>
+                </c:pt>
+                <c:pt idx="222">
+                  <c:v>0.43060199999999998</c:v>
+                </c:pt>
+                <c:pt idx="223">
+                  <c:v>0.421566</c:v>
+                </c:pt>
+                <c:pt idx="224">
+                  <c:v>0.43951800000000002</c:v>
+                </c:pt>
+                <c:pt idx="225">
+                  <c:v>0.43951800000000002</c:v>
+                </c:pt>
+                <c:pt idx="226">
+                  <c:v>0.43703900000000001</c:v>
+                </c:pt>
+                <c:pt idx="227">
+                  <c:v>0.43039699999999997</c:v>
+                </c:pt>
+                <c:pt idx="228">
+                  <c:v>0.43301000000000001</c:v>
+                </c:pt>
+                <c:pt idx="229">
+                  <c:v>0.45450299999999999</c:v>
+                </c:pt>
+                <c:pt idx="230">
+                  <c:v>0.45367400000000002</c:v>
+                </c:pt>
+                <c:pt idx="231">
+                  <c:v>0.45261099999999999</c:v>
+                </c:pt>
+                <c:pt idx="232">
+                  <c:v>0.44108199999999997</c:v>
+                </c:pt>
+                <c:pt idx="233">
+                  <c:v>0.485155</c:v>
+                </c:pt>
+                <c:pt idx="234">
+                  <c:v>0.43554199999999998</c:v>
+                </c:pt>
+                <c:pt idx="235">
+                  <c:v>0.47589100000000001</c:v>
+                </c:pt>
+                <c:pt idx="236">
+                  <c:v>0.50580800000000004</c:v>
+                </c:pt>
+                <c:pt idx="237">
+                  <c:v>0.48255300000000001</c:v>
+                </c:pt>
+                <c:pt idx="238">
+                  <c:v>0.43526399999999998</c:v>
+                </c:pt>
+                <c:pt idx="239">
+                  <c:v>0.432282</c:v>
+                </c:pt>
+                <c:pt idx="240">
+                  <c:v>0.434809</c:v>
+                </c:pt>
+                <c:pt idx="241">
+                  <c:v>0.50543899999999997</c:v>
+                </c:pt>
+                <c:pt idx="242">
+                  <c:v>0.52027699999999999</c:v>
+                </c:pt>
+                <c:pt idx="243">
+                  <c:v>0.43151600000000001</c:v>
+                </c:pt>
+                <c:pt idx="244">
+                  <c:v>0.43059700000000001</c:v>
+                </c:pt>
+                <c:pt idx="245">
+                  <c:v>0.427817</c:v>
+                </c:pt>
+                <c:pt idx="246">
+                  <c:v>0.44211600000000001</c:v>
+                </c:pt>
+                <c:pt idx="247">
+                  <c:v>0.50165999999999999</c:v>
+                </c:pt>
+                <c:pt idx="248">
+                  <c:v>0.43680799999999997</c:v>
+                </c:pt>
+                <c:pt idx="249">
+                  <c:v>0.45627200000000001</c:v>
+                </c:pt>
+                <c:pt idx="250">
+                  <c:v>0.43404900000000002</c:v>
+                </c:pt>
+                <c:pt idx="251">
+                  <c:v>0.441747</c:v>
+                </c:pt>
+                <c:pt idx="252">
+                  <c:v>0.44765100000000002</c:v>
+                </c:pt>
+                <c:pt idx="253">
+                  <c:v>0.44309500000000002</c:v>
+                </c:pt>
+                <c:pt idx="254">
+                  <c:v>0.45851799999999998</c:v>
+                </c:pt>
+                <c:pt idx="255">
+                  <c:v>0.45309700000000003</c:v>
+                </c:pt>
+                <c:pt idx="256">
+                  <c:v>0.45891599999999999</c:v>
+                </c:pt>
+                <c:pt idx="257">
+                  <c:v>0.428815</c:v>
+                </c:pt>
+                <c:pt idx="258">
+                  <c:v>68.284000000000006</c:v>
+                </c:pt>
+                <c:pt idx="259">
+                  <c:v>2.1800199999999998</c:v>
+                </c:pt>
+                <c:pt idx="260">
+                  <c:v>1.5913900000000001</c:v>
+                </c:pt>
+                <c:pt idx="261">
+                  <c:v>1.6274999999999999</c:v>
+                </c:pt>
+                <c:pt idx="262">
+                  <c:v>0.98828000000000005</c:v>
+                </c:pt>
+                <c:pt idx="263">
+                  <c:v>0.49866300000000002</c:v>
+                </c:pt>
+                <c:pt idx="264">
+                  <c:v>0.31781399999999999</c:v>
+                </c:pt>
+                <c:pt idx="265">
+                  <c:v>0.32114500000000001</c:v>
+                </c:pt>
+                <c:pt idx="266">
+                  <c:v>0.44520999999999999</c:v>
+                </c:pt>
+              </c:numCache>
+            </c:numRef>
+          </c:val>
+          <c:smooth val="0"/>
+          <c:extLst>
+            <c:ext xmlns:c16="http://schemas.microsoft.com/office/drawing/2014/chart" uri="{C3380CC4-5D6E-409C-BE32-E72D297353CC}">
+              <c16:uniqueId val="{00000001-D960-46E0-A8B9-E6903B8EA970}"/>
+            </c:ext>
+          </c:extLst>
+        </c:ser>
+        <c:dLbls>
+          <c:showLegendKey val="0"/>
+          <c:showVal val="0"/>
+          <c:showCatName val="0"/>
+          <c:showSerName val="0"/>
+          <c:showPercent val="0"/>
+          <c:showBubbleSize val="0"/>
+        </c:dLbls>
+        <c:smooth val="0"/>
+        <c:axId val="2135546399"/>
+        <c:axId val="2135523103"/>
+      </c:lineChart>
+      <c:catAx>
+        <c:axId val="2135546399"/>
+        <c:scaling>
+          <c:orientation val="minMax"/>
+        </c:scaling>
+        <c:delete val="0"/>
+        <c:axPos val="b"/>
+        <c:minorGridlines>
+          <c:spPr>
+            <a:ln w="9525" cap="flat" cmpd="sng" algn="ctr">
+              <a:solidFill>
+                <a:schemeClr val="tx1">
+                  <a:lumMod val="5000"/>
+                  <a:lumOff val="95000"/>
+                </a:schemeClr>
+              </a:solidFill>
+              <a:round/>
+            </a:ln>
+            <a:effectLst/>
+          </c:spPr>
+        </c:minorGridlines>
+        <c:title>
+          <c:tx>
+            <c:rich>
+              <a:bodyPr rot="0" spcFirstLastPara="1" vertOverflow="ellipsis" vert="horz" wrap="square" anchor="ctr" anchorCtr="1"/>
+              <a:lstStyle/>
+              <a:p>
+                <a:pPr>
+                  <a:defRPr sz="1000" b="0" i="0" u="none" strike="noStrike" kern="1200" baseline="0">
+                    <a:solidFill>
+                      <a:schemeClr val="tx1">
+                        <a:lumMod val="65000"/>
+                        <a:lumOff val="35000"/>
+                      </a:schemeClr>
+                    </a:solidFill>
+                    <a:latin typeface="+mn-lt"/>
+                    <a:ea typeface="+mn-ea"/>
+                    <a:cs typeface="+mn-cs"/>
+                  </a:defRPr>
+                </a:pPr>
+                <a:r>
+                  <a:rPr lang="en-US"/>
+                  <a:t>Frame</a:t>
+                </a:r>
+                <a:endParaRPr lang="ro-RO"/>
+              </a:p>
+            </c:rich>
+          </c:tx>
+          <c:overlay val="0"/>
+          <c:spPr>
+            <a:noFill/>
+            <a:ln>
+              <a:noFill/>
+            </a:ln>
+            <a:effectLst/>
+          </c:spPr>
+          <c:txPr>
+            <a:bodyPr rot="0" spcFirstLastPara="1" vertOverflow="ellipsis" vert="horz" wrap="square" anchor="ctr" anchorCtr="1"/>
+            <a:lstStyle/>
+            <a:p>
+              <a:pPr>
+                <a:defRPr sz="1000" b="0" i="0" u="none" strike="noStrike" kern="1200" baseline="0">
+                  <a:solidFill>
+                    <a:schemeClr val="tx1">
+                      <a:lumMod val="65000"/>
+                      <a:lumOff val="35000"/>
+                    </a:schemeClr>
+                  </a:solidFill>
+                  <a:latin typeface="+mn-lt"/>
+                  <a:ea typeface="+mn-ea"/>
+                  <a:cs typeface="+mn-cs"/>
+                </a:defRPr>
+              </a:pPr>
+              <a:endParaRPr lang="ro-RO"/>
+            </a:p>
+          </c:txPr>
+        </c:title>
+        <c:numFmt formatCode="General" sourceLinked="1"/>
+        <c:majorTickMark val="none"/>
+        <c:minorTickMark val="none"/>
+        <c:tickLblPos val="nextTo"/>
+        <c:spPr>
+          <a:noFill/>
+          <a:ln w="9525" cap="flat" cmpd="sng" algn="ctr">
+            <a:solidFill>
+              <a:schemeClr val="tx1">
+                <a:lumMod val="15000"/>
+                <a:lumOff val="85000"/>
+              </a:schemeClr>
+            </a:solidFill>
+            <a:round/>
+          </a:ln>
+          <a:effectLst/>
+        </c:spPr>
+        <c:txPr>
+          <a:bodyPr rot="-60000000" spcFirstLastPara="1" vertOverflow="ellipsis" vert="horz" wrap="square" anchor="ctr" anchorCtr="1"/>
+          <a:lstStyle/>
+          <a:p>
+            <a:pPr>
+              <a:defRPr sz="900" b="0" i="0" u="none" strike="noStrike" kern="1200" baseline="0">
+                <a:solidFill>
+                  <a:schemeClr val="tx1">
+                    <a:lumMod val="65000"/>
+                    <a:lumOff val="35000"/>
+                  </a:schemeClr>
+                </a:solidFill>
+                <a:latin typeface="+mn-lt"/>
+                <a:ea typeface="+mn-ea"/>
+                <a:cs typeface="+mn-cs"/>
+              </a:defRPr>
+            </a:pPr>
+            <a:endParaRPr lang="ro-RO"/>
+          </a:p>
+        </c:txPr>
+        <c:crossAx val="2135523103"/>
+        <c:crosses val="autoZero"/>
+        <c:auto val="1"/>
+        <c:lblAlgn val="ctr"/>
+        <c:lblOffset val="100"/>
+        <c:tickLblSkip val="20"/>
+        <c:noMultiLvlLbl val="0"/>
+      </c:catAx>
+      <c:valAx>
+        <c:axId val="2135523103"/>
+        <c:scaling>
+          <c:orientation val="minMax"/>
+          <c:max val="60"/>
+        </c:scaling>
+        <c:delete val="0"/>
+        <c:axPos val="l"/>
+        <c:majorGridlines>
+          <c:spPr>
+            <a:ln w="9525" cap="flat" cmpd="sng" algn="ctr">
+              <a:solidFill>
+                <a:schemeClr val="tx1">
+                  <a:lumMod val="15000"/>
+                  <a:lumOff val="85000"/>
+                </a:schemeClr>
+              </a:solidFill>
+              <a:round/>
+            </a:ln>
+            <a:effectLst/>
+          </c:spPr>
+        </c:majorGridlines>
+        <c:title>
+          <c:tx>
+            <c:rich>
+              <a:bodyPr rot="-5400000" spcFirstLastPara="1" vertOverflow="ellipsis" vert="horz" wrap="square" anchor="ctr" anchorCtr="1"/>
+              <a:lstStyle/>
+              <a:p>
+                <a:pPr>
+                  <a:defRPr sz="1000" b="0" i="0" u="none" strike="noStrike" kern="1200" baseline="0">
+                    <a:solidFill>
+                      <a:schemeClr val="tx1">
+                        <a:lumMod val="65000"/>
+                        <a:lumOff val="35000"/>
+                      </a:schemeClr>
+                    </a:solidFill>
+                    <a:latin typeface="+mn-lt"/>
+                    <a:ea typeface="+mn-ea"/>
+                    <a:cs typeface="+mn-cs"/>
+                  </a:defRPr>
+                </a:pPr>
+                <a:r>
+                  <a:rPr lang="en-US"/>
+                  <a:t>Time(sec)</a:t>
+                </a:r>
+                <a:endParaRPr lang="ro-RO"/>
+              </a:p>
+            </c:rich>
+          </c:tx>
+          <c:overlay val="0"/>
+          <c:spPr>
+            <a:noFill/>
+            <a:ln>
+              <a:noFill/>
+            </a:ln>
+            <a:effectLst/>
+          </c:spPr>
+          <c:txPr>
+            <a:bodyPr rot="-5400000" spcFirstLastPara="1" vertOverflow="ellipsis" vert="horz" wrap="square" anchor="ctr" anchorCtr="1"/>
+            <a:lstStyle/>
+            <a:p>
+              <a:pPr>
+                <a:defRPr sz="1000" b="0" i="0" u="none" strike="noStrike" kern="1200" baseline="0">
+                  <a:solidFill>
+                    <a:schemeClr val="tx1">
+                      <a:lumMod val="65000"/>
+                      <a:lumOff val="35000"/>
+                    </a:schemeClr>
+                  </a:solidFill>
+                  <a:latin typeface="+mn-lt"/>
+                  <a:ea typeface="+mn-ea"/>
+                  <a:cs typeface="+mn-cs"/>
+                </a:defRPr>
+              </a:pPr>
+              <a:endParaRPr lang="ro-RO"/>
+            </a:p>
+          </c:txPr>
+        </c:title>
+        <c:numFmt formatCode="General" sourceLinked="1"/>
+        <c:majorTickMark val="out"/>
+        <c:minorTickMark val="none"/>
+        <c:tickLblPos val="nextTo"/>
+        <c:spPr>
+          <a:noFill/>
+          <a:ln>
+            <a:noFill/>
+          </a:ln>
+          <a:effectLst/>
+        </c:spPr>
+        <c:txPr>
+          <a:bodyPr rot="-60000000" spcFirstLastPara="1" vertOverflow="ellipsis" vert="horz" wrap="square" anchor="ctr" anchorCtr="1"/>
+          <a:lstStyle/>
+          <a:p>
+            <a:pPr>
+              <a:defRPr sz="900" b="0" i="0" u="none" strike="noStrike" kern="1200" baseline="0">
+                <a:solidFill>
+                  <a:schemeClr val="tx1">
+                    <a:lumMod val="65000"/>
+                    <a:lumOff val="35000"/>
+                  </a:schemeClr>
+                </a:solidFill>
+                <a:latin typeface="+mn-lt"/>
+                <a:ea typeface="+mn-ea"/>
+                <a:cs typeface="+mn-cs"/>
+              </a:defRPr>
+            </a:pPr>
+            <a:endParaRPr lang="ro-RO"/>
+          </a:p>
+        </c:txPr>
+        <c:crossAx val="2135546399"/>
+        <c:crosses val="autoZero"/>
+        <c:crossBetween val="midCat"/>
+        <c:majorUnit val="5"/>
+      </c:valAx>
+      <c:spPr>
+        <a:noFill/>
+        <a:ln>
+          <a:noFill/>
+        </a:ln>
+        <a:effectLst/>
+      </c:spPr>
+    </c:plotArea>
+    <c:legend>
+      <c:legendPos val="l"/>
+      <c:overlay val="0"/>
+      <c:spPr>
+        <a:noFill/>
+        <a:ln>
+          <a:noFill/>
+        </a:ln>
+        <a:effectLst/>
+      </c:spPr>
+      <c:txPr>
+        <a:bodyPr rot="0" spcFirstLastPara="1" vertOverflow="ellipsis" vert="horz" wrap="square" anchor="ctr" anchorCtr="1"/>
+        <a:lstStyle/>
+        <a:p>
+          <a:pPr>
+            <a:defRPr sz="900" b="0" i="0" u="none" strike="noStrike" kern="1200" baseline="0">
+              <a:solidFill>
+                <a:schemeClr val="tx1">
+                  <a:lumMod val="65000"/>
+                  <a:lumOff val="35000"/>
+                </a:schemeClr>
+              </a:solidFill>
+              <a:latin typeface="+mn-lt"/>
+              <a:ea typeface="+mn-ea"/>
+              <a:cs typeface="+mn-cs"/>
+            </a:defRPr>
+          </a:pPr>
+          <a:endParaRPr lang="ro-RO"/>
+        </a:p>
+      </c:txPr>
+    </c:legend>
+    <c:plotVisOnly val="1"/>
+    <c:dispBlanksAs val="gap"/>
+    <c:showDLblsOverMax val="0"/>
+  </c:chart>
+  <c:spPr>
+    <a:noFill/>
+    <a:ln>
+      <a:noFill/>
+    </a:ln>
+    <a:effectLst/>
+  </c:spPr>
+  <c:txPr>
+    <a:bodyPr/>
+    <a:lstStyle/>
+    <a:p>
+      <a:pPr>
+        <a:defRPr/>
+      </a:pPr>
+      <a:endParaRPr lang="ro-RO"/>
+    </a:p>
+  </c:txPr>
+  <c:externalData r:id="rId4">
+    <c:autoUpdate val="0"/>
+  </c:externalData>
+</c:chartSpace>
+</file>
+
+<file path=ppt/charts/chart2.xml><?xml version="1.0" encoding="utf-8"?>
+<c:chartSpace xmlns:c="http://schemas.openxmlformats.org/drawingml/2006/chart" xmlns:a="http://schemas.openxmlformats.org/drawingml/2006/main" xmlns:r="http://schemas.openxmlformats.org/officeDocument/2006/relationships" xmlns:c16r2="http://schemas.microsoft.com/office/drawing/2015/06/chart">
+  <c:date1904 val="0"/>
+  <c:lang val="en-US"/>
+  <c:roundedCorners val="0"/>
+  <mc:AlternateContent xmlns:mc="http://schemas.openxmlformats.org/markup-compatibility/2006">
+    <mc:Choice xmlns:c14="http://schemas.microsoft.com/office/drawing/2007/8/2/chart" Requires="c14">
+      <c14:style val="102"/>
+    </mc:Choice>
+    <mc:Fallback>
+      <c:style val="2"/>
+    </mc:Fallback>
+  </mc:AlternateContent>
+  <c:clrMapOvr bg1="lt1" tx1="dk1" bg2="lt2" tx2="dk2" accent1="accent1" accent2="accent2" accent3="accent3" accent4="accent4" accent5="accent5" accent6="accent6" hlink="hlink" folHlink="folHlink"/>
+  <c:chart>
+    <c:title>
+      <c:tx>
+        <c:rich>
+          <a:bodyPr rot="0" spcFirstLastPara="1" vertOverflow="ellipsis" vert="horz" wrap="square" anchor="ctr" anchorCtr="1"/>
+          <a:lstStyle/>
+          <a:p>
+            <a:pPr>
+              <a:defRPr sz="1400" b="0" i="0" u="none" strike="noStrike" kern="1200" spc="0" baseline="0">
+                <a:solidFill>
+                  <a:schemeClr val="tx1">
+                    <a:lumMod val="65000"/>
+                    <a:lumOff val="35000"/>
+                  </a:schemeClr>
+                </a:solidFill>
+                <a:latin typeface="+mn-lt"/>
+                <a:ea typeface="+mn-ea"/>
+                <a:cs typeface="+mn-cs"/>
+              </a:defRPr>
+            </a:pPr>
+            <a:r>
+              <a:rPr lang="en-US"/>
+              <a:t>GPU TVL1</a:t>
+            </a:r>
+            <a:r>
+              <a:rPr lang="en-US" baseline="0"/>
+              <a:t> VS Brox</a:t>
+            </a:r>
+            <a:endParaRPr lang="ro-RO"/>
+          </a:p>
+        </c:rich>
+      </c:tx>
+      <c:overlay val="0"/>
+      <c:spPr>
+        <a:noFill/>
+        <a:ln>
+          <a:noFill/>
+        </a:ln>
+        <a:effectLst/>
+      </c:spPr>
+      <c:txPr>
+        <a:bodyPr rot="0" spcFirstLastPara="1" vertOverflow="ellipsis" vert="horz" wrap="square" anchor="ctr" anchorCtr="1"/>
+        <a:lstStyle/>
+        <a:p>
+          <a:pPr>
+            <a:defRPr sz="1400" b="0" i="0" u="none" strike="noStrike" kern="1200" spc="0" baseline="0">
+              <a:solidFill>
+                <a:schemeClr val="tx1">
+                  <a:lumMod val="65000"/>
+                  <a:lumOff val="35000"/>
+                </a:schemeClr>
+              </a:solidFill>
+              <a:latin typeface="+mn-lt"/>
+              <a:ea typeface="+mn-ea"/>
+              <a:cs typeface="+mn-cs"/>
+            </a:defRPr>
+          </a:pPr>
+          <a:endParaRPr lang="ro-RO"/>
+        </a:p>
+      </c:txPr>
+    </c:title>
+    <c:autoTitleDeleted val="0"/>
+    <c:plotArea>
+      <c:layout/>
+      <c:scatterChart>
+        <c:scatterStyle val="smoothMarker"/>
+        <c:varyColors val="0"/>
+        <c:ser>
+          <c:idx val="0"/>
+          <c:order val="0"/>
+          <c:tx>
+            <c:v>BroxGPU</c:v>
+          </c:tx>
+          <c:spPr>
+            <a:ln w="28575" cap="rnd">
+              <a:solidFill>
+                <a:schemeClr val="accent1"/>
+              </a:solidFill>
+              <a:round/>
+            </a:ln>
+            <a:effectLst/>
+          </c:spPr>
+          <c:marker>
+            <c:symbol val="circle"/>
+            <c:size val="5"/>
+            <c:spPr>
+              <a:solidFill>
+                <a:schemeClr val="accent1"/>
+              </a:solidFill>
+              <a:ln w="9525">
+                <a:solidFill>
+                  <a:schemeClr val="accent1"/>
+                </a:solidFill>
+              </a:ln>
+              <a:effectLst/>
+            </c:spPr>
+          </c:marker>
+          <c:yVal>
+            <c:numRef>
+              <c:f>Sheet1!$C$2:$C$269</c:f>
+              <c:numCache>
+                <c:formatCode>General</c:formatCode>
+                <c:ptCount val="268"/>
+                <c:pt idx="0">
+                  <c:v>3.8430300000000002</c:v>
+                </c:pt>
+                <c:pt idx="1">
+                  <c:v>0.43262899999999999</c:v>
+                </c:pt>
+                <c:pt idx="2">
+                  <c:v>0.42366700000000002</c:v>
+                </c:pt>
+                <c:pt idx="3">
+                  <c:v>0.42910199999999998</c:v>
+                </c:pt>
+                <c:pt idx="4">
+                  <c:v>0.42778500000000003</c:v>
+                </c:pt>
+                <c:pt idx="5">
+                  <c:v>0.42827199999999999</c:v>
+                </c:pt>
+                <c:pt idx="6">
+                  <c:v>0.42555900000000002</c:v>
+                </c:pt>
+                <c:pt idx="7">
+                  <c:v>0.43051499999999998</c:v>
+                </c:pt>
+                <c:pt idx="8">
+                  <c:v>0.42440899999999998</c:v>
+                </c:pt>
+                <c:pt idx="9">
+                  <c:v>0.42939100000000002</c:v>
+                </c:pt>
+                <c:pt idx="10">
+                  <c:v>0.43319299999999999</c:v>
+                </c:pt>
+                <c:pt idx="11">
+                  <c:v>0.42510500000000001</c:v>
+                </c:pt>
+                <c:pt idx="12">
+                  <c:v>0.42999900000000002</c:v>
+                </c:pt>
+                <c:pt idx="13">
+                  <c:v>0.42471999999999999</c:v>
+                </c:pt>
+                <c:pt idx="14">
+                  <c:v>0.42802400000000002</c:v>
+                </c:pt>
+                <c:pt idx="15">
+                  <c:v>0.445021</c:v>
+                </c:pt>
+                <c:pt idx="16">
+                  <c:v>0.44578600000000002</c:v>
+                </c:pt>
+                <c:pt idx="17">
+                  <c:v>0.42657099999999998</c:v>
+                </c:pt>
+                <c:pt idx="18">
+                  <c:v>0.42502299999999998</c:v>
+                </c:pt>
+                <c:pt idx="19">
+                  <c:v>0.43610100000000002</c:v>
+                </c:pt>
+                <c:pt idx="20">
+                  <c:v>0.44836999999999999</c:v>
+                </c:pt>
+                <c:pt idx="21">
+                  <c:v>0.42894100000000002</c:v>
+                </c:pt>
+                <c:pt idx="22">
+                  <c:v>0.42543300000000001</c:v>
+                </c:pt>
+                <c:pt idx="23">
+                  <c:v>0.42831599999999997</c:v>
+                </c:pt>
+                <c:pt idx="24">
+                  <c:v>0.42843199999999998</c:v>
+                </c:pt>
+                <c:pt idx="25">
+                  <c:v>0.431257</c:v>
+                </c:pt>
+                <c:pt idx="26">
+                  <c:v>0.42612100000000003</c:v>
+                </c:pt>
+                <c:pt idx="27">
+                  <c:v>0.42486200000000002</c:v>
+                </c:pt>
+                <c:pt idx="28">
+                  <c:v>0.42777100000000001</c:v>
+                </c:pt>
+                <c:pt idx="29">
+                  <c:v>0.42313200000000001</c:v>
+                </c:pt>
+                <c:pt idx="30">
+                  <c:v>0.43185899999999999</c:v>
+                </c:pt>
+                <c:pt idx="31">
+                  <c:v>0.43332199999999998</c:v>
+                </c:pt>
+                <c:pt idx="32">
+                  <c:v>0.42813499999999999</c:v>
+                </c:pt>
+                <c:pt idx="33">
+                  <c:v>0.43151</c:v>
+                </c:pt>
+                <c:pt idx="34">
+                  <c:v>0.44315900000000003</c:v>
+                </c:pt>
+                <c:pt idx="35">
+                  <c:v>0.43489800000000001</c:v>
+                </c:pt>
+                <c:pt idx="36">
+                  <c:v>0.60059399999999996</c:v>
+                </c:pt>
+                <c:pt idx="37">
+                  <c:v>0.432537</c:v>
+                </c:pt>
+                <c:pt idx="38">
+                  <c:v>0.43077900000000002</c:v>
+                </c:pt>
+                <c:pt idx="39">
+                  <c:v>0.42722500000000002</c:v>
+                </c:pt>
+                <c:pt idx="40">
+                  <c:v>0.43104399999999998</c:v>
+                </c:pt>
+                <c:pt idx="41">
+                  <c:v>0.43519400000000003</c:v>
+                </c:pt>
+                <c:pt idx="42">
+                  <c:v>0.43123299999999998</c:v>
+                </c:pt>
+                <c:pt idx="43">
+                  <c:v>0.43824800000000003</c:v>
+                </c:pt>
+                <c:pt idx="44">
+                  <c:v>0.43376399999999998</c:v>
+                </c:pt>
+                <c:pt idx="45">
+                  <c:v>0.44194800000000001</c:v>
+                </c:pt>
+                <c:pt idx="46">
+                  <c:v>0.44167899999999999</c:v>
+                </c:pt>
+                <c:pt idx="47">
+                  <c:v>0.42714600000000003</c:v>
+                </c:pt>
+                <c:pt idx="48">
+                  <c:v>0.427541</c:v>
+                </c:pt>
+                <c:pt idx="49">
+                  <c:v>0.43563600000000002</c:v>
+                </c:pt>
+                <c:pt idx="50">
+                  <c:v>0.43343100000000001</c:v>
+                </c:pt>
+                <c:pt idx="51">
+                  <c:v>0.42837399999999998</c:v>
+                </c:pt>
+                <c:pt idx="52">
+                  <c:v>0.42890200000000001</c:v>
+                </c:pt>
+                <c:pt idx="53">
+                  <c:v>0.430089</c:v>
+                </c:pt>
+                <c:pt idx="54">
+                  <c:v>0.44175500000000001</c:v>
+                </c:pt>
+                <c:pt idx="55">
+                  <c:v>0.43018400000000001</c:v>
+                </c:pt>
+                <c:pt idx="56">
+                  <c:v>0.43242000000000003</c:v>
+                </c:pt>
+                <c:pt idx="57">
+                  <c:v>0.42910799999999999</c:v>
+                </c:pt>
+                <c:pt idx="58">
+                  <c:v>0.43549900000000002</c:v>
+                </c:pt>
+                <c:pt idx="59">
+                  <c:v>0.430948</c:v>
+                </c:pt>
+                <c:pt idx="60">
+                  <c:v>0.42539700000000003</c:v>
+                </c:pt>
+                <c:pt idx="61">
+                  <c:v>0.43099700000000002</c:v>
+                </c:pt>
+                <c:pt idx="62">
+                  <c:v>0.42783100000000002</c:v>
+                </c:pt>
+                <c:pt idx="63">
+                  <c:v>0.432112</c:v>
+                </c:pt>
+                <c:pt idx="64">
+                  <c:v>0.42826700000000001</c:v>
+                </c:pt>
+                <c:pt idx="65">
+                  <c:v>0.42787799999999998</c:v>
+                </c:pt>
+                <c:pt idx="66">
+                  <c:v>0.434475</c:v>
+                </c:pt>
+                <c:pt idx="67">
+                  <c:v>0.42880400000000002</c:v>
+                </c:pt>
+                <c:pt idx="68">
+                  <c:v>0.42717899999999998</c:v>
+                </c:pt>
+                <c:pt idx="69">
+                  <c:v>0.42980800000000002</c:v>
+                </c:pt>
+                <c:pt idx="70">
+                  <c:v>0.42860199999999998</c:v>
+                </c:pt>
+                <c:pt idx="71">
+                  <c:v>0.42823800000000001</c:v>
+                </c:pt>
+                <c:pt idx="72">
+                  <c:v>0.42552000000000001</c:v>
+                </c:pt>
+                <c:pt idx="73">
+                  <c:v>0.42922100000000002</c:v>
+                </c:pt>
+                <c:pt idx="74">
+                  <c:v>0.42450300000000002</c:v>
+                </c:pt>
+                <c:pt idx="75">
+                  <c:v>0.424377</c:v>
+                </c:pt>
+                <c:pt idx="76">
+                  <c:v>0.42902299999999999</c:v>
+                </c:pt>
+                <c:pt idx="77">
+                  <c:v>0.42660900000000002</c:v>
+                </c:pt>
+                <c:pt idx="78">
+                  <c:v>0.60417799999999999</c:v>
+                </c:pt>
+                <c:pt idx="79">
+                  <c:v>0.42365799999999998</c:v>
+                </c:pt>
+                <c:pt idx="80">
+                  <c:v>0.42464600000000002</c:v>
+                </c:pt>
+                <c:pt idx="81">
+                  <c:v>0.42533599999999999</c:v>
+                </c:pt>
+                <c:pt idx="82">
+                  <c:v>0.42660300000000001</c:v>
+                </c:pt>
+                <c:pt idx="83">
+                  <c:v>0.42464600000000002</c:v>
+                </c:pt>
+                <c:pt idx="84">
+                  <c:v>0.433755</c:v>
+                </c:pt>
+                <c:pt idx="85">
+                  <c:v>0.43416300000000002</c:v>
+                </c:pt>
+                <c:pt idx="86">
+                  <c:v>0.43026700000000001</c:v>
+                </c:pt>
+                <c:pt idx="87">
+                  <c:v>0.42884499999999998</c:v>
+                </c:pt>
+                <c:pt idx="88">
+                  <c:v>0.43229400000000001</c:v>
+                </c:pt>
+                <c:pt idx="89">
+                  <c:v>0.42805100000000001</c:v>
+                </c:pt>
+                <c:pt idx="90">
+                  <c:v>0.430423</c:v>
+                </c:pt>
+                <c:pt idx="91">
+                  <c:v>0.42683500000000002</c:v>
+                </c:pt>
+                <c:pt idx="92">
+                  <c:v>0.42920900000000001</c:v>
+                </c:pt>
+                <c:pt idx="93">
+                  <c:v>0.423315</c:v>
+                </c:pt>
+                <c:pt idx="94">
+                  <c:v>0.42714099999999999</c:v>
+                </c:pt>
+                <c:pt idx="95">
+                  <c:v>0.42815999999999999</c:v>
+                </c:pt>
+                <c:pt idx="96">
+                  <c:v>0.43027300000000002</c:v>
+                </c:pt>
+                <c:pt idx="97">
+                  <c:v>0.42677399999999999</c:v>
+                </c:pt>
+                <c:pt idx="98">
+                  <c:v>0.432952</c:v>
+                </c:pt>
+                <c:pt idx="99">
+                  <c:v>0.42554399999999998</c:v>
+                </c:pt>
+                <c:pt idx="100">
+                  <c:v>0.42917</c:v>
+                </c:pt>
+                <c:pt idx="101">
+                  <c:v>0.43495299999999998</c:v>
+                </c:pt>
+                <c:pt idx="102">
+                  <c:v>0.43238900000000002</c:v>
+                </c:pt>
+                <c:pt idx="103">
+                  <c:v>0.429012</c:v>
+                </c:pt>
+                <c:pt idx="104">
+                  <c:v>0.42921500000000001</c:v>
+                </c:pt>
+                <c:pt idx="105">
+                  <c:v>0.43633</c:v>
+                </c:pt>
+                <c:pt idx="106">
+                  <c:v>0.43095899999999998</c:v>
+                </c:pt>
+                <c:pt idx="107">
+                  <c:v>0.427367</c:v>
+                </c:pt>
+                <c:pt idx="108">
+                  <c:v>0.43140600000000001</c:v>
+                </c:pt>
+                <c:pt idx="109">
+                  <c:v>0.42803099999999999</c:v>
+                </c:pt>
+                <c:pt idx="110">
+                  <c:v>0.42374400000000001</c:v>
+                </c:pt>
+                <c:pt idx="111">
+                  <c:v>0.42653999999999997</c:v>
+                </c:pt>
+                <c:pt idx="112">
+                  <c:v>0.425016</c:v>
+                </c:pt>
+                <c:pt idx="113">
+                  <c:v>0.42743900000000001</c:v>
+                </c:pt>
+                <c:pt idx="114">
+                  <c:v>0.42986600000000003</c:v>
+                </c:pt>
+                <c:pt idx="115">
+                  <c:v>0.42971399999999998</c:v>
+                </c:pt>
+                <c:pt idx="116">
+                  <c:v>0.43585200000000002</c:v>
+                </c:pt>
+                <c:pt idx="117">
+                  <c:v>0.42642000000000002</c:v>
+                </c:pt>
+                <c:pt idx="118">
+                  <c:v>0.43071700000000002</c:v>
+                </c:pt>
+                <c:pt idx="119">
+                  <c:v>0.42725099999999999</c:v>
+                </c:pt>
+                <c:pt idx="120">
+                  <c:v>2.04596</c:v>
+                </c:pt>
+                <c:pt idx="121">
+                  <c:v>0.43103200000000003</c:v>
+                </c:pt>
+                <c:pt idx="122">
+                  <c:v>0.42634899999999998</c:v>
+                </c:pt>
+                <c:pt idx="123">
+                  <c:v>0.42785299999999998</c:v>
+                </c:pt>
+                <c:pt idx="124">
+                  <c:v>0.42447600000000002</c:v>
+                </c:pt>
+                <c:pt idx="125">
+                  <c:v>0.43001499999999998</c:v>
+                </c:pt>
+                <c:pt idx="126">
+                  <c:v>0.42870000000000003</c:v>
+                </c:pt>
+                <c:pt idx="127">
+                  <c:v>0.42908000000000002</c:v>
+                </c:pt>
+                <c:pt idx="128">
+                  <c:v>0.42692200000000002</c:v>
+                </c:pt>
+                <c:pt idx="129">
+                  <c:v>0.422815</c:v>
+                </c:pt>
+                <c:pt idx="130">
+                  <c:v>0.42399199999999998</c:v>
+                </c:pt>
+                <c:pt idx="131">
+                  <c:v>0.42413000000000001</c:v>
+                </c:pt>
+                <c:pt idx="132">
+                  <c:v>0.42658499999999999</c:v>
+                </c:pt>
+                <c:pt idx="133">
+                  <c:v>0.43076900000000001</c:v>
+                </c:pt>
+                <c:pt idx="134">
+                  <c:v>0.42704700000000001</c:v>
+                </c:pt>
+                <c:pt idx="135">
+                  <c:v>0.42964400000000003</c:v>
+                </c:pt>
+                <c:pt idx="136">
+                  <c:v>0.42807099999999998</c:v>
+                </c:pt>
+                <c:pt idx="137">
+                  <c:v>0.42787500000000001</c:v>
+                </c:pt>
+                <c:pt idx="138">
+                  <c:v>0.42289100000000002</c:v>
+                </c:pt>
+                <c:pt idx="139">
+                  <c:v>0.44344699999999998</c:v>
+                </c:pt>
+                <c:pt idx="140">
+                  <c:v>0.423842</c:v>
+                </c:pt>
+                <c:pt idx="141">
+                  <c:v>0.426678</c:v>
+                </c:pt>
+                <c:pt idx="142">
+                  <c:v>0.42536299999999999</c:v>
+                </c:pt>
+                <c:pt idx="143">
+                  <c:v>0.43050899999999998</c:v>
+                </c:pt>
+                <c:pt idx="144">
+                  <c:v>0.42787599999999998</c:v>
+                </c:pt>
+                <c:pt idx="145">
+                  <c:v>0.42981000000000003</c:v>
+                </c:pt>
+                <c:pt idx="146">
+                  <c:v>0.42669699999999999</c:v>
+                </c:pt>
+                <c:pt idx="147">
+                  <c:v>0.42503099999999999</c:v>
+                </c:pt>
+                <c:pt idx="148">
+                  <c:v>0.42652699999999999</c:v>
+                </c:pt>
+                <c:pt idx="149">
+                  <c:v>0.42296800000000001</c:v>
+                </c:pt>
+                <c:pt idx="150">
+                  <c:v>0.428753</c:v>
+                </c:pt>
+                <c:pt idx="151">
+                  <c:v>0.42605100000000001</c:v>
+                </c:pt>
+                <c:pt idx="152">
+                  <c:v>0.42604199999999998</c:v>
+                </c:pt>
+                <c:pt idx="153">
+                  <c:v>0.43018000000000001</c:v>
+                </c:pt>
+                <c:pt idx="154">
+                  <c:v>0.42407899999999998</c:v>
+                </c:pt>
+                <c:pt idx="155">
+                  <c:v>0.423682</c:v>
+                </c:pt>
+                <c:pt idx="156">
+                  <c:v>0.43027500000000002</c:v>
+                </c:pt>
+                <c:pt idx="157">
+                  <c:v>0.42582700000000001</c:v>
+                </c:pt>
+                <c:pt idx="158">
+                  <c:v>0.42870599999999998</c:v>
+                </c:pt>
+                <c:pt idx="159">
+                  <c:v>0.43207899999999999</c:v>
+                </c:pt>
+                <c:pt idx="160">
+                  <c:v>0.42710700000000001</c:v>
+                </c:pt>
+                <c:pt idx="161">
+                  <c:v>0.57428100000000004</c:v>
+                </c:pt>
+                <c:pt idx="162">
+                  <c:v>0.43077199999999999</c:v>
+                </c:pt>
+                <c:pt idx="163">
+                  <c:v>0.42528100000000002</c:v>
+                </c:pt>
+                <c:pt idx="164">
+                  <c:v>0.43094300000000002</c:v>
+                </c:pt>
+                <c:pt idx="165">
+                  <c:v>0.428116</c:v>
+                </c:pt>
+                <c:pt idx="166">
+                  <c:v>0.42737999999999998</c:v>
+                </c:pt>
+                <c:pt idx="167">
+                  <c:v>0.4274</c:v>
+                </c:pt>
+                <c:pt idx="168">
+                  <c:v>0.42414299999999999</c:v>
+                </c:pt>
+                <c:pt idx="169">
+                  <c:v>0.42687199999999997</c:v>
+                </c:pt>
+                <c:pt idx="170">
+                  <c:v>0.42874299999999999</c:v>
+                </c:pt>
+                <c:pt idx="171">
+                  <c:v>0.42839300000000002</c:v>
+                </c:pt>
+                <c:pt idx="172">
+                  <c:v>0.42798599999999998</c:v>
+                </c:pt>
+                <c:pt idx="173">
+                  <c:v>0.42515799999999998</c:v>
+                </c:pt>
+                <c:pt idx="174">
+                  <c:v>0.43037199999999998</c:v>
+                </c:pt>
+                <c:pt idx="175">
+                  <c:v>0.42263200000000001</c:v>
+                </c:pt>
+                <c:pt idx="176">
+                  <c:v>0.42630800000000002</c:v>
+                </c:pt>
+                <c:pt idx="177">
+                  <c:v>0.424091</c:v>
+                </c:pt>
+                <c:pt idx="178">
+                  <c:v>0.427562</c:v>
+                </c:pt>
+                <c:pt idx="179">
+                  <c:v>0.42638199999999998</c:v>
+                </c:pt>
+                <c:pt idx="180">
+                  <c:v>0.42914400000000003</c:v>
+                </c:pt>
+                <c:pt idx="181">
+                  <c:v>0.42927399999999999</c:v>
+                </c:pt>
+                <c:pt idx="182">
+                  <c:v>0.424174</c:v>
+                </c:pt>
+                <c:pt idx="183">
+                  <c:v>0.42493300000000001</c:v>
+                </c:pt>
+                <c:pt idx="184">
+                  <c:v>0.42747800000000002</c:v>
+                </c:pt>
+                <c:pt idx="185">
+                  <c:v>0.42682500000000001</c:v>
+                </c:pt>
+                <c:pt idx="186">
+                  <c:v>0.42516399999999999</c:v>
+                </c:pt>
+                <c:pt idx="187">
+                  <c:v>0.42744599999999999</c:v>
+                </c:pt>
+                <c:pt idx="188">
+                  <c:v>0.42877300000000002</c:v>
+                </c:pt>
+                <c:pt idx="189">
+                  <c:v>0.429315</c:v>
+                </c:pt>
+                <c:pt idx="190">
+                  <c:v>0.42820900000000001</c:v>
+                </c:pt>
+                <c:pt idx="191">
+                  <c:v>0.42688300000000001</c:v>
+                </c:pt>
+                <c:pt idx="192">
+                  <c:v>0.42985699999999999</c:v>
+                </c:pt>
+                <c:pt idx="193">
+                  <c:v>0.42657699999999998</c:v>
+                </c:pt>
+                <c:pt idx="194">
+                  <c:v>0.42766199999999999</c:v>
+                </c:pt>
+                <c:pt idx="195">
+                  <c:v>0.42725200000000002</c:v>
+                </c:pt>
+                <c:pt idx="196">
+                  <c:v>0.42607600000000001</c:v>
+                </c:pt>
+                <c:pt idx="197">
+                  <c:v>0.42799300000000001</c:v>
+                </c:pt>
+                <c:pt idx="198">
+                  <c:v>0.42546400000000001</c:v>
+                </c:pt>
+                <c:pt idx="199">
+                  <c:v>0.42713699999999999</c:v>
+                </c:pt>
+                <c:pt idx="200">
+                  <c:v>0.42865199999999998</c:v>
+                </c:pt>
+                <c:pt idx="201">
+                  <c:v>0.42886600000000002</c:v>
+                </c:pt>
+                <c:pt idx="202">
+                  <c:v>0.42754999999999999</c:v>
+                </c:pt>
+                <c:pt idx="203">
+                  <c:v>0.64233399999999996</c:v>
+                </c:pt>
+                <c:pt idx="204">
+                  <c:v>0.426981</c:v>
+                </c:pt>
+                <c:pt idx="205">
+                  <c:v>0.42617100000000002</c:v>
+                </c:pt>
+                <c:pt idx="206">
+                  <c:v>0.42497499999999999</c:v>
+                </c:pt>
+                <c:pt idx="207">
+                  <c:v>0.42531099999999999</c:v>
+                </c:pt>
+                <c:pt idx="208">
+                  <c:v>0.42638900000000002</c:v>
+                </c:pt>
+                <c:pt idx="209">
+                  <c:v>0.43097200000000002</c:v>
+                </c:pt>
+                <c:pt idx="210">
+                  <c:v>0.42788999999999999</c:v>
+                </c:pt>
+                <c:pt idx="211">
+                  <c:v>0.43430999999999997</c:v>
+                </c:pt>
+                <c:pt idx="212">
+                  <c:v>0.42951</c:v>
+                </c:pt>
+                <c:pt idx="213">
+                  <c:v>0.42868400000000001</c:v>
+                </c:pt>
+                <c:pt idx="214">
+                  <c:v>0.42538100000000001</c:v>
+                </c:pt>
+                <c:pt idx="215">
+                  <c:v>0.426153</c:v>
+                </c:pt>
+                <c:pt idx="216">
+                  <c:v>0.42683399999999999</c:v>
+                </c:pt>
+                <c:pt idx="217">
+                  <c:v>0.42799700000000002</c:v>
+                </c:pt>
+                <c:pt idx="218">
+                  <c:v>0.42496</c:v>
+                </c:pt>
+                <c:pt idx="219">
+                  <c:v>0.42595899999999998</c:v>
+                </c:pt>
+                <c:pt idx="220">
+                  <c:v>0.428452</c:v>
+                </c:pt>
+                <c:pt idx="221">
+                  <c:v>0.42816100000000001</c:v>
+                </c:pt>
+                <c:pt idx="222">
+                  <c:v>0.43060199999999998</c:v>
+                </c:pt>
+                <c:pt idx="223">
+                  <c:v>0.421566</c:v>
+                </c:pt>
+                <c:pt idx="224">
+                  <c:v>0.43951800000000002</c:v>
+                </c:pt>
+                <c:pt idx="225">
+                  <c:v>0.43951800000000002</c:v>
+                </c:pt>
+                <c:pt idx="226">
+                  <c:v>0.43703900000000001</c:v>
+                </c:pt>
+                <c:pt idx="227">
+                  <c:v>0.43039699999999997</c:v>
+                </c:pt>
+                <c:pt idx="228">
+                  <c:v>0.43301000000000001</c:v>
+                </c:pt>
+                <c:pt idx="229">
+                  <c:v>0.45450299999999999</c:v>
+                </c:pt>
+                <c:pt idx="230">
+                  <c:v>0.45367400000000002</c:v>
+                </c:pt>
+                <c:pt idx="231">
+                  <c:v>0.45261099999999999</c:v>
+                </c:pt>
+                <c:pt idx="232">
+                  <c:v>0.44108199999999997</c:v>
+                </c:pt>
+                <c:pt idx="233">
+                  <c:v>0.485155</c:v>
+                </c:pt>
+                <c:pt idx="234">
+                  <c:v>0.43554199999999998</c:v>
+                </c:pt>
+                <c:pt idx="235">
+                  <c:v>0.47589100000000001</c:v>
+                </c:pt>
+                <c:pt idx="236">
+                  <c:v>0.50580800000000004</c:v>
+                </c:pt>
+                <c:pt idx="237">
+                  <c:v>0.48255300000000001</c:v>
+                </c:pt>
+                <c:pt idx="238">
+                  <c:v>0.43526399999999998</c:v>
+                </c:pt>
+                <c:pt idx="239">
+                  <c:v>0.432282</c:v>
+                </c:pt>
+                <c:pt idx="240">
+                  <c:v>0.434809</c:v>
+                </c:pt>
+                <c:pt idx="241">
+                  <c:v>0.50543899999999997</c:v>
+                </c:pt>
+                <c:pt idx="242">
+                  <c:v>0.52027699999999999</c:v>
+                </c:pt>
+                <c:pt idx="243">
+                  <c:v>0.43151600000000001</c:v>
+                </c:pt>
+                <c:pt idx="244">
+                  <c:v>0.43059700000000001</c:v>
+                </c:pt>
+                <c:pt idx="245">
+                  <c:v>0.427817</c:v>
+                </c:pt>
+                <c:pt idx="246">
+                  <c:v>0.44211600000000001</c:v>
+                </c:pt>
+                <c:pt idx="247">
+                  <c:v>0.50165999999999999</c:v>
+                </c:pt>
+                <c:pt idx="248">
+                  <c:v>0.43680799999999997</c:v>
+                </c:pt>
+                <c:pt idx="249">
+                  <c:v>0.45627200000000001</c:v>
+                </c:pt>
+                <c:pt idx="250">
+                  <c:v>0.43404900000000002</c:v>
+                </c:pt>
+                <c:pt idx="251">
+                  <c:v>0.441747</c:v>
+                </c:pt>
+                <c:pt idx="252">
+                  <c:v>0.44765100000000002</c:v>
+                </c:pt>
+                <c:pt idx="253">
+                  <c:v>0.44309500000000002</c:v>
+                </c:pt>
+                <c:pt idx="254">
+                  <c:v>0.45851799999999998</c:v>
+                </c:pt>
+                <c:pt idx="255">
+                  <c:v>0.45309700000000003</c:v>
+                </c:pt>
+                <c:pt idx="256">
+                  <c:v>0.45891599999999999</c:v>
+                </c:pt>
+                <c:pt idx="257">
+                  <c:v>0.428815</c:v>
+                </c:pt>
+                <c:pt idx="258">
+                  <c:v>68.284000000000006</c:v>
+                </c:pt>
+                <c:pt idx="259">
+                  <c:v>2.1800199999999998</c:v>
+                </c:pt>
+                <c:pt idx="260">
+                  <c:v>1.5913900000000001</c:v>
+                </c:pt>
+                <c:pt idx="261">
+                  <c:v>1.6274999999999999</c:v>
+                </c:pt>
+                <c:pt idx="262">
+                  <c:v>0.98828000000000005</c:v>
+                </c:pt>
+                <c:pt idx="263">
+                  <c:v>0.49866300000000002</c:v>
+                </c:pt>
+                <c:pt idx="264">
+                  <c:v>0.31781399999999999</c:v>
+                </c:pt>
+                <c:pt idx="265">
+                  <c:v>0.32114500000000001</c:v>
+                </c:pt>
+                <c:pt idx="266">
+                  <c:v>0.44520999999999999</c:v>
+                </c:pt>
+                <c:pt idx="267">
+                  <c:v>1E-4</c:v>
+                </c:pt>
+              </c:numCache>
+            </c:numRef>
+          </c:yVal>
+          <c:smooth val="1"/>
+          <c:extLst>
+            <c:ext xmlns:c16="http://schemas.microsoft.com/office/drawing/2014/chart" uri="{C3380CC4-5D6E-409C-BE32-E72D297353CC}">
+              <c16:uniqueId val="{00000000-A124-4668-AC28-6AA16CD10A65}"/>
+            </c:ext>
+          </c:extLst>
+        </c:ser>
+        <c:ser>
+          <c:idx val="1"/>
+          <c:order val="1"/>
+          <c:tx>
+            <c:v>TVL1 GPU</c:v>
+          </c:tx>
+          <c:spPr>
+            <a:ln w="28575" cap="rnd">
+              <a:solidFill>
+                <a:schemeClr val="accent2"/>
+              </a:solidFill>
+              <a:round/>
+            </a:ln>
+            <a:effectLst/>
+          </c:spPr>
+          <c:marker>
+            <c:symbol val="circle"/>
+            <c:size val="5"/>
+            <c:spPr>
+              <a:solidFill>
+                <a:schemeClr val="accent2"/>
+              </a:solidFill>
+              <a:ln w="9525">
+                <a:solidFill>
+                  <a:schemeClr val="accent2"/>
+                </a:solidFill>
+              </a:ln>
+              <a:effectLst/>
+            </c:spPr>
+          </c:marker>
+          <c:yVal>
+            <c:numRef>
+              <c:f>Sheet1!$D$2:$D$269</c:f>
+              <c:numCache>
+                <c:formatCode>General</c:formatCode>
+                <c:ptCount val="268"/>
+                <c:pt idx="0">
+                  <c:v>7.9099899999999996</c:v>
+                </c:pt>
+                <c:pt idx="1">
+                  <c:v>0.81737700000000002</c:v>
+                </c:pt>
+                <c:pt idx="2">
+                  <c:v>0.84736800000000001</c:v>
+                </c:pt>
+                <c:pt idx="3">
+                  <c:v>0.73990599999999995</c:v>
+                </c:pt>
+                <c:pt idx="4">
+                  <c:v>0.72734299999999996</c:v>
+                </c:pt>
+                <c:pt idx="5">
+                  <c:v>0.81067299999999998</c:v>
+                </c:pt>
+                <c:pt idx="6">
+                  <c:v>0.892374</c:v>
+                </c:pt>
+                <c:pt idx="7">
+                  <c:v>0.78363000000000005</c:v>
+                </c:pt>
+                <c:pt idx="8">
+                  <c:v>0.75571600000000005</c:v>
+                </c:pt>
+                <c:pt idx="9">
+                  <c:v>0.82884199999999997</c:v>
+                </c:pt>
+                <c:pt idx="10">
+                  <c:v>0.92362</c:v>
+                </c:pt>
+                <c:pt idx="11">
+                  <c:v>0.89663599999999999</c:v>
+                </c:pt>
+                <c:pt idx="12">
+                  <c:v>0.95638599999999996</c:v>
+                </c:pt>
+                <c:pt idx="13">
+                  <c:v>0.97489999999999999</c:v>
+                </c:pt>
+                <c:pt idx="14">
+                  <c:v>0.90917400000000004</c:v>
+                </c:pt>
+                <c:pt idx="15">
+                  <c:v>0.87498799999999999</c:v>
+                </c:pt>
+                <c:pt idx="16">
+                  <c:v>1.10317</c:v>
+                </c:pt>
+                <c:pt idx="17">
+                  <c:v>0.938971</c:v>
+                </c:pt>
+                <c:pt idx="18">
+                  <c:v>0.89410699999999999</c:v>
+                </c:pt>
+                <c:pt idx="19">
+                  <c:v>0.82194299999999998</c:v>
+                </c:pt>
+                <c:pt idx="20">
+                  <c:v>0.84223899999999996</c:v>
+                </c:pt>
+                <c:pt idx="21">
+                  <c:v>0.703125</c:v>
+                </c:pt>
+                <c:pt idx="22">
+                  <c:v>0.759853</c:v>
+                </c:pt>
+                <c:pt idx="23">
+                  <c:v>0.83414100000000002</c:v>
+                </c:pt>
+                <c:pt idx="24">
+                  <c:v>0.859568</c:v>
+                </c:pt>
+                <c:pt idx="25">
+                  <c:v>1.1587799999999999</c:v>
+                </c:pt>
+                <c:pt idx="26">
+                  <c:v>1.4255100000000001</c:v>
+                </c:pt>
+                <c:pt idx="27">
+                  <c:v>1.2753099999999999</c:v>
+                </c:pt>
+                <c:pt idx="28">
+                  <c:v>1.18849</c:v>
+                </c:pt>
+                <c:pt idx="29">
+                  <c:v>1.03009</c:v>
+                </c:pt>
+                <c:pt idx="30">
+                  <c:v>1.1344099999999999</c:v>
+                </c:pt>
+                <c:pt idx="31">
+                  <c:v>0.88129900000000005</c:v>
+                </c:pt>
+                <c:pt idx="32">
+                  <c:v>0.95748699999999998</c:v>
+                </c:pt>
+                <c:pt idx="33">
+                  <c:v>0.78645299999999996</c:v>
+                </c:pt>
+                <c:pt idx="34">
+                  <c:v>1.0308999999999999</c:v>
+                </c:pt>
+                <c:pt idx="35">
+                  <c:v>1.1231800000000001</c:v>
+                </c:pt>
+                <c:pt idx="36">
+                  <c:v>3.8211400000000002</c:v>
+                </c:pt>
+                <c:pt idx="37">
+                  <c:v>1.32359</c:v>
+                </c:pt>
+                <c:pt idx="38">
+                  <c:v>4.1203000000000003</c:v>
+                </c:pt>
+                <c:pt idx="39">
+                  <c:v>1.24139</c:v>
+                </c:pt>
+                <c:pt idx="40">
+                  <c:v>1.71997</c:v>
+                </c:pt>
+                <c:pt idx="41">
+                  <c:v>1.1878899999999999</c:v>
+                </c:pt>
+                <c:pt idx="42">
+                  <c:v>1.35904</c:v>
+                </c:pt>
+                <c:pt idx="43">
+                  <c:v>1.35032</c:v>
+                </c:pt>
+                <c:pt idx="44">
+                  <c:v>3.1914799999999999</c:v>
+                </c:pt>
+                <c:pt idx="45">
+                  <c:v>1.2918099999999999</c:v>
+                </c:pt>
+                <c:pt idx="46">
+                  <c:v>1.69719</c:v>
+                </c:pt>
+                <c:pt idx="47">
+                  <c:v>1.2108300000000001</c:v>
+                </c:pt>
+                <c:pt idx="48">
+                  <c:v>1.0126299999999999</c:v>
+                </c:pt>
+                <c:pt idx="49">
+                  <c:v>1.0128200000000001</c:v>
+                </c:pt>
+                <c:pt idx="50">
+                  <c:v>0.91647699999999999</c:v>
+                </c:pt>
+                <c:pt idx="51">
+                  <c:v>1.25549</c:v>
+                </c:pt>
+                <c:pt idx="52">
+                  <c:v>3.6082299999999998</c:v>
+                </c:pt>
+                <c:pt idx="53">
+                  <c:v>0.89054500000000003</c:v>
+                </c:pt>
+                <c:pt idx="54">
+                  <c:v>1.59935</c:v>
+                </c:pt>
+                <c:pt idx="55">
+                  <c:v>1.02694</c:v>
+                </c:pt>
+                <c:pt idx="56">
+                  <c:v>1.0543400000000001</c:v>
+                </c:pt>
+                <c:pt idx="57">
+                  <c:v>0.972329</c:v>
+                </c:pt>
+                <c:pt idx="58">
+                  <c:v>3.55396</c:v>
+                </c:pt>
+                <c:pt idx="59">
+                  <c:v>0.76625900000000002</c:v>
+                </c:pt>
+                <c:pt idx="60">
+                  <c:v>3.1769400000000001</c:v>
+                </c:pt>
+                <c:pt idx="61">
+                  <c:v>0.89180300000000001</c:v>
+                </c:pt>
+                <c:pt idx="62">
+                  <c:v>0.87426000000000004</c:v>
+                </c:pt>
+                <c:pt idx="63">
+                  <c:v>5.7525599999999999</c:v>
+                </c:pt>
+                <c:pt idx="64">
+                  <c:v>1.10792</c:v>
+                </c:pt>
+                <c:pt idx="65">
+                  <c:v>1.0620099999999999</c:v>
+                </c:pt>
+                <c:pt idx="66">
+                  <c:v>0.89491399999999999</c:v>
+                </c:pt>
+                <c:pt idx="67">
+                  <c:v>0.88599300000000003</c:v>
+                </c:pt>
+                <c:pt idx="68">
+                  <c:v>0.90279799999999999</c:v>
+                </c:pt>
+                <c:pt idx="69">
+                  <c:v>0.99555199999999999</c:v>
+                </c:pt>
+                <c:pt idx="70">
+                  <c:v>1.0212000000000001</c:v>
+                </c:pt>
+                <c:pt idx="71">
+                  <c:v>3.3539300000000001</c:v>
+                </c:pt>
+                <c:pt idx="72">
+                  <c:v>0.97927299999999995</c:v>
+                </c:pt>
+                <c:pt idx="73">
+                  <c:v>4.5042200000000001</c:v>
+                </c:pt>
+                <c:pt idx="74">
+                  <c:v>1.26555</c:v>
+                </c:pt>
+                <c:pt idx="75">
+                  <c:v>4.2065999999999999</c:v>
+                </c:pt>
+                <c:pt idx="76">
+                  <c:v>0.967754</c:v>
+                </c:pt>
+                <c:pt idx="77">
+                  <c:v>1.0975999999999999</c:v>
+                </c:pt>
+                <c:pt idx="78">
+                  <c:v>1.02938</c:v>
+                </c:pt>
+                <c:pt idx="79">
+                  <c:v>0.90606900000000001</c:v>
+                </c:pt>
+                <c:pt idx="80">
+                  <c:v>0.90639899999999995</c:v>
+                </c:pt>
+                <c:pt idx="81">
+                  <c:v>3.4740500000000001</c:v>
+                </c:pt>
+                <c:pt idx="82">
+                  <c:v>0.85817900000000003</c:v>
+                </c:pt>
+                <c:pt idx="83">
+                  <c:v>0.94565299999999997</c:v>
+                </c:pt>
+                <c:pt idx="84">
+                  <c:v>1.41709</c:v>
+                </c:pt>
+                <c:pt idx="85">
+                  <c:v>1.05141</c:v>
+                </c:pt>
+                <c:pt idx="86">
+                  <c:v>1.2786999999999999</c:v>
+                </c:pt>
+                <c:pt idx="87">
+                  <c:v>0.88014199999999998</c:v>
+                </c:pt>
+                <c:pt idx="88">
+                  <c:v>0.89051899999999995</c:v>
+                </c:pt>
+                <c:pt idx="89">
+                  <c:v>0.97504299999999999</c:v>
+                </c:pt>
+                <c:pt idx="90">
+                  <c:v>6.3223700000000003</c:v>
+                </c:pt>
+                <c:pt idx="91">
+                  <c:v>0.93307200000000001</c:v>
+                </c:pt>
+                <c:pt idx="92">
+                  <c:v>1.62738</c:v>
+                </c:pt>
+                <c:pt idx="93">
+                  <c:v>0.88785400000000003</c:v>
+                </c:pt>
+                <c:pt idx="94">
+                  <c:v>0.92204200000000003</c:v>
+                </c:pt>
+                <c:pt idx="95">
+                  <c:v>0.81306500000000004</c:v>
+                </c:pt>
+                <c:pt idx="96">
+                  <c:v>0.86840499999999998</c:v>
+                </c:pt>
+                <c:pt idx="97">
+                  <c:v>0.91165099999999999</c:v>
+                </c:pt>
+                <c:pt idx="98">
+                  <c:v>0.90801399999999999</c:v>
+                </c:pt>
+                <c:pt idx="99">
+                  <c:v>1.11215</c:v>
+                </c:pt>
+                <c:pt idx="100">
+                  <c:v>1.1953</c:v>
+                </c:pt>
+                <c:pt idx="101">
+                  <c:v>1.0343500000000001</c:v>
+                </c:pt>
+                <c:pt idx="102">
+                  <c:v>0.86102000000000001</c:v>
+                </c:pt>
+                <c:pt idx="103">
+                  <c:v>0.87369399999999997</c:v>
+                </c:pt>
+                <c:pt idx="104">
+                  <c:v>0.91487600000000002</c:v>
+                </c:pt>
+                <c:pt idx="105">
+                  <c:v>0.91833100000000001</c:v>
+                </c:pt>
+                <c:pt idx="106">
+                  <c:v>0.92157699999999998</c:v>
+                </c:pt>
+                <c:pt idx="107">
+                  <c:v>0.85220300000000004</c:v>
+                </c:pt>
+                <c:pt idx="108">
+                  <c:v>0.84161300000000006</c:v>
+                </c:pt>
+                <c:pt idx="109">
+                  <c:v>0.82699400000000001</c:v>
+                </c:pt>
+                <c:pt idx="110">
+                  <c:v>0.937751</c:v>
+                </c:pt>
+                <c:pt idx="111">
+                  <c:v>0.85445400000000005</c:v>
+                </c:pt>
+                <c:pt idx="112">
+                  <c:v>0.75564900000000002</c:v>
+                </c:pt>
+                <c:pt idx="113">
+                  <c:v>0.85469899999999999</c:v>
+                </c:pt>
+                <c:pt idx="114">
+                  <c:v>0.91170799999999996</c:v>
+                </c:pt>
+                <c:pt idx="115">
+                  <c:v>0.76358300000000001</c:v>
+                </c:pt>
+                <c:pt idx="116">
+                  <c:v>0.81172599999999995</c:v>
+                </c:pt>
+                <c:pt idx="117">
+                  <c:v>0.848495</c:v>
+                </c:pt>
+                <c:pt idx="118">
+                  <c:v>0.941909</c:v>
+                </c:pt>
+                <c:pt idx="119">
+                  <c:v>0.87034800000000001</c:v>
+                </c:pt>
+                <c:pt idx="120">
+                  <c:v>3.7344599999999999</c:v>
+                </c:pt>
+                <c:pt idx="121">
+                  <c:v>1.0097499999999999</c:v>
+                </c:pt>
+                <c:pt idx="122">
+                  <c:v>1.59124</c:v>
+                </c:pt>
+                <c:pt idx="123">
+                  <c:v>0.88756400000000002</c:v>
+                </c:pt>
+                <c:pt idx="124">
+                  <c:v>2.6436799999999998</c:v>
+                </c:pt>
+                <c:pt idx="125">
+                  <c:v>0.99780899999999995</c:v>
+                </c:pt>
+                <c:pt idx="126">
+                  <c:v>0.97356799999999999</c:v>
+                </c:pt>
+                <c:pt idx="127">
+                  <c:v>0.95407600000000004</c:v>
+                </c:pt>
+                <c:pt idx="128">
+                  <c:v>0.89188599999999996</c:v>
+                </c:pt>
+                <c:pt idx="129">
+                  <c:v>0.80044400000000004</c:v>
+                </c:pt>
+                <c:pt idx="130">
+                  <c:v>2.1366999999999998</c:v>
+                </c:pt>
+                <c:pt idx="131">
+                  <c:v>0.83577100000000004</c:v>
+                </c:pt>
+                <c:pt idx="132">
+                  <c:v>3.2053799999999999</c:v>
+                </c:pt>
+                <c:pt idx="133">
+                  <c:v>0.87459299999999995</c:v>
+                </c:pt>
+                <c:pt idx="134">
+                  <c:v>1.9576199999999999</c:v>
+                </c:pt>
+                <c:pt idx="135">
+                  <c:v>0.77836499999999997</c:v>
+                </c:pt>
+                <c:pt idx="136">
+                  <c:v>1.52193</c:v>
+                </c:pt>
+                <c:pt idx="137">
+                  <c:v>1.00004</c:v>
+                </c:pt>
+                <c:pt idx="138">
+                  <c:v>0.93385499999999999</c:v>
+                </c:pt>
+                <c:pt idx="139">
+                  <c:v>0.95488200000000001</c:v>
+                </c:pt>
+                <c:pt idx="140">
+                  <c:v>0.81603700000000001</c:v>
+                </c:pt>
+                <c:pt idx="141">
+                  <c:v>0.87279600000000002</c:v>
+                </c:pt>
+                <c:pt idx="142">
+                  <c:v>0.88343099999999997</c:v>
+                </c:pt>
+                <c:pt idx="143">
+                  <c:v>0.93235100000000004</c:v>
+                </c:pt>
+                <c:pt idx="144">
+                  <c:v>0.99891700000000005</c:v>
+                </c:pt>
+                <c:pt idx="145">
+                  <c:v>0.92599900000000002</c:v>
+                </c:pt>
+                <c:pt idx="146">
+                  <c:v>2.9507300000000001</c:v>
+                </c:pt>
+                <c:pt idx="147">
+                  <c:v>1.2296</c:v>
+                </c:pt>
+                <c:pt idx="148">
+                  <c:v>1.65727</c:v>
+                </c:pt>
+                <c:pt idx="149">
+                  <c:v>1.5401499999999999</c:v>
+                </c:pt>
+                <c:pt idx="150">
+                  <c:v>1.01596</c:v>
+                </c:pt>
+                <c:pt idx="151">
+                  <c:v>0.935114</c:v>
+                </c:pt>
+                <c:pt idx="152">
+                  <c:v>0.82528199999999996</c:v>
+                </c:pt>
+                <c:pt idx="153">
+                  <c:v>0.81284500000000004</c:v>
+                </c:pt>
+                <c:pt idx="154">
+                  <c:v>2.4023699999999999</c:v>
+                </c:pt>
+                <c:pt idx="155">
+                  <c:v>0.72672700000000001</c:v>
+                </c:pt>
+                <c:pt idx="156">
+                  <c:v>0.90607599999999999</c:v>
+                </c:pt>
+                <c:pt idx="157">
+                  <c:v>0.83984599999999998</c:v>
+                </c:pt>
+                <c:pt idx="158">
+                  <c:v>0.92286999999999997</c:v>
+                </c:pt>
+                <c:pt idx="159">
+                  <c:v>0.83763200000000004</c:v>
+                </c:pt>
+                <c:pt idx="160">
+                  <c:v>1.0577000000000001</c:v>
+                </c:pt>
+                <c:pt idx="161">
+                  <c:v>0.72909800000000002</c:v>
+                </c:pt>
+                <c:pt idx="162">
+                  <c:v>1.2781100000000001</c:v>
+                </c:pt>
+                <c:pt idx="163">
+                  <c:v>0.83782400000000001</c:v>
+                </c:pt>
+                <c:pt idx="164">
+                  <c:v>0.74922699999999998</c:v>
+                </c:pt>
+                <c:pt idx="165">
+                  <c:v>1.9276899999999999</c:v>
+                </c:pt>
+                <c:pt idx="166">
+                  <c:v>1.18299</c:v>
+                </c:pt>
+                <c:pt idx="167">
+                  <c:v>1.52868</c:v>
+                </c:pt>
+                <c:pt idx="168">
+                  <c:v>1.1002000000000001</c:v>
+                </c:pt>
+                <c:pt idx="169">
+                  <c:v>0.98432399999999998</c:v>
+                </c:pt>
+                <c:pt idx="170">
+                  <c:v>0.97994599999999998</c:v>
+                </c:pt>
+                <c:pt idx="171">
+                  <c:v>0.91162200000000004</c:v>
+                </c:pt>
+                <c:pt idx="172">
+                  <c:v>0.80768799999999996</c:v>
+                </c:pt>
+                <c:pt idx="173">
+                  <c:v>0.83802100000000002</c:v>
+                </c:pt>
+                <c:pt idx="174">
+                  <c:v>0.86405900000000002</c:v>
+                </c:pt>
+                <c:pt idx="175">
+                  <c:v>0.80241300000000004</c:v>
+                </c:pt>
+                <c:pt idx="176">
+                  <c:v>0.88742699999999997</c:v>
+                </c:pt>
+                <c:pt idx="177">
+                  <c:v>0.92380899999999999</c:v>
+                </c:pt>
+                <c:pt idx="178">
+                  <c:v>0.91788499999999995</c:v>
+                </c:pt>
+                <c:pt idx="179">
+                  <c:v>0.91210100000000005</c:v>
+                </c:pt>
+                <c:pt idx="180">
+                  <c:v>1.0033799999999999</c:v>
+                </c:pt>
+                <c:pt idx="181">
+                  <c:v>0.91977100000000001</c:v>
+                </c:pt>
+                <c:pt idx="182">
+                  <c:v>0.91987699999999994</c:v>
+                </c:pt>
+                <c:pt idx="183">
+                  <c:v>1.68041</c:v>
+                </c:pt>
+                <c:pt idx="184">
+                  <c:v>1.2571600000000001</c:v>
+                </c:pt>
+                <c:pt idx="185">
+                  <c:v>1.1308</c:v>
+                </c:pt>
+                <c:pt idx="186">
+                  <c:v>0.90349000000000002</c:v>
+                </c:pt>
+                <c:pt idx="187">
+                  <c:v>1.1293200000000001</c:v>
+                </c:pt>
+                <c:pt idx="188">
+                  <c:v>0.92581999999999998</c:v>
+                </c:pt>
+                <c:pt idx="189">
+                  <c:v>1.1229199999999999</c:v>
+                </c:pt>
+                <c:pt idx="190">
+                  <c:v>1.12459</c:v>
+                </c:pt>
+                <c:pt idx="191">
+                  <c:v>0.95053299999999996</c:v>
+                </c:pt>
+                <c:pt idx="192">
+                  <c:v>0.90638399999999997</c:v>
+                </c:pt>
+                <c:pt idx="193">
+                  <c:v>0.83041600000000004</c:v>
+                </c:pt>
+                <c:pt idx="194">
+                  <c:v>1.0989800000000001</c:v>
+                </c:pt>
+                <c:pt idx="195">
+                  <c:v>0.88127900000000003</c:v>
+                </c:pt>
+                <c:pt idx="196">
+                  <c:v>1.6225499999999999</c:v>
+                </c:pt>
+                <c:pt idx="197">
+                  <c:v>1.03613</c:v>
+                </c:pt>
+                <c:pt idx="198">
+                  <c:v>0.74313200000000001</c:v>
+                </c:pt>
+                <c:pt idx="199">
+                  <c:v>0.85047399999999995</c:v>
+                </c:pt>
+                <c:pt idx="200">
+                  <c:v>0.87927100000000002</c:v>
+                </c:pt>
+                <c:pt idx="201">
+                  <c:v>0.92727999999999999</c:v>
+                </c:pt>
+                <c:pt idx="202">
+                  <c:v>0.94623599999999997</c:v>
+                </c:pt>
+                <c:pt idx="203">
+                  <c:v>0.78525999999999996</c:v>
+                </c:pt>
+                <c:pt idx="204">
+                  <c:v>1.0819000000000001</c:v>
+                </c:pt>
+                <c:pt idx="205">
+                  <c:v>0.96666099999999999</c:v>
+                </c:pt>
+                <c:pt idx="206">
+                  <c:v>0.99061699999999997</c:v>
+                </c:pt>
+                <c:pt idx="207">
+                  <c:v>0.87314599999999998</c:v>
+                </c:pt>
+                <c:pt idx="208">
+                  <c:v>3.0583300000000002</c:v>
+                </c:pt>
+                <c:pt idx="209">
+                  <c:v>0.867363</c:v>
+                </c:pt>
+                <c:pt idx="210">
+                  <c:v>0.980993</c:v>
+                </c:pt>
+                <c:pt idx="211">
+                  <c:v>0.88598200000000005</c:v>
+                </c:pt>
+                <c:pt idx="212">
+                  <c:v>0.978356</c:v>
+                </c:pt>
+                <c:pt idx="213">
+                  <c:v>1.671</c:v>
+                </c:pt>
+                <c:pt idx="214">
+                  <c:v>0.75342399999999998</c:v>
+                </c:pt>
+                <c:pt idx="215">
+                  <c:v>0.89720999999999995</c:v>
+                </c:pt>
+                <c:pt idx="216">
+                  <c:v>0.78454999999999997</c:v>
+                </c:pt>
+                <c:pt idx="217">
+                  <c:v>0.808693</c:v>
+                </c:pt>
+                <c:pt idx="218">
+                  <c:v>0.851383</c:v>
+                </c:pt>
+                <c:pt idx="219">
+                  <c:v>1.0437799999999999</c:v>
+                </c:pt>
+                <c:pt idx="220">
+                  <c:v>0.69662999999999997</c:v>
+                </c:pt>
+                <c:pt idx="221">
+                  <c:v>1.7363999999999999</c:v>
+                </c:pt>
+                <c:pt idx="222">
+                  <c:v>0.82726699999999997</c:v>
+                </c:pt>
+                <c:pt idx="223">
+                  <c:v>0.89440399999999998</c:v>
+                </c:pt>
+                <c:pt idx="224">
+                  <c:v>0.94684800000000002</c:v>
+                </c:pt>
+                <c:pt idx="225">
+                  <c:v>0.94701100000000005</c:v>
+                </c:pt>
+                <c:pt idx="226">
+                  <c:v>0.85937399999999997</c:v>
+                </c:pt>
+                <c:pt idx="227">
+                  <c:v>0.836727</c:v>
+                </c:pt>
+                <c:pt idx="228">
+                  <c:v>0.70514100000000002</c:v>
+                </c:pt>
+                <c:pt idx="229">
+                  <c:v>4.4337999999999997</c:v>
+                </c:pt>
+                <c:pt idx="230">
+                  <c:v>0.96112799999999998</c:v>
+                </c:pt>
+                <c:pt idx="231">
+                  <c:v>5.5171200000000002</c:v>
+                </c:pt>
+                <c:pt idx="232">
+                  <c:v>0.90413699999999997</c:v>
+                </c:pt>
+                <c:pt idx="233">
+                  <c:v>5.8025599999999997</c:v>
+                </c:pt>
+                <c:pt idx="234">
+                  <c:v>0.87645799999999996</c:v>
+                </c:pt>
+                <c:pt idx="235">
+                  <c:v>6.2775499999999997</c:v>
+                </c:pt>
+                <c:pt idx="236">
+                  <c:v>0.87607699999999999</c:v>
+                </c:pt>
+                <c:pt idx="237">
+                  <c:v>5.6603700000000003</c:v>
+                </c:pt>
+                <c:pt idx="238">
+                  <c:v>1.16004</c:v>
+                </c:pt>
+                <c:pt idx="239">
+                  <c:v>2.9857499999999999</c:v>
+                </c:pt>
+                <c:pt idx="240">
+                  <c:v>1.5261</c:v>
+                </c:pt>
+                <c:pt idx="241">
+                  <c:v>2.89079</c:v>
+                </c:pt>
+                <c:pt idx="242">
+                  <c:v>1.2604599999999999</c:v>
+                </c:pt>
+                <c:pt idx="243">
+                  <c:v>1.88609</c:v>
+                </c:pt>
+                <c:pt idx="244">
+                  <c:v>0.88732500000000003</c:v>
+                </c:pt>
+                <c:pt idx="245">
+                  <c:v>0.89603500000000003</c:v>
+                </c:pt>
+                <c:pt idx="246">
+                  <c:v>0.86143700000000001</c:v>
+                </c:pt>
+                <c:pt idx="247">
+                  <c:v>0.90837100000000004</c:v>
+                </c:pt>
+                <c:pt idx="248">
+                  <c:v>0.92381599999999997</c:v>
+                </c:pt>
+                <c:pt idx="249">
+                  <c:v>3.6143299999999998</c:v>
+                </c:pt>
+                <c:pt idx="250">
+                  <c:v>0.67476199999999997</c:v>
+                </c:pt>
+                <c:pt idx="251">
+                  <c:v>0.65048099999999998</c:v>
+                </c:pt>
+                <c:pt idx="252">
+                  <c:v>1.30352</c:v>
+                </c:pt>
+                <c:pt idx="253">
+                  <c:v>1.3029299999999999</c:v>
+                </c:pt>
+                <c:pt idx="254">
+                  <c:v>0.91767399999999999</c:v>
+                </c:pt>
+                <c:pt idx="255">
+                  <c:v>0.79767100000000002</c:v>
+                </c:pt>
+                <c:pt idx="256">
+                  <c:v>0.85722799999999999</c:v>
+                </c:pt>
+                <c:pt idx="257">
+                  <c:v>0.85746199999999995</c:v>
+                </c:pt>
+                <c:pt idx="258">
+                  <c:v>585.125</c:v>
+                </c:pt>
+                <c:pt idx="259">
+                  <c:v>1.6041300000000001</c:v>
+                </c:pt>
+                <c:pt idx="260">
+                  <c:v>0.78530199999999994</c:v>
+                </c:pt>
+                <c:pt idx="261">
+                  <c:v>0.45748899999999998</c:v>
+                </c:pt>
+                <c:pt idx="262">
+                  <c:v>0.25446299999999999</c:v>
+                </c:pt>
+                <c:pt idx="263">
+                  <c:v>0.25547799999999998</c:v>
+                </c:pt>
+                <c:pt idx="264">
+                  <c:v>0.31557400000000002</c:v>
+                </c:pt>
+                <c:pt idx="265">
+                  <c:v>0.195523</c:v>
+                </c:pt>
+                <c:pt idx="266">
+                  <c:v>0.19311900000000001</c:v>
+                </c:pt>
+                <c:pt idx="267" formatCode="0.00E+00">
+                  <c:v>5.8000000000000004E-6</c:v>
+                </c:pt>
+              </c:numCache>
+            </c:numRef>
+          </c:yVal>
+          <c:smooth val="1"/>
+          <c:extLst>
+            <c:ext xmlns:c16="http://schemas.microsoft.com/office/drawing/2014/chart" uri="{C3380CC4-5D6E-409C-BE32-E72D297353CC}">
+              <c16:uniqueId val="{00000001-A124-4668-AC28-6AA16CD10A65}"/>
+            </c:ext>
+          </c:extLst>
+        </c:ser>
+        <c:dLbls>
+          <c:showLegendKey val="0"/>
+          <c:showVal val="0"/>
+          <c:showCatName val="0"/>
+          <c:showSerName val="0"/>
+          <c:showPercent val="0"/>
+          <c:showBubbleSize val="0"/>
+        </c:dLbls>
+        <c:axId val="221377055"/>
+        <c:axId val="221377887"/>
+      </c:scatterChart>
+      <c:valAx>
+        <c:axId val="221377055"/>
+        <c:scaling>
+          <c:orientation val="minMax"/>
+          <c:max val="260"/>
+        </c:scaling>
+        <c:delete val="0"/>
+        <c:axPos val="b"/>
+        <c:title>
+          <c:tx>
+            <c:rich>
+              <a:bodyPr rot="0" spcFirstLastPara="1" vertOverflow="ellipsis" vert="horz" wrap="square" anchor="ctr" anchorCtr="1"/>
+              <a:lstStyle/>
+              <a:p>
+                <a:pPr>
+                  <a:defRPr sz="1000" b="0" i="0" u="none" strike="noStrike" kern="1200" baseline="0">
+                    <a:solidFill>
+                      <a:schemeClr val="tx1">
+                        <a:lumMod val="65000"/>
+                        <a:lumOff val="35000"/>
+                      </a:schemeClr>
+                    </a:solidFill>
+                    <a:latin typeface="+mn-lt"/>
+                    <a:ea typeface="+mn-ea"/>
+                    <a:cs typeface="+mn-cs"/>
+                  </a:defRPr>
+                </a:pPr>
+                <a:r>
+                  <a:rPr lang="en-US"/>
+                  <a:t>Frame</a:t>
+                </a:r>
+                <a:endParaRPr lang="ro-RO"/>
+              </a:p>
+            </c:rich>
+          </c:tx>
+          <c:overlay val="0"/>
+          <c:spPr>
+            <a:noFill/>
+            <a:ln>
+              <a:noFill/>
+            </a:ln>
+            <a:effectLst/>
+          </c:spPr>
+          <c:txPr>
+            <a:bodyPr rot="0" spcFirstLastPara="1" vertOverflow="ellipsis" vert="horz" wrap="square" anchor="ctr" anchorCtr="1"/>
+            <a:lstStyle/>
+            <a:p>
+              <a:pPr>
+                <a:defRPr sz="1000" b="0" i="0" u="none" strike="noStrike" kern="1200" baseline="0">
+                  <a:solidFill>
+                    <a:schemeClr val="tx1">
+                      <a:lumMod val="65000"/>
+                      <a:lumOff val="35000"/>
+                    </a:schemeClr>
+                  </a:solidFill>
+                  <a:latin typeface="+mn-lt"/>
+                  <a:ea typeface="+mn-ea"/>
+                  <a:cs typeface="+mn-cs"/>
+                </a:defRPr>
+              </a:pPr>
+              <a:endParaRPr lang="ro-RO"/>
+            </a:p>
+          </c:txPr>
+        </c:title>
+        <c:numFmt formatCode="General" sourceLinked="1"/>
+        <c:majorTickMark val="out"/>
+        <c:minorTickMark val="none"/>
+        <c:tickLblPos val="nextTo"/>
+        <c:spPr>
+          <a:noFill/>
+          <a:ln w="9525" cap="flat" cmpd="sng" algn="ctr">
+            <a:solidFill>
+              <a:schemeClr val="tx1">
+                <a:lumMod val="15000"/>
+                <a:lumOff val="85000"/>
+              </a:schemeClr>
+            </a:solidFill>
+            <a:round/>
+          </a:ln>
+          <a:effectLst/>
+        </c:spPr>
+        <c:txPr>
+          <a:bodyPr rot="0" spcFirstLastPara="1" vertOverflow="ellipsis" wrap="square" anchor="t" anchorCtr="0"/>
+          <a:lstStyle/>
+          <a:p>
+            <a:pPr>
+              <a:defRPr sz="900" b="0" i="0" u="none" strike="noStrike" kern="1200" baseline="0">
+                <a:solidFill>
+                  <a:schemeClr val="tx1">
+                    <a:lumMod val="65000"/>
+                    <a:lumOff val="35000"/>
+                  </a:schemeClr>
+                </a:solidFill>
+                <a:latin typeface="+mn-lt"/>
+                <a:ea typeface="+mn-ea"/>
+                <a:cs typeface="+mn-cs"/>
+              </a:defRPr>
+            </a:pPr>
+            <a:endParaRPr lang="ro-RO"/>
+          </a:p>
+        </c:txPr>
+        <c:crossAx val="221377887"/>
+        <c:crosses val="autoZero"/>
+        <c:crossBetween val="midCat"/>
+        <c:majorUnit val="20"/>
+        <c:minorUnit val="1"/>
+      </c:valAx>
+      <c:valAx>
+        <c:axId val="221377887"/>
+        <c:scaling>
+          <c:orientation val="minMax"/>
+          <c:max val="10"/>
+          <c:min val="0"/>
+        </c:scaling>
+        <c:delete val="0"/>
+        <c:axPos val="r"/>
+        <c:majorGridlines>
+          <c:spPr>
+            <a:ln w="9525" cap="flat" cmpd="sng" algn="ctr">
+              <a:solidFill>
+                <a:schemeClr val="tx1">
+                  <a:lumMod val="15000"/>
+                  <a:lumOff val="85000"/>
+                </a:schemeClr>
+              </a:solidFill>
+              <a:round/>
+            </a:ln>
+            <a:effectLst/>
+          </c:spPr>
+        </c:majorGridlines>
+        <c:minorGridlines>
+          <c:spPr>
+            <a:ln w="9525" cap="flat" cmpd="sng" algn="ctr">
+              <a:solidFill>
+                <a:schemeClr val="tx1">
+                  <a:lumMod val="5000"/>
+                  <a:lumOff val="95000"/>
+                </a:schemeClr>
+              </a:solidFill>
+              <a:round/>
+            </a:ln>
+            <a:effectLst/>
+          </c:spPr>
+        </c:minorGridlines>
+        <c:title>
+          <c:tx>
+            <c:rich>
+              <a:bodyPr rot="-5400000" spcFirstLastPara="1" vertOverflow="ellipsis" vert="horz" wrap="square" anchor="ctr" anchorCtr="1"/>
+              <a:lstStyle/>
+              <a:p>
+                <a:pPr>
+                  <a:defRPr sz="1000" b="0" i="0" u="none" strike="noStrike" kern="1200" baseline="0">
+                    <a:solidFill>
+                      <a:schemeClr val="tx1">
+                        <a:lumMod val="65000"/>
+                        <a:lumOff val="35000"/>
+                      </a:schemeClr>
+                    </a:solidFill>
+                    <a:latin typeface="+mn-lt"/>
+                    <a:ea typeface="+mn-ea"/>
+                    <a:cs typeface="+mn-cs"/>
+                  </a:defRPr>
+                </a:pPr>
+                <a:r>
+                  <a:rPr lang="en-US"/>
+                  <a:t>Time(sec)</a:t>
+                </a:r>
+                <a:endParaRPr lang="ro-RO"/>
+              </a:p>
+            </c:rich>
+          </c:tx>
+          <c:overlay val="0"/>
+          <c:spPr>
+            <a:noFill/>
+            <a:ln>
+              <a:noFill/>
+            </a:ln>
+            <a:effectLst/>
+          </c:spPr>
+          <c:txPr>
+            <a:bodyPr rot="-5400000" spcFirstLastPara="1" vertOverflow="ellipsis" vert="horz" wrap="square" anchor="ctr" anchorCtr="1"/>
+            <a:lstStyle/>
+            <a:p>
+              <a:pPr>
+                <a:defRPr sz="1000" b="0" i="0" u="none" strike="noStrike" kern="1200" baseline="0">
+                  <a:solidFill>
+                    <a:schemeClr val="tx1">
+                      <a:lumMod val="65000"/>
+                      <a:lumOff val="35000"/>
+                    </a:schemeClr>
+                  </a:solidFill>
+                  <a:latin typeface="+mn-lt"/>
+                  <a:ea typeface="+mn-ea"/>
+                  <a:cs typeface="+mn-cs"/>
+                </a:defRPr>
+              </a:pPr>
+              <a:endParaRPr lang="ro-RO"/>
+            </a:p>
+          </c:txPr>
+        </c:title>
+        <c:numFmt formatCode="General" sourceLinked="1"/>
+        <c:majorTickMark val="none"/>
+        <c:minorTickMark val="none"/>
+        <c:tickLblPos val="nextTo"/>
+        <c:spPr>
+          <a:noFill/>
+          <a:ln>
+            <a:noFill/>
+          </a:ln>
+          <a:effectLst/>
+        </c:spPr>
+        <c:txPr>
+          <a:bodyPr rot="-60000000" spcFirstLastPara="1" vertOverflow="ellipsis" vert="horz" wrap="square" anchor="ctr" anchorCtr="1"/>
+          <a:lstStyle/>
+          <a:p>
+            <a:pPr>
+              <a:defRPr sz="900" b="0" i="0" u="none" strike="noStrike" kern="1200" baseline="0">
+                <a:solidFill>
+                  <a:schemeClr val="tx1">
+                    <a:lumMod val="65000"/>
+                    <a:lumOff val="35000"/>
+                  </a:schemeClr>
+                </a:solidFill>
+                <a:latin typeface="+mn-lt"/>
+                <a:ea typeface="+mn-ea"/>
+                <a:cs typeface="+mn-cs"/>
+              </a:defRPr>
+            </a:pPr>
+            <a:endParaRPr lang="ro-RO"/>
+          </a:p>
+        </c:txPr>
+        <c:crossAx val="221377055"/>
+        <c:crosses val="max"/>
+        <c:crossBetween val="midCat"/>
+      </c:valAx>
+      <c:spPr>
+        <a:noFill/>
+        <a:ln>
+          <a:solidFill>
+            <a:schemeClr val="accent1">
+              <a:alpha val="98000"/>
+            </a:schemeClr>
+          </a:solidFill>
+        </a:ln>
+        <a:effectLst/>
+      </c:spPr>
+    </c:plotArea>
+    <c:legend>
+      <c:legendPos val="l"/>
+      <c:overlay val="0"/>
+      <c:spPr>
+        <a:noFill/>
+        <a:ln>
+          <a:solidFill>
+            <a:schemeClr val="accent1">
+              <a:alpha val="98000"/>
+            </a:schemeClr>
+          </a:solidFill>
+        </a:ln>
+        <a:effectLst/>
+      </c:spPr>
+      <c:txPr>
+        <a:bodyPr rot="0" spcFirstLastPara="1" vertOverflow="ellipsis" vert="horz" wrap="square" anchor="ctr" anchorCtr="1"/>
+        <a:lstStyle/>
+        <a:p>
+          <a:pPr>
+            <a:defRPr sz="900" b="0" i="0" u="none" strike="noStrike" kern="1200" baseline="0">
+              <a:solidFill>
+                <a:schemeClr val="tx1">
+                  <a:lumMod val="65000"/>
+                  <a:lumOff val="35000"/>
+                </a:schemeClr>
+              </a:solidFill>
+              <a:latin typeface="+mn-lt"/>
+              <a:ea typeface="+mn-ea"/>
+              <a:cs typeface="+mn-cs"/>
+            </a:defRPr>
+          </a:pPr>
+          <a:endParaRPr lang="ro-RO"/>
+        </a:p>
+      </c:txPr>
+    </c:legend>
+    <c:plotVisOnly val="1"/>
+    <c:dispBlanksAs val="gap"/>
+    <c:showDLblsOverMax val="0"/>
+  </c:chart>
+  <c:spPr>
+    <a:noFill/>
+    <a:ln>
+      <a:noFill/>
+    </a:ln>
+    <a:effectLst/>
+  </c:spPr>
+  <c:txPr>
+    <a:bodyPr/>
+    <a:lstStyle/>
+    <a:p>
+      <a:pPr>
+        <a:defRPr/>
+      </a:pPr>
+      <a:endParaRPr lang="ro-RO"/>
+    </a:p>
+  </c:txPr>
+  <c:externalData r:id="rId4">
+    <c:autoUpdate val="0"/>
+  </c:externalData>
+</c:chartSpace>
+</file>
+
+<file path=ppt/charts/colors1.xml><?xml version="1.0" encoding="utf-8"?>
+<cs:colorStyle xmlns:cs="http://schemas.microsoft.com/office/drawing/2012/chartStyle" xmlns:a="http://schemas.openxmlformats.org/drawingml/2006/main" meth="cycle" id="10">
+  <a:schemeClr val="accent1"/>
+  <a:schemeClr val="accent2"/>
+  <a:schemeClr val="accent3"/>
+  <a:schemeClr val="accent4"/>
+  <a:schemeClr val="accent5"/>
+  <a:schemeClr val="accent6"/>
+  <cs:variation/>
+  <cs:variation>
+    <a:lumMod val="60000"/>
+  </cs:variation>
+  <cs:variation>
+    <a:lumMod val="80000"/>
+    <a:lumOff val="20000"/>
+  </cs:variation>
+  <cs:variation>
+    <a:lumMod val="80000"/>
+  </cs:variation>
+  <cs:variation>
+    <a:lumMod val="60000"/>
+    <a:lumOff val="40000"/>
+  </cs:variation>
+  <cs:variation>
+    <a:lumMod val="50000"/>
+  </cs:variation>
+  <cs:variation>
+    <a:lumMod val="70000"/>
+    <a:lumOff val="30000"/>
+  </cs:variation>
+  <cs:variation>
+    <a:lumMod val="70000"/>
+  </cs:variation>
+  <cs:variation>
+    <a:lumMod val="50000"/>
+    <a:lumOff val="50000"/>
+  </cs:variation>
+</cs:colorStyle>
+</file>
+
+<file path=ppt/charts/colors2.xml><?xml version="1.0" encoding="utf-8"?>
+<cs:colorStyle xmlns:cs="http://schemas.microsoft.com/office/drawing/2012/chartStyle" xmlns:a="http://schemas.openxmlformats.org/drawingml/2006/main" meth="cycle" id="10">
+  <a:schemeClr val="accent1"/>
+  <a:schemeClr val="accent2"/>
+  <a:schemeClr val="accent3"/>
+  <a:schemeClr val="accent4"/>
+  <a:schemeClr val="accent5"/>
+  <a:schemeClr val="accent6"/>
+  <cs:variation/>
+  <cs:variation>
+    <a:lumMod val="60000"/>
+  </cs:variation>
+  <cs:variation>
+    <a:lumMod val="80000"/>
+    <a:lumOff val="20000"/>
+  </cs:variation>
+  <cs:variation>
+    <a:lumMod val="80000"/>
+  </cs:variation>
+  <cs:variation>
+    <a:lumMod val="60000"/>
+    <a:lumOff val="40000"/>
+  </cs:variation>
+  <cs:variation>
+    <a:lumMod val="50000"/>
+  </cs:variation>
+  <cs:variation>
+    <a:lumMod val="70000"/>
+    <a:lumOff val="30000"/>
+  </cs:variation>
+  <cs:variation>
+    <a:lumMod val="70000"/>
+  </cs:variation>
+  <cs:variation>
+    <a:lumMod val="50000"/>
+    <a:lumOff val="50000"/>
+  </cs:variation>
+</cs:colorStyle>
+</file>
+
+<file path=ppt/charts/style1.xml><?xml version="1.0" encoding="utf-8"?>
+<cs:chartStyle xmlns:cs="http://schemas.microsoft.com/office/drawing/2012/chartStyle" xmlns:a="http://schemas.openxmlformats.org/drawingml/2006/main" id="227">
+  <cs:axisTitle>
+    <cs:lnRef idx="0"/>
+    <cs:fillRef idx="0"/>
+    <cs:effectRef idx="0"/>
+    <cs:fontRef idx="minor">
+      <a:schemeClr val="tx1">
+        <a:lumMod val="65000"/>
+        <a:lumOff val="35000"/>
+      </a:schemeClr>
+    </cs:fontRef>
+    <cs:defRPr sz="1000" kern="1200"/>
+  </cs:axisTitle>
+  <cs:categoryAxis>
+    <cs:lnRef idx="0"/>
+    <cs:fillRef idx="0"/>
+    <cs:effectRef idx="0"/>
+    <cs:fontRef idx="minor">
+      <a:schemeClr val="tx1">
+        <a:lumMod val="65000"/>
+        <a:lumOff val="35000"/>
+      </a:schemeClr>
+    </cs:fontRef>
+    <cs:spPr>
+      <a:ln w="9525" cap="flat" cmpd="sng" algn="ctr">
+        <a:solidFill>
+          <a:schemeClr val="tx1">
+            <a:lumMod val="15000"/>
+            <a:lumOff val="85000"/>
+          </a:schemeClr>
+        </a:solidFill>
+        <a:round/>
+      </a:ln>
+    </cs:spPr>
+    <cs:defRPr sz="900" kern="1200"/>
+  </cs:categoryAxis>
+  <cs:chartArea mods="allowNoFillOverride allowNoLineOverride">
+    <cs:lnRef idx="0"/>
+    <cs:fillRef idx="0"/>
+    <cs:effectRef idx="0"/>
+    <cs:fontRef idx="minor">
+      <a:schemeClr val="tx1"/>
+    </cs:fontRef>
+    <cs:spPr>
+      <a:solidFill>
+        <a:schemeClr val="bg1"/>
+      </a:solidFill>
+      <a:ln w="9525" cap="flat" cmpd="sng" algn="ctr">
+        <a:solidFill>
+          <a:schemeClr val="tx1">
+            <a:lumMod val="15000"/>
+            <a:lumOff val="85000"/>
+          </a:schemeClr>
+        </a:solidFill>
+        <a:round/>
+      </a:ln>
+    </cs:spPr>
+    <cs:defRPr sz="1000" kern="1200"/>
+  </cs:chartArea>
+  <cs:dataLabel>
+    <cs:lnRef idx="0"/>
+    <cs:fillRef idx="0"/>
+    <cs:effectRef idx="0"/>
+    <cs:fontRef idx="minor">
+      <a:schemeClr val="tx1">
+        <a:lumMod val="75000"/>
+        <a:lumOff val="25000"/>
+      </a:schemeClr>
+    </cs:fontRef>
+    <cs:defRPr sz="900" kern="1200"/>
+  </cs:dataLabel>
+  <cs:dataLabelCallout>
+    <cs:lnRef idx="0"/>
+    <cs:fillRef idx="0"/>
+    <cs:effectRef idx="0"/>
+    <cs:fontRef idx="minor">
+      <a:schemeClr val="dk1">
+        <a:lumMod val="65000"/>
+        <a:lumOff val="35000"/>
+      </a:schemeClr>
+    </cs:fontRef>
+    <cs:spPr>
+      <a:solidFill>
+        <a:schemeClr val="lt1"/>
+      </a:solidFill>
+      <a:ln>
+        <a:solidFill>
+          <a:schemeClr val="dk1">
+            <a:lumMod val="25000"/>
+            <a:lumOff val="75000"/>
+          </a:schemeClr>
+        </a:solidFill>
+      </a:ln>
+    </cs:spPr>
+    <cs:defRPr sz="900" kern="1200"/>
+    <cs:bodyPr rot="0" spcFirstLastPara="1" vertOverflow="clip" horzOverflow="clip" vert="horz" wrap="square" lIns="36576" tIns="18288" rIns="36576" bIns="18288" anchor="ctr" anchorCtr="1">
+      <a:spAutoFit/>
+    </cs:bodyPr>
+  </cs:dataLabelCallout>
+  <cs:dataPoint>
+    <cs:lnRef idx="0"/>
+    <cs:fillRef idx="1">
+      <cs:styleClr val="auto"/>
+    </cs:fillRef>
+    <cs:effectRef idx="0"/>
+    <cs:fontRef idx="minor">
+      <a:schemeClr val="tx1"/>
+    </cs:fontRef>
+    <cs:spPr>
+      <a:solidFill>
+        <a:schemeClr val="phClr"/>
+      </a:solidFill>
+    </cs:spPr>
+  </cs:dataPoint>
+  <cs:dataPoint3D>
+    <cs:lnRef idx="0"/>
+    <cs:fillRef idx="1">
+      <cs:styleClr val="auto"/>
+    </cs:fillRef>
+    <cs:effectRef idx="0"/>
+    <cs:fontRef idx="minor">
+      <a:schemeClr val="tx1"/>
+    </cs:fontRef>
+    <cs:spPr>
+      <a:solidFill>
+        <a:schemeClr val="phClr"/>
+      </a:solidFill>
+    </cs:spPr>
+  </cs:dataPoint3D>
+  <cs:dataPointLine>
+    <cs:lnRef idx="0">
+      <cs:styleClr val="auto"/>
+    </cs:lnRef>
+    <cs:fillRef idx="1"/>
+    <cs:effectRef idx="0"/>
+    <cs:fontRef idx="minor">
+      <a:schemeClr val="tx1"/>
+    </cs:fontRef>
+    <cs:spPr>
+      <a:ln w="28575" cap="rnd">
+        <a:solidFill>
+          <a:schemeClr val="phClr"/>
+        </a:solidFill>
+        <a:round/>
+      </a:ln>
+    </cs:spPr>
+  </cs:dataPointLine>
+  <cs:dataPointMarker>
+    <cs:lnRef idx="0">
+      <cs:styleClr val="auto"/>
+    </cs:lnRef>
+    <cs:fillRef idx="1">
+      <cs:styleClr val="auto"/>
+    </cs:fillRef>
+    <cs:effectRef idx="0"/>
+    <cs:fontRef idx="minor">
+      <a:schemeClr val="tx1"/>
+    </cs:fontRef>
+    <cs:spPr>
+      <a:solidFill>
+        <a:schemeClr val="phClr"/>
+      </a:solidFill>
+      <a:ln w="9525">
+        <a:solidFill>
+          <a:schemeClr val="phClr"/>
+        </a:solidFill>
+      </a:ln>
+    </cs:spPr>
+  </cs:dataPointMarker>
+  <cs:dataPointMarkerLayout symbol="circle" size="5"/>
+  <cs:dataPointWireframe>
+    <cs:lnRef idx="0">
+      <cs:styleClr val="auto"/>
+    </cs:lnRef>
+    <cs:fillRef idx="1"/>
+    <cs:effectRef idx="0"/>
+    <cs:fontRef idx="minor">
+      <a:schemeClr val="tx1"/>
+    </cs:fontRef>
+    <cs:spPr>
+      <a:ln w="9525" cap="rnd">
+        <a:solidFill>
+          <a:schemeClr val="phClr"/>
+        </a:solidFill>
+        <a:round/>
+      </a:ln>
+    </cs:spPr>
+  </cs:dataPointWireframe>
+  <cs:dataTable>
+    <cs:lnRef idx="0"/>
+    <cs:fillRef idx="0"/>
+    <cs:effectRef idx="0"/>
+    <cs:fontRef idx="minor">
+      <a:schemeClr val="tx1">
+        <a:lumMod val="65000"/>
+        <a:lumOff val="35000"/>
+      </a:schemeClr>
+    </cs:fontRef>
+    <cs:spPr>
+      <a:noFill/>
+      <a:ln w="9525" cap="flat" cmpd="sng" algn="ctr">
+        <a:solidFill>
+          <a:schemeClr val="tx1">
+            <a:lumMod val="15000"/>
+            <a:lumOff val="85000"/>
+          </a:schemeClr>
+        </a:solidFill>
+        <a:round/>
+      </a:ln>
+    </cs:spPr>
+    <cs:defRPr sz="900" kern="1200"/>
+  </cs:dataTable>
+  <cs:downBar>
+    <cs:lnRef idx="0"/>
+    <cs:fillRef idx="0"/>
+    <cs:effectRef idx="0"/>
+    <cs:fontRef idx="minor">
+      <a:schemeClr val="dk1"/>
+    </cs:fontRef>
+    <cs:spPr>
+      <a:solidFill>
+        <a:schemeClr val="dk1">
+          <a:lumMod val="65000"/>
+          <a:lumOff val="35000"/>
+        </a:schemeClr>
+      </a:solidFill>
+      <a:ln w="9525">
+        <a:solidFill>
+          <a:schemeClr val="tx1">
+            <a:lumMod val="65000"/>
+            <a:lumOff val="35000"/>
+          </a:schemeClr>
+        </a:solidFill>
+      </a:ln>
+    </cs:spPr>
+  </cs:downBar>
+  <cs:dropLine>
+    <cs:lnRef idx="0"/>
+    <cs:fillRef idx="0"/>
+    <cs:effectRef idx="0"/>
+    <cs:fontRef idx="minor">
+      <a:schemeClr val="tx1"/>
+    </cs:fontRef>
+    <cs:spPr>
+      <a:ln w="9525" cap="flat" cmpd="sng" algn="ctr">
+        <a:solidFill>
+          <a:schemeClr val="tx1">
+            <a:lumMod val="35000"/>
+            <a:lumOff val="65000"/>
+          </a:schemeClr>
+        </a:solidFill>
+        <a:round/>
+      </a:ln>
+    </cs:spPr>
+  </cs:dropLine>
+  <cs:errorBar>
+    <cs:lnRef idx="0"/>
+    <cs:fillRef idx="0"/>
+    <cs:effectRef idx="0"/>
+    <cs:fontRef idx="minor">
+      <a:schemeClr val="tx1"/>
+    </cs:fontRef>
+    <cs:spPr>
+      <a:ln w="9525" cap="flat" cmpd="sng" algn="ctr">
+        <a:solidFill>
+          <a:schemeClr val="tx1">
+            <a:lumMod val="65000"/>
+            <a:lumOff val="35000"/>
+          </a:schemeClr>
+        </a:solidFill>
+        <a:round/>
+      </a:ln>
+    </cs:spPr>
+  </cs:errorBar>
+  <cs:floor>
+    <cs:lnRef idx="0"/>
+    <cs:fillRef idx="0"/>
+    <cs:effectRef idx="0"/>
+    <cs:fontRef idx="minor">
+      <a:schemeClr val="tx1"/>
+    </cs:fontRef>
+    <cs:spPr>
+      <a:noFill/>
+      <a:ln>
+        <a:noFill/>
+      </a:ln>
+    </cs:spPr>
+  </cs:floor>
+  <cs:gridlineMajor>
+    <cs:lnRef idx="0"/>
+    <cs:fillRef idx="0"/>
+    <cs:effectRef idx="0"/>
+    <cs:fontRef idx="minor">
+      <a:schemeClr val="tx1"/>
+    </cs:fontRef>
+    <cs:spPr>
+      <a:ln w="9525" cap="flat" cmpd="sng" algn="ctr">
+        <a:solidFill>
+          <a:schemeClr val="tx1">
+            <a:lumMod val="15000"/>
+            <a:lumOff val="85000"/>
+          </a:schemeClr>
+        </a:solidFill>
+        <a:round/>
+      </a:ln>
+    </cs:spPr>
+  </cs:gridlineMajor>
+  <cs:gridlineMinor>
+    <cs:lnRef idx="0"/>
+    <cs:fillRef idx="0"/>
+    <cs:effectRef idx="0"/>
+    <cs:fontRef idx="minor">
+      <a:schemeClr val="tx1"/>
+    </cs:fontRef>
+    <cs:spPr>
+      <a:ln w="9525" cap="flat" cmpd="sng" algn="ctr">
+        <a:solidFill>
+          <a:schemeClr val="tx1">
+            <a:lumMod val="5000"/>
+            <a:lumOff val="95000"/>
+          </a:schemeClr>
+        </a:solidFill>
+        <a:round/>
+      </a:ln>
+    </cs:spPr>
+  </cs:gridlineMinor>
+  <cs:hiLoLine>
+    <cs:lnRef idx="0"/>
+    <cs:fillRef idx="0"/>
+    <cs:effectRef idx="0"/>
+    <cs:fontRef idx="minor">
+      <a:schemeClr val="tx1"/>
+    </cs:fontRef>
+    <cs:spPr>
+      <a:ln w="9525" cap="flat" cmpd="sng" algn="ctr">
+        <a:solidFill>
+          <a:schemeClr val="tx1">
+            <a:lumMod val="75000"/>
+            <a:lumOff val="25000"/>
+          </a:schemeClr>
+        </a:solidFill>
+        <a:round/>
+      </a:ln>
+    </cs:spPr>
+  </cs:hiLoLine>
+  <cs:leaderLine>
+    <cs:lnRef idx="0"/>
+    <cs:fillRef idx="0"/>
+    <cs:effectRef idx="0"/>
+    <cs:fontRef idx="minor">
+      <a:schemeClr val="tx1"/>
+    </cs:fontRef>
+    <cs:spPr>
+      <a:ln w="9525" cap="flat" cmpd="sng" algn="ctr">
+        <a:solidFill>
+          <a:schemeClr val="tx1">
+            <a:lumMod val="35000"/>
+            <a:lumOff val="65000"/>
+          </a:schemeClr>
+        </a:solidFill>
+        <a:round/>
+      </a:ln>
+    </cs:spPr>
+  </cs:leaderLine>
+  <cs:legend>
+    <cs:lnRef idx="0"/>
+    <cs:fillRef idx="0"/>
+    <cs:effectRef idx="0"/>
+    <cs:fontRef idx="minor">
+      <a:schemeClr val="tx1">
+        <a:lumMod val="65000"/>
+        <a:lumOff val="35000"/>
+      </a:schemeClr>
+    </cs:fontRef>
+    <cs:defRPr sz="900" kern="1200"/>
+  </cs:legend>
+  <cs:plotArea mods="allowNoFillOverride allowNoLineOverride">
+    <cs:lnRef idx="0"/>
+    <cs:fillRef idx="0"/>
+    <cs:effectRef idx="0"/>
+    <cs:fontRef idx="minor">
+      <a:schemeClr val="tx1"/>
+    </cs:fontRef>
+  </cs:plotArea>
+  <cs:plotArea3D mods="allowNoFillOverride allowNoLineOverride">
+    <cs:lnRef idx="0"/>
+    <cs:fillRef idx="0"/>
+    <cs:effectRef idx="0"/>
+    <cs:fontRef idx="minor">
+      <a:schemeClr val="tx1"/>
+    </cs:fontRef>
+  </cs:plotArea3D>
+  <cs:seriesAxis>
+    <cs:lnRef idx="0"/>
+    <cs:fillRef idx="0"/>
+    <cs:effectRef idx="0"/>
+    <cs:fontRef idx="minor">
+      <a:schemeClr val="tx1">
+        <a:lumMod val="65000"/>
+        <a:lumOff val="35000"/>
+      </a:schemeClr>
+    </cs:fontRef>
+    <cs:defRPr sz="900" kern="1200"/>
+  </cs:seriesAxis>
+  <cs:seriesLine>
+    <cs:lnRef idx="0"/>
+    <cs:fillRef idx="0"/>
+    <cs:effectRef idx="0"/>
+    <cs:fontRef idx="minor">
+      <a:schemeClr val="tx1"/>
+    </cs:fontRef>
+    <cs:spPr>
+      <a:ln w="9525" cap="flat" cmpd="sng" algn="ctr">
+        <a:solidFill>
+          <a:schemeClr val="tx1">
+            <a:lumMod val="35000"/>
+            <a:lumOff val="65000"/>
+          </a:schemeClr>
+        </a:solidFill>
+        <a:round/>
+      </a:ln>
+    </cs:spPr>
+  </cs:seriesLine>
+  <cs:title>
+    <cs:lnRef idx="0"/>
+    <cs:fillRef idx="0"/>
+    <cs:effectRef idx="0"/>
+    <cs:fontRef idx="minor">
+      <a:schemeClr val="tx1">
+        <a:lumMod val="65000"/>
+        <a:lumOff val="35000"/>
+      </a:schemeClr>
+    </cs:fontRef>
+    <cs:defRPr sz="1400" b="0" kern="1200" spc="0" baseline="0"/>
+  </cs:title>
+  <cs:trendline>
+    <cs:lnRef idx="0">
+      <cs:styleClr val="auto"/>
+    </cs:lnRef>
+    <cs:fillRef idx="0"/>
+    <cs:effectRef idx="0"/>
+    <cs:fontRef idx="minor">
+      <a:schemeClr val="tx1"/>
+    </cs:fontRef>
+    <cs:spPr>
+      <a:ln w="19050" cap="rnd">
+        <a:solidFill>
+          <a:schemeClr val="phClr"/>
+        </a:solidFill>
+        <a:prstDash val="sysDot"/>
+      </a:ln>
+    </cs:spPr>
+  </cs:trendline>
+  <cs:trendlineLabel>
+    <cs:lnRef idx="0"/>
+    <cs:fillRef idx="0"/>
+    <cs:effectRef idx="0"/>
+    <cs:fontRef idx="minor">
+      <a:schemeClr val="tx1">
+        <a:lumMod val="65000"/>
+        <a:lumOff val="35000"/>
+      </a:schemeClr>
+    </cs:fontRef>
+    <cs:defRPr sz="900" kern="1200"/>
+  </cs:trendlineLabel>
+  <cs:upBar>
+    <cs:lnRef idx="0"/>
+    <cs:fillRef idx="0"/>
+    <cs:effectRef idx="0"/>
+    <cs:fontRef idx="minor">
+      <a:schemeClr val="dk1"/>
+    </cs:fontRef>
+    <cs:spPr>
+      <a:solidFill>
+        <a:schemeClr val="lt1"/>
+      </a:solidFill>
+      <a:ln w="9525">
+        <a:solidFill>
+          <a:schemeClr val="tx1">
+            <a:lumMod val="15000"/>
+            <a:lumOff val="85000"/>
+          </a:schemeClr>
+        </a:solidFill>
+      </a:ln>
+    </cs:spPr>
+  </cs:upBar>
+  <cs:valueAxis>
+    <cs:lnRef idx="0"/>
+    <cs:fillRef idx="0"/>
+    <cs:effectRef idx="0"/>
+    <cs:fontRef idx="minor">
+      <a:schemeClr val="tx1">
+        <a:lumMod val="65000"/>
+        <a:lumOff val="35000"/>
+      </a:schemeClr>
+    </cs:fontRef>
+    <cs:defRPr sz="900" kern="1200"/>
+  </cs:valueAxis>
+  <cs:wall>
+    <cs:lnRef idx="0"/>
+    <cs:fillRef idx="0"/>
+    <cs:effectRef idx="0"/>
+    <cs:fontRef idx="minor">
+      <a:schemeClr val="tx1"/>
+    </cs:fontRef>
+    <cs:spPr>
+      <a:noFill/>
+      <a:ln>
+        <a:noFill/>
+      </a:ln>
+    </cs:spPr>
+  </cs:wall>
+</cs:chartStyle>
+</file>
+
+<file path=ppt/charts/style2.xml><?xml version="1.0" encoding="utf-8"?>
+<cs:chartStyle xmlns:cs="http://schemas.microsoft.com/office/drawing/2012/chartStyle" xmlns:a="http://schemas.openxmlformats.org/drawingml/2006/main" id="227">
+  <cs:axisTitle>
+    <cs:lnRef idx="0"/>
+    <cs:fillRef idx="0"/>
+    <cs:effectRef idx="0"/>
+    <cs:fontRef idx="minor">
+      <a:schemeClr val="tx1">
+        <a:lumMod val="65000"/>
+        <a:lumOff val="35000"/>
+      </a:schemeClr>
+    </cs:fontRef>
+    <cs:defRPr sz="1000" kern="1200"/>
+  </cs:axisTitle>
+  <cs:categoryAxis>
+    <cs:lnRef idx="0"/>
+    <cs:fillRef idx="0"/>
+    <cs:effectRef idx="0"/>
+    <cs:fontRef idx="minor">
+      <a:schemeClr val="tx1">
+        <a:lumMod val="65000"/>
+        <a:lumOff val="35000"/>
+      </a:schemeClr>
+    </cs:fontRef>
+    <cs:spPr>
+      <a:ln w="9525" cap="flat" cmpd="sng" algn="ctr">
+        <a:solidFill>
+          <a:schemeClr val="tx1">
+            <a:lumMod val="15000"/>
+            <a:lumOff val="85000"/>
+          </a:schemeClr>
+        </a:solidFill>
+        <a:round/>
+      </a:ln>
+    </cs:spPr>
+    <cs:defRPr sz="900" kern="1200"/>
+  </cs:categoryAxis>
+  <cs:chartArea mods="allowNoFillOverride allowNoLineOverride">
+    <cs:lnRef idx="0"/>
+    <cs:fillRef idx="0"/>
+    <cs:effectRef idx="0"/>
+    <cs:fontRef idx="minor">
+      <a:schemeClr val="tx1"/>
+    </cs:fontRef>
+    <cs:spPr>
+      <a:solidFill>
+        <a:schemeClr val="bg1"/>
+      </a:solidFill>
+      <a:ln w="9525" cap="flat" cmpd="sng" algn="ctr">
+        <a:solidFill>
+          <a:schemeClr val="tx1">
+            <a:lumMod val="15000"/>
+            <a:lumOff val="85000"/>
+          </a:schemeClr>
+        </a:solidFill>
+        <a:round/>
+      </a:ln>
+    </cs:spPr>
+    <cs:defRPr sz="1000" kern="1200"/>
+  </cs:chartArea>
+  <cs:dataLabel>
+    <cs:lnRef idx="0"/>
+    <cs:fillRef idx="0"/>
+    <cs:effectRef idx="0"/>
+    <cs:fontRef idx="minor">
+      <a:schemeClr val="tx1">
+        <a:lumMod val="75000"/>
+        <a:lumOff val="25000"/>
+      </a:schemeClr>
+    </cs:fontRef>
+    <cs:defRPr sz="900" kern="1200"/>
+  </cs:dataLabel>
+  <cs:dataLabelCallout>
+    <cs:lnRef idx="0"/>
+    <cs:fillRef idx="0"/>
+    <cs:effectRef idx="0"/>
+    <cs:fontRef idx="minor">
+      <a:schemeClr val="dk1">
+        <a:lumMod val="65000"/>
+        <a:lumOff val="35000"/>
+      </a:schemeClr>
+    </cs:fontRef>
+    <cs:spPr>
+      <a:solidFill>
+        <a:schemeClr val="lt1"/>
+      </a:solidFill>
+      <a:ln>
+        <a:solidFill>
+          <a:schemeClr val="dk1">
+            <a:lumMod val="25000"/>
+            <a:lumOff val="75000"/>
+          </a:schemeClr>
+        </a:solidFill>
+      </a:ln>
+    </cs:spPr>
+    <cs:defRPr sz="900" kern="1200"/>
+    <cs:bodyPr rot="0" spcFirstLastPara="1" vertOverflow="clip" horzOverflow="clip" vert="horz" wrap="square" lIns="36576" tIns="18288" rIns="36576" bIns="18288" anchor="ctr" anchorCtr="1">
+      <a:spAutoFit/>
+    </cs:bodyPr>
+  </cs:dataLabelCallout>
+  <cs:dataPoint>
+    <cs:lnRef idx="0"/>
+    <cs:fillRef idx="1">
+      <cs:styleClr val="auto"/>
+    </cs:fillRef>
+    <cs:effectRef idx="0"/>
+    <cs:fontRef idx="minor">
+      <a:schemeClr val="tx1"/>
+    </cs:fontRef>
+    <cs:spPr>
+      <a:solidFill>
+        <a:schemeClr val="phClr"/>
+      </a:solidFill>
+    </cs:spPr>
+  </cs:dataPoint>
+  <cs:dataPoint3D>
+    <cs:lnRef idx="0"/>
+    <cs:fillRef idx="1">
+      <cs:styleClr val="auto"/>
+    </cs:fillRef>
+    <cs:effectRef idx="0"/>
+    <cs:fontRef idx="minor">
+      <a:schemeClr val="tx1"/>
+    </cs:fontRef>
+    <cs:spPr>
+      <a:solidFill>
+        <a:schemeClr val="phClr"/>
+      </a:solidFill>
+    </cs:spPr>
+  </cs:dataPoint3D>
+  <cs:dataPointLine>
+    <cs:lnRef idx="0">
+      <cs:styleClr val="auto"/>
+    </cs:lnRef>
+    <cs:fillRef idx="1"/>
+    <cs:effectRef idx="0"/>
+    <cs:fontRef idx="minor">
+      <a:schemeClr val="tx1"/>
+    </cs:fontRef>
+    <cs:spPr>
+      <a:ln w="28575" cap="rnd">
+        <a:solidFill>
+          <a:schemeClr val="phClr"/>
+        </a:solidFill>
+        <a:round/>
+      </a:ln>
+    </cs:spPr>
+  </cs:dataPointLine>
+  <cs:dataPointMarker>
+    <cs:lnRef idx="0">
+      <cs:styleClr val="auto"/>
+    </cs:lnRef>
+    <cs:fillRef idx="1">
+      <cs:styleClr val="auto"/>
+    </cs:fillRef>
+    <cs:effectRef idx="0"/>
+    <cs:fontRef idx="minor">
+      <a:schemeClr val="tx1"/>
+    </cs:fontRef>
+    <cs:spPr>
+      <a:solidFill>
+        <a:schemeClr val="phClr"/>
+      </a:solidFill>
+      <a:ln w="9525">
+        <a:solidFill>
+          <a:schemeClr val="phClr"/>
+        </a:solidFill>
+      </a:ln>
+    </cs:spPr>
+  </cs:dataPointMarker>
+  <cs:dataPointMarkerLayout symbol="circle" size="5"/>
+  <cs:dataPointWireframe>
+    <cs:lnRef idx="0">
+      <cs:styleClr val="auto"/>
+    </cs:lnRef>
+    <cs:fillRef idx="1"/>
+    <cs:effectRef idx="0"/>
+    <cs:fontRef idx="minor">
+      <a:schemeClr val="tx1"/>
+    </cs:fontRef>
+    <cs:spPr>
+      <a:ln w="9525" cap="rnd">
+        <a:solidFill>
+          <a:schemeClr val="phClr"/>
+        </a:solidFill>
+        <a:round/>
+      </a:ln>
+    </cs:spPr>
+  </cs:dataPointWireframe>
+  <cs:dataTable>
+    <cs:lnRef idx="0"/>
+    <cs:fillRef idx="0"/>
+    <cs:effectRef idx="0"/>
+    <cs:fontRef idx="minor">
+      <a:schemeClr val="tx1">
+        <a:lumMod val="65000"/>
+        <a:lumOff val="35000"/>
+      </a:schemeClr>
+    </cs:fontRef>
+    <cs:spPr>
+      <a:noFill/>
+      <a:ln w="9525" cap="flat" cmpd="sng" algn="ctr">
+        <a:solidFill>
+          <a:schemeClr val="tx1">
+            <a:lumMod val="15000"/>
+            <a:lumOff val="85000"/>
+          </a:schemeClr>
+        </a:solidFill>
+        <a:round/>
+      </a:ln>
+    </cs:spPr>
+    <cs:defRPr sz="900" kern="1200"/>
+  </cs:dataTable>
+  <cs:downBar>
+    <cs:lnRef idx="0"/>
+    <cs:fillRef idx="0"/>
+    <cs:effectRef idx="0"/>
+    <cs:fontRef idx="minor">
+      <a:schemeClr val="dk1"/>
+    </cs:fontRef>
+    <cs:spPr>
+      <a:solidFill>
+        <a:schemeClr val="dk1">
+          <a:lumMod val="65000"/>
+          <a:lumOff val="35000"/>
+        </a:schemeClr>
+      </a:solidFill>
+      <a:ln w="9525">
+        <a:solidFill>
+          <a:schemeClr val="tx1">
+            <a:lumMod val="65000"/>
+            <a:lumOff val="35000"/>
+          </a:schemeClr>
+        </a:solidFill>
+      </a:ln>
+    </cs:spPr>
+  </cs:downBar>
+  <cs:dropLine>
+    <cs:lnRef idx="0"/>
+    <cs:fillRef idx="0"/>
+    <cs:effectRef idx="0"/>
+    <cs:fontRef idx="minor">
+      <a:schemeClr val="tx1"/>
+    </cs:fontRef>
+    <cs:spPr>
+      <a:ln w="9525" cap="flat" cmpd="sng" algn="ctr">
+        <a:solidFill>
+          <a:schemeClr val="tx1">
+            <a:lumMod val="35000"/>
+            <a:lumOff val="65000"/>
+          </a:schemeClr>
+        </a:solidFill>
+        <a:round/>
+      </a:ln>
+    </cs:spPr>
+  </cs:dropLine>
+  <cs:errorBar>
+    <cs:lnRef idx="0"/>
+    <cs:fillRef idx="0"/>
+    <cs:effectRef idx="0"/>
+    <cs:fontRef idx="minor">
+      <a:schemeClr val="tx1"/>
+    </cs:fontRef>
+    <cs:spPr>
+      <a:ln w="9525" cap="flat" cmpd="sng" algn="ctr">
+        <a:solidFill>
+          <a:schemeClr val="tx1">
+            <a:lumMod val="65000"/>
+            <a:lumOff val="35000"/>
+          </a:schemeClr>
+        </a:solidFill>
+        <a:round/>
+      </a:ln>
+    </cs:spPr>
+  </cs:errorBar>
+  <cs:floor>
+    <cs:lnRef idx="0"/>
+    <cs:fillRef idx="0"/>
+    <cs:effectRef idx="0"/>
+    <cs:fontRef idx="minor">
+      <a:schemeClr val="tx1"/>
+    </cs:fontRef>
+    <cs:spPr>
+      <a:noFill/>
+      <a:ln>
+        <a:noFill/>
+      </a:ln>
+    </cs:spPr>
+  </cs:floor>
+  <cs:gridlineMajor>
+    <cs:lnRef idx="0"/>
+    <cs:fillRef idx="0"/>
+    <cs:effectRef idx="0"/>
+    <cs:fontRef idx="minor">
+      <a:schemeClr val="tx1"/>
+    </cs:fontRef>
+    <cs:spPr>
+      <a:ln w="9525" cap="flat" cmpd="sng" algn="ctr">
+        <a:solidFill>
+          <a:schemeClr val="tx1">
+            <a:lumMod val="15000"/>
+            <a:lumOff val="85000"/>
+          </a:schemeClr>
+        </a:solidFill>
+        <a:round/>
+      </a:ln>
+    </cs:spPr>
+  </cs:gridlineMajor>
+  <cs:gridlineMinor>
+    <cs:lnRef idx="0"/>
+    <cs:fillRef idx="0"/>
+    <cs:effectRef idx="0"/>
+    <cs:fontRef idx="minor">
+      <a:schemeClr val="tx1"/>
+    </cs:fontRef>
+    <cs:spPr>
+      <a:ln w="9525" cap="flat" cmpd="sng" algn="ctr">
+        <a:solidFill>
+          <a:schemeClr val="tx1">
+            <a:lumMod val="5000"/>
+            <a:lumOff val="95000"/>
+          </a:schemeClr>
+        </a:solidFill>
+        <a:round/>
+      </a:ln>
+    </cs:spPr>
+  </cs:gridlineMinor>
+  <cs:hiLoLine>
+    <cs:lnRef idx="0"/>
+    <cs:fillRef idx="0"/>
+    <cs:effectRef idx="0"/>
+    <cs:fontRef idx="minor">
+      <a:schemeClr val="tx1"/>
+    </cs:fontRef>
+    <cs:spPr>
+      <a:ln w="9525" cap="flat" cmpd="sng" algn="ctr">
+        <a:solidFill>
+          <a:schemeClr val="tx1">
+            <a:lumMod val="75000"/>
+            <a:lumOff val="25000"/>
+          </a:schemeClr>
+        </a:solidFill>
+        <a:round/>
+      </a:ln>
+    </cs:spPr>
+  </cs:hiLoLine>
+  <cs:leaderLine>
+    <cs:lnRef idx="0"/>
+    <cs:fillRef idx="0"/>
+    <cs:effectRef idx="0"/>
+    <cs:fontRef idx="minor">
+      <a:schemeClr val="tx1"/>
+    </cs:fontRef>
+    <cs:spPr>
+      <a:ln w="9525" cap="flat" cmpd="sng" algn="ctr">
+        <a:solidFill>
+          <a:schemeClr val="tx1">
+            <a:lumMod val="35000"/>
+            <a:lumOff val="65000"/>
+          </a:schemeClr>
+        </a:solidFill>
+        <a:round/>
+      </a:ln>
+    </cs:spPr>
+  </cs:leaderLine>
+  <cs:legend>
+    <cs:lnRef idx="0"/>
+    <cs:fillRef idx="0"/>
+    <cs:effectRef idx="0"/>
+    <cs:fontRef idx="minor">
+      <a:schemeClr val="tx1">
+        <a:lumMod val="65000"/>
+        <a:lumOff val="35000"/>
+      </a:schemeClr>
+    </cs:fontRef>
+    <cs:defRPr sz="900" kern="1200"/>
+  </cs:legend>
+  <cs:plotArea mods="allowNoFillOverride allowNoLineOverride">
+    <cs:lnRef idx="0"/>
+    <cs:fillRef idx="0"/>
+    <cs:effectRef idx="0"/>
+    <cs:fontRef idx="minor">
+      <a:schemeClr val="tx1"/>
+    </cs:fontRef>
+  </cs:plotArea>
+  <cs:plotArea3D mods="allowNoFillOverride allowNoLineOverride">
+    <cs:lnRef idx="0"/>
+    <cs:fillRef idx="0"/>
+    <cs:effectRef idx="0"/>
+    <cs:fontRef idx="minor">
+      <a:schemeClr val="tx1"/>
+    </cs:fontRef>
+  </cs:plotArea3D>
+  <cs:seriesAxis>
+    <cs:lnRef idx="0"/>
+    <cs:fillRef idx="0"/>
+    <cs:effectRef idx="0"/>
+    <cs:fontRef idx="minor">
+      <a:schemeClr val="tx1">
+        <a:lumMod val="65000"/>
+        <a:lumOff val="35000"/>
+      </a:schemeClr>
+    </cs:fontRef>
+    <cs:defRPr sz="900" kern="1200"/>
+  </cs:seriesAxis>
+  <cs:seriesLine>
+    <cs:lnRef idx="0"/>
+    <cs:fillRef idx="0"/>
+    <cs:effectRef idx="0"/>
+    <cs:fontRef idx="minor">
+      <a:schemeClr val="tx1"/>
+    </cs:fontRef>
+    <cs:spPr>
+      <a:ln w="9525" cap="flat" cmpd="sng" algn="ctr">
+        <a:solidFill>
+          <a:schemeClr val="tx1">
+            <a:lumMod val="35000"/>
+            <a:lumOff val="65000"/>
+          </a:schemeClr>
+        </a:solidFill>
+        <a:round/>
+      </a:ln>
+    </cs:spPr>
+  </cs:seriesLine>
+  <cs:title>
+    <cs:lnRef idx="0"/>
+    <cs:fillRef idx="0"/>
+    <cs:effectRef idx="0"/>
+    <cs:fontRef idx="minor">
+      <a:schemeClr val="tx1">
+        <a:lumMod val="65000"/>
+        <a:lumOff val="35000"/>
+      </a:schemeClr>
+    </cs:fontRef>
+    <cs:defRPr sz="1400" b="0" kern="1200" spc="0" baseline="0"/>
+  </cs:title>
+  <cs:trendline>
+    <cs:lnRef idx="0">
+      <cs:styleClr val="auto"/>
+    </cs:lnRef>
+    <cs:fillRef idx="0"/>
+    <cs:effectRef idx="0"/>
+    <cs:fontRef idx="minor">
+      <a:schemeClr val="tx1"/>
+    </cs:fontRef>
+    <cs:spPr>
+      <a:ln w="19050" cap="rnd">
+        <a:solidFill>
+          <a:schemeClr val="phClr"/>
+        </a:solidFill>
+        <a:prstDash val="sysDot"/>
+      </a:ln>
+    </cs:spPr>
+  </cs:trendline>
+  <cs:trendlineLabel>
+    <cs:lnRef idx="0"/>
+    <cs:fillRef idx="0"/>
+    <cs:effectRef idx="0"/>
+    <cs:fontRef idx="minor">
+      <a:schemeClr val="tx1">
+        <a:lumMod val="65000"/>
+        <a:lumOff val="35000"/>
+      </a:schemeClr>
+    </cs:fontRef>
+    <cs:defRPr sz="900" kern="1200"/>
+  </cs:trendlineLabel>
+  <cs:upBar>
+    <cs:lnRef idx="0"/>
+    <cs:fillRef idx="0"/>
+    <cs:effectRef idx="0"/>
+    <cs:fontRef idx="minor">
+      <a:schemeClr val="dk1"/>
+    </cs:fontRef>
+    <cs:spPr>
+      <a:solidFill>
+        <a:schemeClr val="lt1"/>
+      </a:solidFill>
+      <a:ln w="9525">
+        <a:solidFill>
+          <a:schemeClr val="tx1">
+            <a:lumMod val="15000"/>
+            <a:lumOff val="85000"/>
+          </a:schemeClr>
+        </a:solidFill>
+      </a:ln>
+    </cs:spPr>
+  </cs:upBar>
+  <cs:valueAxis>
+    <cs:lnRef idx="0"/>
+    <cs:fillRef idx="0"/>
+    <cs:effectRef idx="0"/>
+    <cs:fontRef idx="minor">
+      <a:schemeClr val="tx1">
+        <a:lumMod val="65000"/>
+        <a:lumOff val="35000"/>
+      </a:schemeClr>
+    </cs:fontRef>
+    <cs:defRPr sz="900" kern="1200"/>
+  </cs:valueAxis>
+  <cs:wall>
+    <cs:lnRef idx="0"/>
+    <cs:fillRef idx="0"/>
+    <cs:effectRef idx="0"/>
+    <cs:fontRef idx="minor">
+      <a:schemeClr val="tx1"/>
+    </cs:fontRef>
+    <cs:spPr>
+      <a:noFill/>
+      <a:ln>
+        <a:noFill/>
+      </a:ln>
+    </cs:spPr>
+  </cs:wall>
+</cs:chartStyle>
 </file>
 
 <file path=ppt/diagrams/colors1.xml><?xml version="1.0" encoding="utf-8"?>
@@ -973,13 +6249,8 @@
           <a:pPr algn="l"/>
           <a:r>
             <a:rPr lang="ro-RO" sz="1100" dirty="0"/>
-            <a:t>- Implementare </a:t>
+            <a:t>- Implementare MVP</a:t>
           </a:r>
-          <a:r>
-            <a:rPr lang="ro-RO" sz="1100" dirty="0" smtClean="0"/>
-            <a:t>MVP</a:t>
-          </a:r>
-          <a:endParaRPr lang="ro-RO" sz="1100" dirty="0"/>
         </a:p>
       </dgm:t>
     </dgm:pt>
@@ -1021,19 +6292,15 @@
         <a:p>
           <a:pPr algn="l"/>
           <a:r>
-            <a:rPr lang="en-US" sz="1100" dirty="0" smtClean="0"/>
+            <a:rPr lang="en-US" sz="1100" dirty="0"/>
             <a:t>- Beyond state of the art</a:t>
           </a:r>
         </a:p>
         <a:p>
           <a:pPr algn="l"/>
           <a:r>
-            <a:rPr lang="ro-RO" sz="1100" dirty="0" smtClean="0"/>
-            <a:t>- Raport </a:t>
-          </a:r>
-          <a:r>
             <a:rPr lang="ro-RO" sz="1100" dirty="0"/>
-            <a:t>final</a:t>
+            <a:t>- Raport final</a:t>
           </a:r>
         </a:p>
         <a:p>
@@ -1089,29 +6356,20 @@
           <a:pPr algn="l"/>
           <a:r>
             <a:rPr lang="ro-RO" sz="1100" dirty="0"/>
-            <a:t>- </a:t>
+            <a:t>- Imbunătățiri ai timpilor de execuție</a:t>
           </a:r>
-          <a:r>
-            <a:rPr lang="ro-RO" sz="1100" dirty="0" smtClean="0"/>
-            <a:t>Imbunătățiri ai timpilor de execuție</a:t>
-          </a:r>
-          <a:endParaRPr lang="ro-RO" sz="1100" dirty="0"/>
         </a:p>
         <a:p>
           <a:pPr algn="l"/>
           <a:r>
             <a:rPr lang="ro-RO" sz="1100" dirty="0"/>
-            <a:t>- Validarea rezultatelor </a:t>
-          </a:r>
-          <a:r>
-            <a:rPr lang="ro-RO" sz="1100" dirty="0" smtClean="0"/>
-            <a:t>obținute</a:t>
+            <a:t>- Validarea rezultatelor obținute</a:t>
           </a:r>
         </a:p>
         <a:p>
           <a:pPr algn="l"/>
           <a:r>
-            <a:rPr lang="ro-RO" sz="1100" dirty="0" smtClean="0"/>
+            <a:rPr lang="ro-RO" sz="1100" dirty="0"/>
             <a:t>- Documentatie</a:t>
           </a:r>
           <a:endParaRPr lang="en-US" sz="1100" dirty="0"/>
@@ -1168,13 +6426,6 @@
         </dgm:presLayoutVars>
       </dgm:prSet>
       <dgm:spPr/>
-      <dgm:t>
-        <a:bodyPr/>
-        <a:lstStyle/>
-        <a:p>
-          <a:endParaRPr lang="en-US"/>
-        </a:p>
-      </dgm:t>
     </dgm:pt>
     <dgm:pt modelId="{80BCABE4-00EE-4FC3-848A-2356D404F8EE}" type="pres">
       <dgm:prSet presAssocID="{B093EBB4-CA57-4FC7-87F8-1B4942BD5DB3}" presName="circleA" presStyleLbl="node1" presStyleIdx="0" presStyleCnt="4"/>
@@ -1199,13 +6450,6 @@
         </dgm:presLayoutVars>
       </dgm:prSet>
       <dgm:spPr/>
-      <dgm:t>
-        <a:bodyPr/>
-        <a:lstStyle/>
-        <a:p>
-          <a:endParaRPr lang="en-US"/>
-        </a:p>
-      </dgm:t>
     </dgm:pt>
     <dgm:pt modelId="{CA7A90CA-427C-4833-80B2-AEBA5B559F35}" type="pres">
       <dgm:prSet presAssocID="{D207576D-F1AE-44B3-B41E-2EB34C4B9A4D}" presName="circleB" presStyleLbl="node1" presStyleIdx="1" presStyleCnt="4"/>
@@ -1230,13 +6474,6 @@
         </dgm:presLayoutVars>
       </dgm:prSet>
       <dgm:spPr/>
-      <dgm:t>
-        <a:bodyPr/>
-        <a:lstStyle/>
-        <a:p>
-          <a:endParaRPr lang="en-US"/>
-        </a:p>
-      </dgm:t>
     </dgm:pt>
     <dgm:pt modelId="{18C672A2-44A7-4897-AACB-572B0EA3B11F}" type="pres">
       <dgm:prSet presAssocID="{E5E0756C-C5A7-4B1E-8D75-700A7056605D}" presName="circleA" presStyleLbl="node1" presStyleIdx="2" presStyleCnt="4"/>
@@ -1261,13 +6498,6 @@
         </dgm:presLayoutVars>
       </dgm:prSet>
       <dgm:spPr/>
-      <dgm:t>
-        <a:bodyPr/>
-        <a:lstStyle/>
-        <a:p>
-          <a:endParaRPr lang="en-US"/>
-        </a:p>
-      </dgm:t>
     </dgm:pt>
     <dgm:pt modelId="{9626F961-E3D9-4D0D-AFC6-44C91624FF7B}" type="pres">
       <dgm:prSet presAssocID="{C84B7B7F-950E-4EC4-9205-A1C2934E2BC7}" presName="circleB" presStyleLbl="node1" presStyleIdx="3" presStyleCnt="4"/>
@@ -1279,14 +6509,14 @@
     </dgm:pt>
   </dgm:ptLst>
   <dgm:cxnLst>
-    <dgm:cxn modelId="{DE0E9ADF-5DE0-43CA-B275-46A5B9D91C28}" srcId="{02E4B288-630F-4BED-B8E5-518E334E0987}" destId="{D207576D-F1AE-44B3-B41E-2EB34C4B9A4D}" srcOrd="1" destOrd="0" parTransId="{52AFC437-E2A7-4B7F-A2F4-F1A2652BCA7F}" sibTransId="{EA385F1D-D6B1-4227-BB6E-1D13BC1227DD}"/>
+    <dgm:cxn modelId="{A2C53E02-11EC-4C7B-BA55-D4C519C6627C}" type="presOf" srcId="{B093EBB4-CA57-4FC7-87F8-1B4942BD5DB3}" destId="{AF890D11-33E8-43AC-BA34-484E088B95EF}" srcOrd="0" destOrd="0" presId="urn:microsoft.com/office/officeart/2005/8/layout/hProcess11"/>
     <dgm:cxn modelId="{A3694C5F-135B-41F2-B71F-94286ACF5EAF}" srcId="{02E4B288-630F-4BED-B8E5-518E334E0987}" destId="{C84B7B7F-950E-4EC4-9205-A1C2934E2BC7}" srcOrd="3" destOrd="0" parTransId="{26CEB5C0-9BBD-4447-83FE-96E2DAEBE0AC}" sibTransId="{857F7C61-3153-4642-972D-FBAB543B762C}"/>
     <dgm:cxn modelId="{64068667-281C-4730-A0D3-63F8CBE1A61C}" type="presOf" srcId="{C84B7B7F-950E-4EC4-9205-A1C2934E2BC7}" destId="{959B68E8-4C2E-4FB3-9564-0567A877267F}" srcOrd="0" destOrd="0" presId="urn:microsoft.com/office/officeart/2005/8/layout/hProcess11"/>
+    <dgm:cxn modelId="{E23F1950-6D10-4BB2-86D7-823D1946E8D1}" srcId="{02E4B288-630F-4BED-B8E5-518E334E0987}" destId="{E5E0756C-C5A7-4B1E-8D75-700A7056605D}" srcOrd="2" destOrd="0" parTransId="{EDE22949-C4F0-4EFD-BFDF-E8BEA44913C0}" sibTransId="{36D277AF-874B-4674-A74A-1C19AD810C9D}"/>
+    <dgm:cxn modelId="{55FDA48E-3384-4316-9BB0-9E092CF6EBBA}" type="presOf" srcId="{E5E0756C-C5A7-4B1E-8D75-700A7056605D}" destId="{81A495E0-7E59-411B-8238-01C780AD2D62}" srcOrd="0" destOrd="0" presId="urn:microsoft.com/office/officeart/2005/8/layout/hProcess11"/>
     <dgm:cxn modelId="{03C508CE-0F8C-4EC6-A5D4-7DB731A563F6}" type="presOf" srcId="{D207576D-F1AE-44B3-B41E-2EB34C4B9A4D}" destId="{73B07B9A-B89A-4B87-901D-3820998D087F}" srcOrd="0" destOrd="0" presId="urn:microsoft.com/office/officeart/2005/8/layout/hProcess11"/>
-    <dgm:cxn modelId="{A2C53E02-11EC-4C7B-BA55-D4C519C6627C}" type="presOf" srcId="{B093EBB4-CA57-4FC7-87F8-1B4942BD5DB3}" destId="{AF890D11-33E8-43AC-BA34-484E088B95EF}" srcOrd="0" destOrd="0" presId="urn:microsoft.com/office/officeart/2005/8/layout/hProcess11"/>
+    <dgm:cxn modelId="{DE0E9ADF-5DE0-43CA-B275-46A5B9D91C28}" srcId="{02E4B288-630F-4BED-B8E5-518E334E0987}" destId="{D207576D-F1AE-44B3-B41E-2EB34C4B9A4D}" srcOrd="1" destOrd="0" parTransId="{52AFC437-E2A7-4B7F-A2F4-F1A2652BCA7F}" sibTransId="{EA385F1D-D6B1-4227-BB6E-1D13BC1227DD}"/>
     <dgm:cxn modelId="{95DB4BE0-4F88-49C5-8226-D59F9390523D}" type="presOf" srcId="{02E4B288-630F-4BED-B8E5-518E334E0987}" destId="{295D31C4-C824-4ABD-820F-2371100D26A3}" srcOrd="0" destOrd="0" presId="urn:microsoft.com/office/officeart/2005/8/layout/hProcess11"/>
-    <dgm:cxn modelId="{55FDA48E-3384-4316-9BB0-9E092CF6EBBA}" type="presOf" srcId="{E5E0756C-C5A7-4B1E-8D75-700A7056605D}" destId="{81A495E0-7E59-411B-8238-01C780AD2D62}" srcOrd="0" destOrd="0" presId="urn:microsoft.com/office/officeart/2005/8/layout/hProcess11"/>
-    <dgm:cxn modelId="{E23F1950-6D10-4BB2-86D7-823D1946E8D1}" srcId="{02E4B288-630F-4BED-B8E5-518E334E0987}" destId="{E5E0756C-C5A7-4B1E-8D75-700A7056605D}" srcOrd="2" destOrd="0" parTransId="{EDE22949-C4F0-4EFD-BFDF-E8BEA44913C0}" sibTransId="{36D277AF-874B-4674-A74A-1C19AD810C9D}"/>
     <dgm:cxn modelId="{1F06AAF6-6F87-4C4B-8813-01F7F99BEFF4}" srcId="{02E4B288-630F-4BED-B8E5-518E334E0987}" destId="{B093EBB4-CA57-4FC7-87F8-1B4942BD5DB3}" srcOrd="0" destOrd="0" parTransId="{15CA1CA6-6A8D-47EA-B081-2BB52A6C4D31}" sibTransId="{C4049946-14CA-42FC-9B41-C7F59EE339F4}"/>
     <dgm:cxn modelId="{A6232A5F-6555-495B-A9CB-F53B1F17613B}" type="presParOf" srcId="{295D31C4-C824-4ABD-820F-2371100D26A3}" destId="{C43680D1-882F-4F7D-8AAC-EBC503F990DF}" srcOrd="0" destOrd="0" presId="urn:microsoft.com/office/officeart/2005/8/layout/hProcess11"/>
     <dgm:cxn modelId="{7210B01B-1C47-4DE3-BEC1-1EE4C8A30005}" type="presParOf" srcId="{295D31C4-C824-4ABD-820F-2371100D26A3}" destId="{8E22B78D-23C6-4A0B-8E14-8B5BA83885E3}" srcOrd="1" destOrd="0" presId="urn:microsoft.com/office/officeart/2005/8/layout/hProcess11"/>
@@ -1410,7 +6640,7 @@
         </a:bodyPr>
         <a:lstStyle/>
         <a:p>
-          <a:pPr lvl="0" algn="ctr" defTabSz="1244600">
+          <a:pPr marL="0" lvl="0" indent="0" algn="ctr" defTabSz="1244600">
             <a:lnSpc>
               <a:spcPct val="90000"/>
             </a:lnSpc>
@@ -1420,6 +6650,7 @@
             <a:spcAft>
               <a:spcPct val="35000"/>
             </a:spcAft>
+            <a:buNone/>
           </a:pPr>
           <a:r>
             <a:rPr lang="ro-RO" sz="2800" kern="1200" dirty="0"/>
@@ -1427,7 +6658,7 @@
           </a:r>
         </a:p>
         <a:p>
-          <a:pPr lvl="0" algn="l" defTabSz="1244600">
+          <a:pPr marL="0" lvl="0" indent="0" algn="l" defTabSz="1244600">
             <a:lnSpc>
               <a:spcPct val="90000"/>
             </a:lnSpc>
@@ -1437,6 +6668,7 @@
             <a:spcAft>
               <a:spcPct val="35000"/>
             </a:spcAft>
+            <a:buNone/>
           </a:pPr>
           <a:r>
             <a:rPr lang="ro-RO" sz="1100" kern="1200" dirty="0"/>
@@ -1444,7 +6676,7 @@
           </a:r>
         </a:p>
         <a:p>
-          <a:pPr lvl="0" algn="l" defTabSz="1244600">
+          <a:pPr marL="0" lvl="0" indent="0" algn="l" defTabSz="1244600">
             <a:lnSpc>
               <a:spcPct val="90000"/>
             </a:lnSpc>
@@ -1454,6 +6686,7 @@
             <a:spcAft>
               <a:spcPct val="35000"/>
             </a:spcAft>
+            <a:buNone/>
           </a:pPr>
           <a:r>
             <a:rPr lang="ro-RO" sz="1100" kern="1200" dirty="0"/>
@@ -1461,7 +6694,7 @@
           </a:r>
         </a:p>
         <a:p>
-          <a:pPr lvl="0" algn="l" defTabSz="1244600">
+          <a:pPr marL="0" lvl="0" indent="0" algn="l" defTabSz="1244600">
             <a:lnSpc>
               <a:spcPct val="90000"/>
             </a:lnSpc>
@@ -1471,6 +6704,7 @@
             <a:spcAft>
               <a:spcPct val="35000"/>
             </a:spcAft>
+            <a:buNone/>
           </a:pPr>
           <a:r>
             <a:rPr lang="ro-RO" sz="1100" kern="1200" dirty="0"/>
@@ -1570,7 +6804,7 @@
         </a:bodyPr>
         <a:lstStyle/>
         <a:p>
-          <a:pPr lvl="0" algn="ctr" defTabSz="1244600">
+          <a:pPr marL="0" lvl="0" indent="0" algn="ctr" defTabSz="1244600">
             <a:lnSpc>
               <a:spcPct val="90000"/>
             </a:lnSpc>
@@ -1580,6 +6814,7 @@
             <a:spcAft>
               <a:spcPct val="35000"/>
             </a:spcAft>
+            <a:buNone/>
           </a:pPr>
           <a:r>
             <a:rPr lang="ro-RO" sz="2800" kern="1200" dirty="0"/>
@@ -1587,7 +6822,7 @@
           </a:r>
         </a:p>
         <a:p>
-          <a:pPr lvl="0" algn="l" defTabSz="1244600">
+          <a:pPr marL="0" lvl="0" indent="0" algn="l" defTabSz="1244600">
             <a:lnSpc>
               <a:spcPct val="90000"/>
             </a:lnSpc>
@@ -1597,16 +6832,12 @@
             <a:spcAft>
               <a:spcPct val="35000"/>
             </a:spcAft>
+            <a:buNone/>
           </a:pPr>
           <a:r>
             <a:rPr lang="ro-RO" sz="1100" kern="1200" dirty="0"/>
-            <a:t>- Implementare </a:t>
+            <a:t>- Implementare MVP</a:t>
           </a:r>
-          <a:r>
-            <a:rPr lang="ro-RO" sz="1100" kern="1200" dirty="0" smtClean="0"/>
-            <a:t>MVP</a:t>
-          </a:r>
-          <a:endParaRPr lang="ro-RO" sz="1100" kern="1200" dirty="0"/>
         </a:p>
       </dsp:txBody>
       <dsp:txXfrm>
@@ -1702,7 +6933,7 @@
         </a:bodyPr>
         <a:lstStyle/>
         <a:p>
-          <a:pPr lvl="0" algn="ctr" defTabSz="1244600">
+          <a:pPr marL="0" lvl="0" indent="0" algn="ctr" defTabSz="1244600">
             <a:lnSpc>
               <a:spcPct val="90000"/>
             </a:lnSpc>
@@ -1712,6 +6943,7 @@
             <a:spcAft>
               <a:spcPct val="35000"/>
             </a:spcAft>
+            <a:buNone/>
           </a:pPr>
           <a:r>
             <a:rPr lang="ro-RO" sz="2800" kern="1200" dirty="0"/>
@@ -1719,7 +6951,7 @@
           </a:r>
         </a:p>
         <a:p>
-          <a:pPr lvl="0" algn="l" defTabSz="1244600">
+          <a:pPr marL="0" lvl="0" indent="0" algn="l" defTabSz="1244600">
             <a:lnSpc>
               <a:spcPct val="90000"/>
             </a:lnSpc>
@@ -1729,19 +6961,15 @@
             <a:spcAft>
               <a:spcPct val="35000"/>
             </a:spcAft>
+            <a:buNone/>
           </a:pPr>
           <a:r>
             <a:rPr lang="ro-RO" sz="1100" kern="1200" dirty="0"/>
-            <a:t>- </a:t>
+            <a:t>- Imbunătățiri ai timpilor de execuție</a:t>
           </a:r>
-          <a:r>
-            <a:rPr lang="ro-RO" sz="1100" kern="1200" dirty="0" smtClean="0"/>
-            <a:t>Imbunătățiri ai timpilor de execuție</a:t>
-          </a:r>
-          <a:endParaRPr lang="ro-RO" sz="1100" kern="1200" dirty="0"/>
         </a:p>
         <a:p>
-          <a:pPr lvl="0" algn="l" defTabSz="1244600">
+          <a:pPr marL="0" lvl="0" indent="0" algn="l" defTabSz="1244600">
             <a:lnSpc>
               <a:spcPct val="90000"/>
             </a:lnSpc>
@@ -1751,18 +6979,15 @@
             <a:spcAft>
               <a:spcPct val="35000"/>
             </a:spcAft>
+            <a:buNone/>
           </a:pPr>
           <a:r>
             <a:rPr lang="ro-RO" sz="1100" kern="1200" dirty="0"/>
-            <a:t>- Validarea rezultatelor </a:t>
-          </a:r>
-          <a:r>
-            <a:rPr lang="ro-RO" sz="1100" kern="1200" dirty="0" smtClean="0"/>
-            <a:t>obținute</a:t>
+            <a:t>- Validarea rezultatelor obținute</a:t>
           </a:r>
         </a:p>
         <a:p>
-          <a:pPr lvl="0" algn="l" defTabSz="1244600">
+          <a:pPr marL="0" lvl="0" indent="0" algn="l" defTabSz="1244600">
             <a:lnSpc>
               <a:spcPct val="90000"/>
             </a:lnSpc>
@@ -1772,9 +6997,10 @@
             <a:spcAft>
               <a:spcPct val="35000"/>
             </a:spcAft>
+            <a:buNone/>
           </a:pPr>
           <a:r>
-            <a:rPr lang="ro-RO" sz="1100" kern="1200" dirty="0" smtClean="0"/>
+            <a:rPr lang="ro-RO" sz="1100" kern="1200" dirty="0"/>
             <a:t>- Documentatie</a:t>
           </a:r>
           <a:endParaRPr lang="en-US" sz="1100" kern="1200" dirty="0"/>
@@ -1871,7 +7097,7 @@
         </a:bodyPr>
         <a:lstStyle/>
         <a:p>
-          <a:pPr lvl="0" algn="ctr" defTabSz="1244600">
+          <a:pPr marL="0" lvl="0" indent="0" algn="ctr" defTabSz="1244600">
             <a:lnSpc>
               <a:spcPct val="90000"/>
             </a:lnSpc>
@@ -1881,6 +7107,7 @@
             <a:spcAft>
               <a:spcPct val="35000"/>
             </a:spcAft>
+            <a:buNone/>
           </a:pPr>
           <a:r>
             <a:rPr lang="ro-RO" sz="2800" kern="1200" dirty="0"/>
@@ -1888,7 +7115,7 @@
           </a:r>
         </a:p>
         <a:p>
-          <a:pPr lvl="0" algn="l" defTabSz="1244600">
+          <a:pPr marL="0" lvl="0" indent="0" algn="l" defTabSz="1244600">
             <a:lnSpc>
               <a:spcPct val="90000"/>
             </a:lnSpc>
@@ -1898,14 +7125,15 @@
             <a:spcAft>
               <a:spcPct val="35000"/>
             </a:spcAft>
+            <a:buNone/>
           </a:pPr>
           <a:r>
-            <a:rPr lang="en-US" sz="1100" kern="1200" dirty="0" smtClean="0"/>
+            <a:rPr lang="en-US" sz="1100" kern="1200" dirty="0"/>
             <a:t>- Beyond state of the art</a:t>
           </a:r>
         </a:p>
         <a:p>
-          <a:pPr lvl="0" algn="l" defTabSz="1244600">
+          <a:pPr marL="0" lvl="0" indent="0" algn="l" defTabSz="1244600">
             <a:lnSpc>
               <a:spcPct val="90000"/>
             </a:lnSpc>
@@ -1915,18 +7143,15 @@
             <a:spcAft>
               <a:spcPct val="35000"/>
             </a:spcAft>
+            <a:buNone/>
           </a:pPr>
           <a:r>
-            <a:rPr lang="ro-RO" sz="1100" kern="1200" dirty="0" smtClean="0"/>
-            <a:t>- Raport </a:t>
-          </a:r>
-          <a:r>
             <a:rPr lang="ro-RO" sz="1100" kern="1200" dirty="0"/>
-            <a:t>final</a:t>
+            <a:t>- Raport final</a:t>
           </a:r>
         </a:p>
         <a:p>
-          <a:pPr lvl="0" algn="l" defTabSz="1244600">
+          <a:pPr marL="0" lvl="0" indent="0" algn="l" defTabSz="1244600">
             <a:lnSpc>
               <a:spcPct val="90000"/>
             </a:lnSpc>
@@ -1936,6 +7161,7 @@
             <a:spcAft>
               <a:spcPct val="35000"/>
             </a:spcAft>
+            <a:buNone/>
           </a:pPr>
           <a:r>
             <a:rPr lang="ro-RO" sz="1100" kern="1200" dirty="0"/>
@@ -9156,13 +14382,72 @@
   <p:clrMapOvr>
     <a:masterClrMapping/>
   </p:clrMapOvr>
-  <p:timing>
-    <p:tnLst>
-      <p:par>
-        <p:cTn id="1" dur="indefinite" restart="never" nodeType="tmRoot"/>
-      </p:par>
-    </p:tnLst>
-  </p:timing>
+</p:sld>
+</file>
+
+<file path=ppt/slides/slide10.xml><?xml version="1.0" encoding="utf-8"?>
+<p:sld xmlns:a="http://schemas.openxmlformats.org/drawingml/2006/main" xmlns:r="http://schemas.openxmlformats.org/officeDocument/2006/relationships" xmlns:p="http://schemas.openxmlformats.org/presentationml/2006/main">
+  <p:cSld>
+    <p:spTree>
+      <p:nvGrpSpPr>
+        <p:cNvPr id="1" name=""/>
+        <p:cNvGrpSpPr/>
+        <p:nvPr/>
+      </p:nvGrpSpPr>
+      <p:grpSpPr>
+        <a:xfrm>
+          <a:off x="0" y="0"/>
+          <a:ext cx="0" cy="0"/>
+          <a:chOff x="0" y="0"/>
+          <a:chExt cx="0" cy="0"/>
+        </a:xfrm>
+      </p:grpSpPr>
+      <p:sp>
+        <p:nvSpPr>
+          <p:cNvPr id="2" name="Title 1"/>
+          <p:cNvSpPr>
+            <a:spLocks noGrp="1"/>
+          </p:cNvSpPr>
+          <p:nvPr>
+            <p:ph type="title"/>
+          </p:nvPr>
+        </p:nvSpPr>
+        <p:spPr>
+          <a:xfrm>
+            <a:off x="851902" y="2754283"/>
+            <a:ext cx="8596668" cy="1320800"/>
+          </a:xfrm>
+        </p:spPr>
+        <p:txBody>
+          <a:bodyPr/>
+          <a:lstStyle/>
+          <a:p>
+            <a:pPr algn="ctr"/>
+            <a:r>
+              <a:rPr lang="en-US" dirty="0"/>
+              <a:t>MUL</a:t>
+            </a:r>
+            <a:r>
+              <a:rPr lang="ro-RO" dirty="0"/>
+              <a:t>ȚUMIM PENTRU ATENȚIE</a:t>
+            </a:r>
+            <a:r>
+              <a:rPr lang="en-US" dirty="0"/>
+              <a:t>!</a:t>
+            </a:r>
+          </a:p>
+        </p:txBody>
+      </p:sp>
+    </p:spTree>
+    <p:extLst>
+      <p:ext uri="{BB962C8B-B14F-4D97-AF65-F5344CB8AC3E}">
+        <p14:creationId xmlns:p14="http://schemas.microsoft.com/office/powerpoint/2010/main" val="1829576419"/>
+      </p:ext>
+    </p:extLst>
+  </p:cSld>
+  <p:clrMapOvr>
+    <a:masterClrMapping/>
+  </p:clrMapOvr>
 </p:sld>
 </file>
 
@@ -9222,35 +14507,31 @@
           <a:lstStyle/>
           <a:p>
             <a:r>
-              <a:rPr lang="en-US" dirty="0" smtClean="0"/>
+              <a:rPr lang="en-US" dirty="0"/>
               <a:t>ETAPA PRECEDENT</a:t>
             </a:r>
             <a:r>
-              <a:rPr lang="ro-RO" dirty="0" smtClean="0"/>
+              <a:rPr lang="ro-RO" dirty="0"/>
               <a:t>Ă</a:t>
             </a:r>
-            <a:endParaRPr lang="en-US" dirty="0" smtClean="0"/>
+            <a:endParaRPr lang="en-US" dirty="0"/>
           </a:p>
           <a:p>
-            <a:endParaRPr lang="ro-RO" dirty="0" smtClean="0"/>
+            <a:endParaRPr lang="ro-RO" dirty="0"/>
           </a:p>
           <a:p>
             <a:r>
-              <a:rPr lang="ro-RO" dirty="0" smtClean="0"/>
+              <a:rPr lang="ro-RO" dirty="0"/>
               <a:t>ETAPA CURENTĂ</a:t>
             </a:r>
           </a:p>
           <a:p>
-            <a:endParaRPr lang="en-US" dirty="0" smtClean="0"/>
+            <a:endParaRPr lang="en-US" dirty="0"/>
           </a:p>
           <a:p>
             <a:r>
-              <a:rPr lang="ro-RO" dirty="0" smtClean="0"/>
-              <a:t>ETAPE </a:t>
-            </a:r>
-            <a:r>
               <a:rPr lang="ro-RO" dirty="0"/>
-              <a:t>VIITOARE</a:t>
+              <a:t>ETAPE VIITOARE</a:t>
             </a:r>
           </a:p>
           <a:p>
@@ -9285,13 +14566,6 @@
   <p:clrMapOvr>
     <a:masterClrMapping/>
   </p:clrMapOvr>
-  <p:timing>
-    <p:tnLst>
-      <p:par>
-        <p:cTn id="1" dur="indefinite" restart="never" nodeType="tmRoot"/>
-      </p:par>
-    </p:tnLst>
-  </p:timing>
 </p:sld>
 </file>
 
@@ -9332,7 +14606,7 @@
               <a:t>ETAPA PRECEDENT</a:t>
             </a:r>
             <a:r>
-              <a:rPr lang="ro-RO" dirty="0" smtClean="0"/>
+              <a:rPr lang="ro-RO" dirty="0"/>
               <a:t>Ă</a:t>
             </a:r>
             <a:endParaRPr lang="en-US" dirty="0"/>
@@ -9361,7 +14635,7 @@
           </a:p>
           <a:p>
             <a:r>
-              <a:rPr lang="ro-RO" dirty="0" smtClean="0"/>
+              <a:rPr lang="ro-RO" dirty="0"/>
               <a:t>Am reușit să aplicăm metoda Farneback, </a:t>
             </a:r>
             <a:r>
@@ -9467,25 +14741,25 @@
               <a:t>scen</a:t>
             </a:r>
             <a:r>
-              <a:rPr lang="ro-RO" dirty="0" smtClean="0">
+              <a:rPr lang="ro-RO" dirty="0">
                 <a:latin typeface="BookAntiqua-Bold"/>
               </a:rPr>
               <a:t>ă,</a:t>
             </a:r>
             <a:r>
-              <a:rPr lang="en-US" dirty="0" smtClean="0">
+              <a:rPr lang="en-US" dirty="0">
                 <a:latin typeface="BookAntiqua-Bold"/>
               </a:rPr>
               <a:t> </a:t>
             </a:r>
             <a:r>
-              <a:rPr lang="en-US" dirty="0" err="1" smtClean="0">
+              <a:rPr lang="en-US" dirty="0" err="1">
                 <a:latin typeface="BookAntiqua-Bold"/>
               </a:rPr>
               <a:t>pe</a:t>
             </a:r>
             <a:r>
-              <a:rPr lang="en-US" dirty="0" smtClean="0">
+              <a:rPr lang="en-US" dirty="0">
                 <a:latin typeface="BookAntiqua-Bold"/>
               </a:rPr>
               <a:t> </a:t>
@@ -9545,7 +14819,7 @@
               <a:t> </a:t>
             </a:r>
             <a:r>
-              <a:rPr lang="en-US" dirty="0" err="1" smtClean="0">
+              <a:rPr lang="en-US" dirty="0" err="1">
                 <a:latin typeface="BookAntiqua-Bold"/>
               </a:rPr>
               <a:t>ob</a:t>
@@ -9557,19 +14831,19 @@
               <a:t>ț</a:t>
             </a:r>
             <a:r>
-              <a:rPr lang="en-US" dirty="0" smtClean="0">
+              <a:rPr lang="en-US" dirty="0">
                 <a:latin typeface="BookAntiqua-Bold"/>
               </a:rPr>
               <a:t>in</a:t>
             </a:r>
             <a:r>
-              <a:rPr lang="ro-RO" dirty="0" smtClean="0">
+              <a:rPr lang="ro-RO" dirty="0">
                 <a:latin typeface="BookAntiqua-Bold"/>
               </a:rPr>
               <a:t>ându-se</a:t>
             </a:r>
             <a:r>
-              <a:rPr lang="en-US" dirty="0" smtClean="0">
+              <a:rPr lang="en-US" dirty="0">
                 <a:latin typeface="BookAntiqua-Bold"/>
               </a:rPr>
               <a:t> </a:t>
@@ -9605,46 +14879,40 @@
               <a:t> </a:t>
             </a:r>
             <a:r>
-              <a:rPr lang="en-US" dirty="0" err="1" smtClean="0">
+              <a:rPr lang="en-US" dirty="0" err="1">
                 <a:latin typeface="BookAntiqua-Bold"/>
               </a:rPr>
               <a:t>ce</a:t>
             </a:r>
             <a:r>
-              <a:rPr lang="ro-RO" dirty="0" smtClean="0">
+              <a:rPr lang="ro-RO" dirty="0">
                 <a:latin typeface="BookAntiqua-Bold"/>
               </a:rPr>
               <a:t> au</a:t>
             </a:r>
             <a:r>
-              <a:rPr lang="en-US" dirty="0" smtClean="0">
+              <a:rPr lang="en-US" dirty="0">
                 <a:latin typeface="BookAntiqua-Bold"/>
               </a:rPr>
               <a:t> </a:t>
             </a:r>
             <a:r>
-              <a:rPr lang="en-US" dirty="0" err="1" smtClean="0">
+              <a:rPr lang="en-US" dirty="0" err="1">
                 <a:latin typeface="BookAntiqua-Bold"/>
               </a:rPr>
               <a:t>ajut</a:t>
             </a:r>
             <a:r>
-              <a:rPr lang="ro-RO" dirty="0" smtClean="0">
+              <a:rPr lang="ro-RO" dirty="0">
                 <a:latin typeface="BookAntiqua-Bold"/>
               </a:rPr>
               <a:t>at</a:t>
             </a:r>
             <a:r>
-              <a:rPr lang="en-US" dirty="0" smtClean="0">
-                <a:latin typeface="BookAntiqua-Bold"/>
-              </a:rPr>
-              <a:t> </a:t>
-            </a:r>
-            <a:r>
               <a:rPr lang="en-US" dirty="0">
                 <a:latin typeface="BookAntiqua-Bold"/>
               </a:rPr>
-              <a:t>la </a:t>
+              <a:t> la </a:t>
             </a:r>
             <a:r>
               <a:rPr lang="en-US" dirty="0" err="1">
@@ -9710,22 +14978,16 @@
               <a:rPr lang="en-US" dirty="0">
                 <a:latin typeface="BookAntiqua-Bold"/>
               </a:rPr>
-              <a:t> </a:t>
-            </a:r>
-            <a:r>
-              <a:rPr lang="en-US" dirty="0" smtClean="0">
-                <a:latin typeface="BookAntiqua-Bold"/>
-              </a:rPr>
-              <a:t>high-</a:t>
-            </a:r>
-            <a:r>
-              <a:rPr lang="en-US" dirty="0" err="1" smtClean="0">
+              <a:t> high-</a:t>
+            </a:r>
+            <a:r>
+              <a:rPr lang="en-US" dirty="0" err="1">
                 <a:latin typeface="BookAntiqua-Bold"/>
               </a:rPr>
               <a:t>rez</a:t>
             </a:r>
             <a:r>
-              <a:rPr lang="ro-RO" dirty="0" smtClean="0">
+              <a:rPr lang="ro-RO" dirty="0">
                 <a:latin typeface="BookAntiqua-Bold"/>
               </a:rPr>
               <a:t>.</a:t>
@@ -9738,13 +15000,13 @@
           </a:p>
           <a:p>
             <a:r>
-              <a:rPr lang="ro-RO" dirty="0" smtClean="0">
+              <a:rPr lang="ro-RO" dirty="0">
                 <a:latin typeface="BookAntiqua-Bold"/>
               </a:rPr>
               <a:t>Documentare despre alte metode similare folosite momentan ca și </a:t>
             </a:r>
             <a:r>
-              <a:rPr lang="en-US" dirty="0" smtClean="0">
+              <a:rPr lang="en-US" dirty="0">
                 <a:latin typeface="BookAntiqua-Bold"/>
               </a:rPr>
               <a:t>“state of the art”</a:t>
@@ -9757,25 +15019,25 @@
           </a:p>
           <a:p>
             <a:r>
-              <a:rPr lang="en-US" dirty="0" err="1" smtClean="0">
+              <a:rPr lang="en-US" dirty="0" err="1">
                 <a:latin typeface="BookAntiqua-Bold"/>
               </a:rPr>
               <a:t>Observarea</a:t>
             </a:r>
             <a:r>
-              <a:rPr lang="en-US" dirty="0" smtClean="0">
+              <a:rPr lang="en-US" dirty="0">
                 <a:latin typeface="BookAntiqua-Bold"/>
               </a:rPr>
               <a:t> </a:t>
             </a:r>
             <a:r>
-              <a:rPr lang="en-US" dirty="0" err="1" smtClean="0">
+              <a:rPr lang="en-US" dirty="0" err="1">
                 <a:latin typeface="BookAntiqua-Bold"/>
               </a:rPr>
               <a:t>necesit</a:t>
             </a:r>
             <a:r>
-              <a:rPr lang="ro-RO" dirty="0" smtClean="0">
+              <a:rPr lang="ro-RO" dirty="0">
                 <a:latin typeface="BookAntiqua-Bold"/>
               </a:rPr>
               <a:t>ății unei imbunătățiri a timpului de rulare</a:t>
@@ -9794,13 +15056,6 @@
   <p:clrMapOvr>
     <a:masterClrMapping/>
   </p:clrMapOvr>
-  <p:timing>
-    <p:tnLst>
-      <p:par>
-        <p:cTn id="1" dur="indefinite" restart="never" nodeType="tmRoot"/>
-      </p:par>
-    </p:tnLst>
-  </p:timing>
 </p:sld>
 </file>
 
@@ -9838,11 +15093,7 @@
           <a:p>
             <a:r>
               <a:rPr lang="ro-RO" dirty="0"/>
-              <a:t>ETAPA </a:t>
-            </a:r>
-            <a:r>
-              <a:rPr lang="ro-RO" dirty="0" smtClean="0"/>
-              <a:t>CURENTĂ</a:t>
+              <a:t>ETAPA CURENTĂ</a:t>
             </a:r>
             <a:endParaRPr lang="en-US" dirty="0"/>
           </a:p>
@@ -9863,39 +15114,39 @@
           <a:bodyPr/>
           <a:lstStyle/>
           <a:p>
-            <a:endParaRPr lang="en-US" dirty="0" smtClean="0"/>
+            <a:endParaRPr lang="en-US" dirty="0"/>
           </a:p>
           <a:p>
             <a:endParaRPr lang="en-US" dirty="0"/>
           </a:p>
           <a:p>
             <a:r>
-              <a:rPr lang="ro-RO" dirty="0" smtClean="0"/>
+              <a:rPr lang="ro-RO" dirty="0"/>
               <a:t>Rularea unor metode alternative și compararea rezultatelor</a:t>
             </a:r>
             <a:r>
-              <a:rPr lang="en-US" dirty="0" smtClean="0"/>
+              <a:rPr lang="en-US" dirty="0"/>
               <a:t>:</a:t>
             </a:r>
           </a:p>
           <a:p>
             <a:pPr lvl="1"/>
             <a:r>
-              <a:rPr lang="en-US" dirty="0" smtClean="0"/>
+              <a:rPr lang="en-US" dirty="0"/>
               <a:t>TVL1</a:t>
             </a:r>
           </a:p>
           <a:p>
             <a:pPr lvl="1"/>
             <a:r>
-              <a:rPr lang="en-US" dirty="0" smtClean="0"/>
+              <a:rPr lang="en-US" dirty="0"/>
               <a:t>BROX</a:t>
             </a:r>
           </a:p>
           <a:p>
             <a:pPr lvl="1"/>
             <a:r>
-              <a:rPr lang="en-US" dirty="0" smtClean="0"/>
+              <a:rPr lang="en-US" dirty="0"/>
               <a:t>PRYLK</a:t>
             </a:r>
           </a:p>
@@ -9905,7 +15156,7 @@
           </a:p>
           <a:p>
             <a:r>
-              <a:rPr lang="en-US" dirty="0" err="1" smtClean="0"/>
+              <a:rPr lang="en-US" dirty="0" err="1"/>
               <a:t>Utilizarea</a:t>
             </a:r>
             <a:r>
@@ -9913,42 +15164,42 @@
               <a:t> </a:t>
             </a:r>
             <a:r>
-              <a:rPr lang="en-US" dirty="0" err="1" smtClean="0"/>
+              <a:rPr lang="en-US" dirty="0" err="1"/>
               <a:t>procesorului</a:t>
             </a:r>
             <a:r>
-              <a:rPr lang="en-US" dirty="0" smtClean="0"/>
+              <a:rPr lang="en-US" dirty="0"/>
               <a:t> </a:t>
             </a:r>
             <a:r>
-              <a:rPr lang="en-US" dirty="0" err="1" smtClean="0"/>
+              <a:rPr lang="en-US" dirty="0" err="1"/>
               <a:t>grafic</a:t>
             </a:r>
             <a:r>
-              <a:rPr lang="en-US" dirty="0" smtClean="0"/>
+              <a:rPr lang="en-US" dirty="0"/>
               <a:t> </a:t>
             </a:r>
             <a:r>
-              <a:rPr lang="en-US" dirty="0" err="1" smtClean="0"/>
+              <a:rPr lang="en-US" dirty="0" err="1"/>
               <a:t>pentru</a:t>
             </a:r>
             <a:r>
-              <a:rPr lang="en-US" dirty="0" smtClean="0"/>
+              <a:rPr lang="en-US" dirty="0"/>
               <a:t> </a:t>
             </a:r>
             <a:r>
-              <a:rPr lang="en-US" dirty="0" err="1" smtClean="0"/>
+              <a:rPr lang="en-US" dirty="0" err="1"/>
               <a:t>rularea</a:t>
             </a:r>
             <a:r>
-              <a:rPr lang="en-US" dirty="0" smtClean="0"/>
+              <a:rPr lang="en-US" dirty="0"/>
               <a:t> </a:t>
             </a:r>
             <a:r>
-              <a:rPr lang="en-US" dirty="0" err="1" smtClean="0"/>
+              <a:rPr lang="en-US" dirty="0" err="1"/>
               <a:t>metodelor</a:t>
             </a:r>
-            <a:endParaRPr lang="en-US" dirty="0" smtClean="0"/>
+            <a:endParaRPr lang="en-US" dirty="0"/>
           </a:p>
         </p:txBody>
       </p:sp>
@@ -9962,13 +15213,6 @@
   <p:clrMapOvr>
     <a:masterClrMapping/>
   </p:clrMapOvr>
-  <p:timing>
-    <p:tnLst>
-      <p:par>
-        <p:cTn id="1" dur="indefinite" restart="never" nodeType="tmRoot"/>
-      </p:par>
-    </p:tnLst>
-  </p:timing>
 </p:sld>
 </file>
 
@@ -10006,11 +15250,7 @@
           <a:p>
             <a:r>
               <a:rPr lang="ro-RO" dirty="0"/>
-              <a:t>ETAPA </a:t>
-            </a:r>
-            <a:r>
-              <a:rPr lang="ro-RO" dirty="0" smtClean="0"/>
-              <a:t>CURENTĂ</a:t>
+              <a:t>ETAPA CURENTĂ</a:t>
             </a:r>
             <a:endParaRPr lang="en-US" dirty="0"/>
           </a:p>
@@ -10221,6 +15461,764 @@
       </p:grpSpPr>
       <p:sp>
         <p:nvSpPr>
+          <p:cNvPr id="2" name="Title 1">
+            <a:extLst>
+              <a:ext uri="{FF2B5EF4-FFF2-40B4-BE49-F238E27FC236}">
+                <a16:creationId xmlns:a16="http://schemas.microsoft.com/office/drawing/2014/main" id="{3DED7B6C-3F1F-4980-9C4E-7A50BBBA1A2A}"/>
+              </a:ext>
+            </a:extLst>
+          </p:cNvPr>
+          <p:cNvSpPr>
+            <a:spLocks noGrp="1"/>
+          </p:cNvSpPr>
+          <p:nvPr>
+            <p:ph type="title"/>
+          </p:nvPr>
+        </p:nvSpPr>
+        <p:spPr/>
+        <p:txBody>
+          <a:bodyPr/>
+          <a:lstStyle/>
+          <a:p>
+            <a:r>
+              <a:rPr lang="en-US" dirty="0"/>
+              <a:t>Etapa </a:t>
+            </a:r>
+            <a:r>
+              <a:rPr lang="en-US" dirty="0" err="1"/>
+              <a:t>Curenta</a:t>
+            </a:r>
+            <a:endParaRPr lang="ro-RO" dirty="0"/>
+          </a:p>
+        </p:txBody>
+      </p:sp>
+      <p:graphicFrame>
+        <p:nvGraphicFramePr>
+          <p:cNvPr id="5" name="Content Placeholder 4">
+            <a:extLst>
+              <a:ext uri="{FF2B5EF4-FFF2-40B4-BE49-F238E27FC236}">
+                <a16:creationId xmlns:a16="http://schemas.microsoft.com/office/drawing/2014/main" id="{E1216E18-D5A6-43D5-B30B-385BAE2E4FAA}"/>
+              </a:ext>
+            </a:extLst>
+          </p:cNvPr>
+          <p:cNvGraphicFramePr>
+            <a:graphicFrameLocks noGrp="1"/>
+          </p:cNvGraphicFramePr>
+          <p:nvPr>
+            <p:ph idx="1"/>
+            <p:extLst>
+              <p:ext uri="{D42A27DB-BD31-4B8C-83A1-F6EECF244321}">
+                <p14:modId xmlns:p14="http://schemas.microsoft.com/office/powerpoint/2010/main" val="3290649707"/>
+              </p:ext>
+            </p:extLst>
+          </p:nvPr>
+        </p:nvGraphicFramePr>
+        <p:xfrm>
+          <a:off x="468138" y="1488281"/>
+          <a:ext cx="8596312" cy="3881437"/>
+        </p:xfrm>
+        <a:graphic>
+          <a:graphicData uri="http://schemas.openxmlformats.org/drawingml/2006/chart">
+            <c:chart xmlns:c="http://schemas.openxmlformats.org/drawingml/2006/chart" xmlns:r="http://schemas.openxmlformats.org/officeDocument/2006/relationships" r:id="rId2"/>
+          </a:graphicData>
+        </a:graphic>
+      </p:graphicFrame>
+      <p:graphicFrame>
+        <p:nvGraphicFramePr>
+          <p:cNvPr id="8" name="Table 7">
+            <a:extLst>
+              <a:ext uri="{FF2B5EF4-FFF2-40B4-BE49-F238E27FC236}">
+                <a16:creationId xmlns:a16="http://schemas.microsoft.com/office/drawing/2014/main" id="{A09C8434-32E1-4664-B455-9AE6ECEF6497}"/>
+              </a:ext>
+            </a:extLst>
+          </p:cNvPr>
+          <p:cNvGraphicFramePr>
+            <a:graphicFrameLocks noGrp="1"/>
+          </p:cNvGraphicFramePr>
+          <p:nvPr>
+            <p:extLst>
+              <p:ext uri="{D42A27DB-BD31-4B8C-83A1-F6EECF244321}">
+                <p14:modId xmlns:p14="http://schemas.microsoft.com/office/powerpoint/2010/main" val="561383331"/>
+              </p:ext>
+            </p:extLst>
+          </p:nvPr>
+        </p:nvGraphicFramePr>
+        <p:xfrm>
+          <a:off x="1719742" y="5403550"/>
+          <a:ext cx="2600586" cy="844849"/>
+        </p:xfrm>
+        <a:graphic>
+          <a:graphicData uri="http://schemas.openxmlformats.org/drawingml/2006/table">
+            <a:tbl>
+              <a:tblPr>
+                <a:tableStyleId>{5C22544A-7EE6-4342-B048-85BDC9FD1C3A}</a:tableStyleId>
+              </a:tblPr>
+              <a:tblGrid>
+                <a:gridCol w="866862">
+                  <a:extLst>
+                    <a:ext uri="{9D8B030D-6E8A-4147-A177-3AD203B41FA5}">
+                      <a16:colId xmlns:a16="http://schemas.microsoft.com/office/drawing/2014/main" val="2870880201"/>
+                    </a:ext>
+                  </a:extLst>
+                </a:gridCol>
+                <a:gridCol w="866862">
+                  <a:extLst>
+                    <a:ext uri="{9D8B030D-6E8A-4147-A177-3AD203B41FA5}">
+                      <a16:colId xmlns:a16="http://schemas.microsoft.com/office/drawing/2014/main" val="543533041"/>
+                    </a:ext>
+                  </a:extLst>
+                </a:gridCol>
+                <a:gridCol w="866862">
+                  <a:extLst>
+                    <a:ext uri="{9D8B030D-6E8A-4147-A177-3AD203B41FA5}">
+                      <a16:colId xmlns:a16="http://schemas.microsoft.com/office/drawing/2014/main" val="2153857847"/>
+                    </a:ext>
+                  </a:extLst>
+                </a:gridCol>
+              </a:tblGrid>
+              <a:tr h="291849">
+                <a:tc>
+                  <a:txBody>
+                    <a:bodyPr/>
+                    <a:lstStyle/>
+                    <a:p>
+                      <a:pPr algn="l" fontAlgn="b"/>
+                      <a:endParaRPr lang="ro-RO" sz="1100" b="0" i="0" u="none" strike="noStrike" dirty="0">
+                        <a:solidFill>
+                          <a:srgbClr val="000000"/>
+                        </a:solidFill>
+                        <a:effectLst/>
+                        <a:latin typeface="Calibri" panose="020F0502020204030204" pitchFamily="34" charset="0"/>
+                      </a:endParaRPr>
+                    </a:p>
+                  </a:txBody>
+                  <a:tcPr marL="9525" marR="9525" marT="9525" marB="0" anchor="b"/>
+                </a:tc>
+                <a:tc>
+                  <a:txBody>
+                    <a:bodyPr/>
+                    <a:lstStyle/>
+                    <a:p>
+                      <a:pPr algn="l" fontAlgn="b"/>
+                      <a:r>
+                        <a:rPr lang="ro-RO" sz="1100" u="none" strike="noStrike">
+                          <a:effectLst/>
+                        </a:rPr>
+                        <a:t>Brox CPU</a:t>
+                      </a:r>
+                      <a:endParaRPr lang="ro-RO" sz="1100" b="0" i="0" u="none" strike="noStrike">
+                        <a:solidFill>
+                          <a:srgbClr val="000000"/>
+                        </a:solidFill>
+                        <a:effectLst/>
+                        <a:latin typeface="Calibri" panose="020F0502020204030204" pitchFamily="34" charset="0"/>
+                      </a:endParaRPr>
+                    </a:p>
+                  </a:txBody>
+                  <a:tcPr marL="9525" marR="9525" marT="9525" marB="0" anchor="b"/>
+                </a:tc>
+                <a:tc>
+                  <a:txBody>
+                    <a:bodyPr/>
+                    <a:lstStyle/>
+                    <a:p>
+                      <a:pPr algn="l" fontAlgn="b"/>
+                      <a:r>
+                        <a:rPr lang="ro-RO" sz="1100" u="none" strike="noStrike">
+                          <a:effectLst/>
+                        </a:rPr>
+                        <a:t>Brox GPU</a:t>
+                      </a:r>
+                      <a:endParaRPr lang="ro-RO" sz="1100" b="0" i="0" u="none" strike="noStrike">
+                        <a:solidFill>
+                          <a:srgbClr val="000000"/>
+                        </a:solidFill>
+                        <a:effectLst/>
+                        <a:latin typeface="Calibri" panose="020F0502020204030204" pitchFamily="34" charset="0"/>
+                      </a:endParaRPr>
+                    </a:p>
+                  </a:txBody>
+                  <a:tcPr marL="9525" marR="9525" marT="9525" marB="0" anchor="b"/>
+                </a:tc>
+                <a:extLst>
+                  <a:ext uri="{0D108BD9-81ED-4DB2-BD59-A6C34878D82A}">
+                    <a16:rowId xmlns:a16="http://schemas.microsoft.com/office/drawing/2014/main" val="818038344"/>
+                  </a:ext>
+                </a:extLst>
+              </a:tr>
+              <a:tr h="276500">
+                <a:tc>
+                  <a:txBody>
+                    <a:bodyPr/>
+                    <a:lstStyle/>
+                    <a:p>
+                      <a:pPr algn="l" fontAlgn="b"/>
+                      <a:r>
+                        <a:rPr lang="ro-RO" sz="1100" u="none" strike="noStrike">
+                          <a:effectLst/>
+                        </a:rPr>
+                        <a:t>AVG Time</a:t>
+                      </a:r>
+                      <a:endParaRPr lang="ro-RO" sz="1100" b="0" i="0" u="none" strike="noStrike">
+                        <a:solidFill>
+                          <a:srgbClr val="000000"/>
+                        </a:solidFill>
+                        <a:effectLst/>
+                        <a:latin typeface="Calibri" panose="020F0502020204030204" pitchFamily="34" charset="0"/>
+                      </a:endParaRPr>
+                    </a:p>
+                  </a:txBody>
+                  <a:tcPr marL="9525" marR="9525" marT="9525" marB="0" anchor="b"/>
+                </a:tc>
+                <a:tc>
+                  <a:txBody>
+                    <a:bodyPr/>
+                    <a:lstStyle/>
+                    <a:p>
+                      <a:pPr algn="r" fontAlgn="b"/>
+                      <a:r>
+                        <a:rPr lang="ro-RO" sz="1100" u="none" strike="noStrike" dirty="0">
+                          <a:effectLst/>
+                        </a:rPr>
+                        <a:t>27.10099</a:t>
+                      </a:r>
+                      <a:endParaRPr lang="ro-RO" sz="1100" b="0" i="0" u="none" strike="noStrike" dirty="0">
+                        <a:solidFill>
+                          <a:srgbClr val="000000"/>
+                        </a:solidFill>
+                        <a:effectLst/>
+                        <a:latin typeface="Calibri" panose="020F0502020204030204" pitchFamily="34" charset="0"/>
+                      </a:endParaRPr>
+                    </a:p>
+                  </a:txBody>
+                  <a:tcPr marL="9525" marR="9525" marT="9525" marB="0" anchor="b"/>
+                </a:tc>
+                <a:tc>
+                  <a:txBody>
+                    <a:bodyPr/>
+                    <a:lstStyle/>
+                    <a:p>
+                      <a:pPr algn="r" fontAlgn="b"/>
+                      <a:r>
+                        <a:rPr lang="ro-RO" sz="1100" u="none" strike="noStrike">
+                          <a:effectLst/>
+                        </a:rPr>
+                        <a:t>0.721761</a:t>
+                      </a:r>
+                      <a:endParaRPr lang="ro-RO" sz="1100" b="0" i="0" u="none" strike="noStrike">
+                        <a:solidFill>
+                          <a:srgbClr val="000000"/>
+                        </a:solidFill>
+                        <a:effectLst/>
+                        <a:latin typeface="Calibri" panose="020F0502020204030204" pitchFamily="34" charset="0"/>
+                      </a:endParaRPr>
+                    </a:p>
+                  </a:txBody>
+                  <a:tcPr marL="9525" marR="9525" marT="9525" marB="0" anchor="b"/>
+                </a:tc>
+                <a:extLst>
+                  <a:ext uri="{0D108BD9-81ED-4DB2-BD59-A6C34878D82A}">
+                    <a16:rowId xmlns:a16="http://schemas.microsoft.com/office/drawing/2014/main" val="2721863141"/>
+                  </a:ext>
+                </a:extLst>
+              </a:tr>
+              <a:tr h="276500">
+                <a:tc>
+                  <a:txBody>
+                    <a:bodyPr/>
+                    <a:lstStyle/>
+                    <a:p>
+                      <a:pPr algn="l" fontAlgn="b"/>
+                      <a:r>
+                        <a:rPr lang="ro-RO" sz="1100" u="none" strike="noStrike" dirty="0">
+                          <a:effectLst/>
+                        </a:rPr>
+                        <a:t>Total Time</a:t>
+                      </a:r>
+                      <a:endParaRPr lang="ro-RO" sz="1100" b="0" i="0" u="none" strike="noStrike" dirty="0">
+                        <a:solidFill>
+                          <a:srgbClr val="000000"/>
+                        </a:solidFill>
+                        <a:effectLst/>
+                        <a:latin typeface="Calibri" panose="020F0502020204030204" pitchFamily="34" charset="0"/>
+                      </a:endParaRPr>
+                    </a:p>
+                  </a:txBody>
+                  <a:tcPr marL="9525" marR="9525" marT="9525" marB="0" anchor="b"/>
+                </a:tc>
+                <a:tc>
+                  <a:txBody>
+                    <a:bodyPr/>
+                    <a:lstStyle/>
+                    <a:p>
+                      <a:pPr algn="r" fontAlgn="b"/>
+                      <a:r>
+                        <a:rPr lang="ro-RO" sz="1100" u="none" strike="noStrike" dirty="0">
+                          <a:effectLst/>
+                        </a:rPr>
+                        <a:t>7263.066</a:t>
+                      </a:r>
+                      <a:endParaRPr lang="ro-RO" sz="1100" b="0" i="0" u="none" strike="noStrike" dirty="0">
+                        <a:solidFill>
+                          <a:srgbClr val="000000"/>
+                        </a:solidFill>
+                        <a:effectLst/>
+                        <a:latin typeface="Calibri" panose="020F0502020204030204" pitchFamily="34" charset="0"/>
+                      </a:endParaRPr>
+                    </a:p>
+                  </a:txBody>
+                  <a:tcPr marL="9525" marR="9525" marT="9525" marB="0" anchor="b"/>
+                </a:tc>
+                <a:tc>
+                  <a:txBody>
+                    <a:bodyPr/>
+                    <a:lstStyle/>
+                    <a:p>
+                      <a:pPr algn="r" fontAlgn="b"/>
+                      <a:r>
+                        <a:rPr lang="ro-RO" sz="1100" u="none" strike="noStrike" dirty="0">
+                          <a:effectLst/>
+                        </a:rPr>
+                        <a:t>193.432</a:t>
+                      </a:r>
+                      <a:endParaRPr lang="ro-RO" sz="1100" b="0" i="0" u="none" strike="noStrike" dirty="0">
+                        <a:solidFill>
+                          <a:srgbClr val="000000"/>
+                        </a:solidFill>
+                        <a:effectLst/>
+                        <a:latin typeface="Calibri" panose="020F0502020204030204" pitchFamily="34" charset="0"/>
+                      </a:endParaRPr>
+                    </a:p>
+                  </a:txBody>
+                  <a:tcPr marL="9525" marR="9525" marT="9525" marB="0" anchor="b"/>
+                </a:tc>
+                <a:extLst>
+                  <a:ext uri="{0D108BD9-81ED-4DB2-BD59-A6C34878D82A}">
+                    <a16:rowId xmlns:a16="http://schemas.microsoft.com/office/drawing/2014/main" val="2666622976"/>
+                  </a:ext>
+                </a:extLst>
+              </a:tr>
+            </a:tbl>
+          </a:graphicData>
+        </a:graphic>
+      </p:graphicFrame>
+    </p:spTree>
+    <p:extLst>
+      <p:ext uri="{BB962C8B-B14F-4D97-AF65-F5344CB8AC3E}">
+        <p14:creationId xmlns:p14="http://schemas.microsoft.com/office/powerpoint/2010/main" val="2632937658"/>
+      </p:ext>
+    </p:extLst>
+  </p:cSld>
+  <p:clrMapOvr>
+    <a:masterClrMapping/>
+  </p:clrMapOvr>
+</p:sld>
+</file>
+
+<file path=ppt/slides/slide7.xml><?xml version="1.0" encoding="utf-8"?>
+<p:sld xmlns:a="http://schemas.openxmlformats.org/drawingml/2006/main" xmlns:r="http://schemas.openxmlformats.org/officeDocument/2006/relationships" xmlns:p="http://schemas.openxmlformats.org/presentationml/2006/main">
+  <p:cSld>
+    <p:spTree>
+      <p:nvGrpSpPr>
+        <p:cNvPr id="1" name=""/>
+        <p:cNvGrpSpPr/>
+        <p:nvPr/>
+      </p:nvGrpSpPr>
+      <p:grpSpPr>
+        <a:xfrm>
+          <a:off x="0" y="0"/>
+          <a:ext cx="0" cy="0"/>
+          <a:chOff x="0" y="0"/>
+          <a:chExt cx="0" cy="0"/>
+        </a:xfrm>
+      </p:grpSpPr>
+      <p:sp>
+        <p:nvSpPr>
+          <p:cNvPr id="2" name="Title 1">
+            <a:extLst>
+              <a:ext uri="{FF2B5EF4-FFF2-40B4-BE49-F238E27FC236}">
+                <a16:creationId xmlns:a16="http://schemas.microsoft.com/office/drawing/2014/main" id="{23E7EB12-FFB9-43E4-A481-6EA8B17164E1}"/>
+              </a:ext>
+            </a:extLst>
+          </p:cNvPr>
+          <p:cNvSpPr>
+            <a:spLocks noGrp="1"/>
+          </p:cNvSpPr>
+          <p:nvPr>
+            <p:ph type="title"/>
+          </p:nvPr>
+        </p:nvSpPr>
+        <p:spPr/>
+        <p:txBody>
+          <a:bodyPr/>
+          <a:lstStyle/>
+          <a:p>
+            <a:r>
+              <a:rPr lang="en-US" dirty="0"/>
+              <a:t>Etapa </a:t>
+            </a:r>
+            <a:r>
+              <a:rPr lang="en-US" dirty="0" err="1"/>
+              <a:t>Curenta</a:t>
+            </a:r>
+            <a:endParaRPr lang="ro-RO" dirty="0"/>
+          </a:p>
+        </p:txBody>
+      </p:sp>
+      <p:graphicFrame>
+        <p:nvGraphicFramePr>
+          <p:cNvPr id="10" name="Content Placeholder 9">
+            <a:extLst>
+              <a:ext uri="{FF2B5EF4-FFF2-40B4-BE49-F238E27FC236}">
+                <a16:creationId xmlns:a16="http://schemas.microsoft.com/office/drawing/2014/main" id="{3B188107-427D-4D52-8FE4-BD5D0CB7B28E}"/>
+              </a:ext>
+            </a:extLst>
+          </p:cNvPr>
+          <p:cNvGraphicFramePr>
+            <a:graphicFrameLocks noGrp="1"/>
+          </p:cNvGraphicFramePr>
+          <p:nvPr>
+            <p:ph idx="1"/>
+            <p:extLst>
+              <p:ext uri="{D42A27DB-BD31-4B8C-83A1-F6EECF244321}">
+                <p14:modId xmlns:p14="http://schemas.microsoft.com/office/powerpoint/2010/main" val="3692742676"/>
+              </p:ext>
+            </p:extLst>
+          </p:nvPr>
+        </p:nvGraphicFramePr>
+        <p:xfrm>
+          <a:off x="342304" y="1707583"/>
+          <a:ext cx="8596312" cy="3881437"/>
+        </p:xfrm>
+        <a:graphic>
+          <a:graphicData uri="http://schemas.openxmlformats.org/drawingml/2006/chart">
+            <c:chart xmlns:c="http://schemas.openxmlformats.org/drawingml/2006/chart" xmlns:r="http://schemas.openxmlformats.org/officeDocument/2006/relationships" r:id="rId2"/>
+          </a:graphicData>
+        </a:graphic>
+      </p:graphicFrame>
+      <p:graphicFrame>
+        <p:nvGraphicFramePr>
+          <p:cNvPr id="11" name="Table 10">
+            <a:extLst>
+              <a:ext uri="{FF2B5EF4-FFF2-40B4-BE49-F238E27FC236}">
+                <a16:creationId xmlns:a16="http://schemas.microsoft.com/office/drawing/2014/main" id="{CEF353D0-3CE9-406A-9A08-6D2964A27043}"/>
+              </a:ext>
+            </a:extLst>
+          </p:cNvPr>
+          <p:cNvGraphicFramePr>
+            <a:graphicFrameLocks noGrp="1"/>
+          </p:cNvGraphicFramePr>
+          <p:nvPr>
+            <p:extLst>
+              <p:ext uri="{D42A27DB-BD31-4B8C-83A1-F6EECF244321}">
+                <p14:modId xmlns:p14="http://schemas.microsoft.com/office/powerpoint/2010/main" val="1315958188"/>
+              </p:ext>
+            </p:extLst>
+          </p:nvPr>
+        </p:nvGraphicFramePr>
+        <p:xfrm>
+          <a:off x="1867948" y="5648573"/>
+          <a:ext cx="2175546" cy="571500"/>
+        </p:xfrm>
+        <a:graphic>
+          <a:graphicData uri="http://schemas.openxmlformats.org/drawingml/2006/table">
+            <a:tbl>
+              <a:tblPr>
+                <a:tableStyleId>{5C22544A-7EE6-4342-B048-85BDC9FD1C3A}</a:tableStyleId>
+              </a:tblPr>
+              <a:tblGrid>
+                <a:gridCol w="725182">
+                  <a:extLst>
+                    <a:ext uri="{9D8B030D-6E8A-4147-A177-3AD203B41FA5}">
+                      <a16:colId xmlns:a16="http://schemas.microsoft.com/office/drawing/2014/main" val="882313770"/>
+                    </a:ext>
+                  </a:extLst>
+                </a:gridCol>
+                <a:gridCol w="725182">
+                  <a:extLst>
+                    <a:ext uri="{9D8B030D-6E8A-4147-A177-3AD203B41FA5}">
+                      <a16:colId xmlns:a16="http://schemas.microsoft.com/office/drawing/2014/main" val="1654622109"/>
+                    </a:ext>
+                  </a:extLst>
+                </a:gridCol>
+                <a:gridCol w="725182">
+                  <a:extLst>
+                    <a:ext uri="{9D8B030D-6E8A-4147-A177-3AD203B41FA5}">
+                      <a16:colId xmlns:a16="http://schemas.microsoft.com/office/drawing/2014/main" val="2520469053"/>
+                    </a:ext>
+                  </a:extLst>
+                </a:gridCol>
+              </a:tblGrid>
+              <a:tr h="190500">
+                <a:tc>
+                  <a:txBody>
+                    <a:bodyPr/>
+                    <a:lstStyle/>
+                    <a:p>
+                      <a:pPr algn="l" fontAlgn="b"/>
+                      <a:endParaRPr lang="ro-RO" sz="1100" b="0" i="0" u="none" strike="noStrike">
+                        <a:solidFill>
+                          <a:srgbClr val="000000"/>
+                        </a:solidFill>
+                        <a:effectLst/>
+                        <a:latin typeface="Calibri" panose="020F0502020204030204" pitchFamily="34" charset="0"/>
+                      </a:endParaRPr>
+                    </a:p>
+                  </a:txBody>
+                  <a:tcPr marL="9525" marR="9525" marT="9525" marB="0" anchor="b"/>
+                </a:tc>
+                <a:tc>
+                  <a:txBody>
+                    <a:bodyPr/>
+                    <a:lstStyle/>
+                    <a:p>
+                      <a:pPr algn="l" fontAlgn="b"/>
+                      <a:r>
+                        <a:rPr lang="ro-RO" sz="1100" u="none" strike="noStrike" dirty="0">
+                          <a:effectLst/>
+                        </a:rPr>
+                        <a:t>Brox </a:t>
+                      </a:r>
+                      <a:r>
+                        <a:rPr lang="en-US" sz="1100" u="none" strike="noStrike">
+                          <a:effectLst/>
+                        </a:rPr>
+                        <a:t>GPU</a:t>
+                      </a:r>
+                      <a:endParaRPr lang="ro-RO" sz="1100" b="0" i="0" u="none" strike="noStrike">
+                        <a:solidFill>
+                          <a:srgbClr val="000000"/>
+                        </a:solidFill>
+                        <a:effectLst/>
+                        <a:latin typeface="Calibri" panose="020F0502020204030204" pitchFamily="34" charset="0"/>
+                      </a:endParaRPr>
+                    </a:p>
+                  </a:txBody>
+                  <a:tcPr marL="9525" marR="9525" marT="9525" marB="0" anchor="b"/>
+                </a:tc>
+                <a:tc>
+                  <a:txBody>
+                    <a:bodyPr/>
+                    <a:lstStyle/>
+                    <a:p>
+                      <a:pPr algn="l" fontAlgn="b"/>
+                      <a:r>
+                        <a:rPr lang="en-US" sz="1100" u="none" strike="noStrike" dirty="0">
+                          <a:effectLst/>
+                        </a:rPr>
+                        <a:t>TVL1</a:t>
+                      </a:r>
+                      <a:r>
+                        <a:rPr lang="ro-RO" sz="1100" u="none" strike="noStrike" dirty="0">
+                          <a:effectLst/>
+                        </a:rPr>
+                        <a:t> GPU</a:t>
+                      </a:r>
+                      <a:endParaRPr lang="ro-RO" sz="1100" b="0" i="0" u="none" strike="noStrike" dirty="0">
+                        <a:solidFill>
+                          <a:srgbClr val="000000"/>
+                        </a:solidFill>
+                        <a:effectLst/>
+                        <a:latin typeface="Calibri" panose="020F0502020204030204" pitchFamily="34" charset="0"/>
+                      </a:endParaRPr>
+                    </a:p>
+                  </a:txBody>
+                  <a:tcPr marL="9525" marR="9525" marT="9525" marB="0" anchor="b"/>
+                </a:tc>
+                <a:extLst>
+                  <a:ext uri="{0D108BD9-81ED-4DB2-BD59-A6C34878D82A}">
+                    <a16:rowId xmlns:a16="http://schemas.microsoft.com/office/drawing/2014/main" val="1868192985"/>
+                  </a:ext>
+                </a:extLst>
+              </a:tr>
+              <a:tr h="190500">
+                <a:tc>
+                  <a:txBody>
+                    <a:bodyPr/>
+                    <a:lstStyle/>
+                    <a:p>
+                      <a:pPr algn="l" fontAlgn="b"/>
+                      <a:r>
+                        <a:rPr lang="ro-RO" sz="1100" u="none" strike="noStrike">
+                          <a:effectLst/>
+                        </a:rPr>
+                        <a:t>AVG Time</a:t>
+                      </a:r>
+                      <a:endParaRPr lang="ro-RO" sz="1100" b="0" i="0" u="none" strike="noStrike">
+                        <a:solidFill>
+                          <a:srgbClr val="000000"/>
+                        </a:solidFill>
+                        <a:effectLst/>
+                        <a:latin typeface="Calibri" panose="020F0502020204030204" pitchFamily="34" charset="0"/>
+                      </a:endParaRPr>
+                    </a:p>
+                  </a:txBody>
+                  <a:tcPr marL="9525" marR="9525" marT="9525" marB="0" anchor="b"/>
+                </a:tc>
+                <a:tc>
+                  <a:txBody>
+                    <a:bodyPr/>
+                    <a:lstStyle/>
+                    <a:p>
+                      <a:pPr algn="r" fontAlgn="b"/>
+                      <a:r>
+                        <a:rPr lang="ro-RO" sz="1100" u="none" strike="noStrike">
+                          <a:effectLst/>
+                        </a:rPr>
+                        <a:t>0.721761</a:t>
+                      </a:r>
+                      <a:endParaRPr lang="ro-RO" sz="1100" b="0" i="0" u="none" strike="noStrike">
+                        <a:solidFill>
+                          <a:srgbClr val="000000"/>
+                        </a:solidFill>
+                        <a:effectLst/>
+                        <a:latin typeface="Calibri" panose="020F0502020204030204" pitchFamily="34" charset="0"/>
+                      </a:endParaRPr>
+                    </a:p>
+                  </a:txBody>
+                  <a:tcPr marL="9525" marR="9525" marT="9525" marB="0" anchor="b"/>
+                </a:tc>
+                <a:tc>
+                  <a:txBody>
+                    <a:bodyPr/>
+                    <a:lstStyle/>
+                    <a:p>
+                      <a:pPr algn="r" fontAlgn="b"/>
+                      <a:r>
+                        <a:rPr lang="ro-RO" sz="1100" u="none" strike="noStrike">
+                          <a:effectLst/>
+                        </a:rPr>
+                        <a:t>3.482629</a:t>
+                      </a:r>
+                      <a:endParaRPr lang="ro-RO" sz="1100" b="0" i="0" u="none" strike="noStrike">
+                        <a:solidFill>
+                          <a:srgbClr val="000000"/>
+                        </a:solidFill>
+                        <a:effectLst/>
+                        <a:latin typeface="Calibri" panose="020F0502020204030204" pitchFamily="34" charset="0"/>
+                      </a:endParaRPr>
+                    </a:p>
+                  </a:txBody>
+                  <a:tcPr marL="9525" marR="9525" marT="9525" marB="0" anchor="b"/>
+                </a:tc>
+                <a:extLst>
+                  <a:ext uri="{0D108BD9-81ED-4DB2-BD59-A6C34878D82A}">
+                    <a16:rowId xmlns:a16="http://schemas.microsoft.com/office/drawing/2014/main" val="2156523335"/>
+                  </a:ext>
+                </a:extLst>
+              </a:tr>
+              <a:tr h="190500">
+                <a:tc>
+                  <a:txBody>
+                    <a:bodyPr/>
+                    <a:lstStyle/>
+                    <a:p>
+                      <a:pPr algn="l" fontAlgn="b"/>
+                      <a:r>
+                        <a:rPr lang="ro-RO" sz="1100" u="none" strike="noStrike">
+                          <a:effectLst/>
+                        </a:rPr>
+                        <a:t>Total Time</a:t>
+                      </a:r>
+                      <a:endParaRPr lang="ro-RO" sz="1100" b="0" i="0" u="none" strike="noStrike">
+                        <a:solidFill>
+                          <a:srgbClr val="000000"/>
+                        </a:solidFill>
+                        <a:effectLst/>
+                        <a:latin typeface="Calibri" panose="020F0502020204030204" pitchFamily="34" charset="0"/>
+                      </a:endParaRPr>
+                    </a:p>
+                  </a:txBody>
+                  <a:tcPr marL="9525" marR="9525" marT="9525" marB="0" anchor="b"/>
+                </a:tc>
+                <a:tc>
+                  <a:txBody>
+                    <a:bodyPr/>
+                    <a:lstStyle/>
+                    <a:p>
+                      <a:pPr algn="r" fontAlgn="b"/>
+                      <a:r>
+                        <a:rPr lang="ro-RO" sz="1100" u="none" strike="noStrike">
+                          <a:effectLst/>
+                        </a:rPr>
+                        <a:t>193.432</a:t>
+                      </a:r>
+                      <a:endParaRPr lang="ro-RO" sz="1100" b="0" i="0" u="none" strike="noStrike">
+                        <a:solidFill>
+                          <a:srgbClr val="000000"/>
+                        </a:solidFill>
+                        <a:effectLst/>
+                        <a:latin typeface="Calibri" panose="020F0502020204030204" pitchFamily="34" charset="0"/>
+                      </a:endParaRPr>
+                    </a:p>
+                  </a:txBody>
+                  <a:tcPr marL="9525" marR="9525" marT="9525" marB="0" anchor="b"/>
+                </a:tc>
+                <a:tc>
+                  <a:txBody>
+                    <a:bodyPr/>
+                    <a:lstStyle/>
+                    <a:p>
+                      <a:pPr algn="r" fontAlgn="b"/>
+                      <a:r>
+                        <a:rPr lang="ro-RO" sz="1100" u="none" strike="noStrike" dirty="0">
+                          <a:effectLst/>
+                        </a:rPr>
+                        <a:t>933.3447</a:t>
+                      </a:r>
+                      <a:endParaRPr lang="ro-RO" sz="1100" b="0" i="0" u="none" strike="noStrike" dirty="0">
+                        <a:solidFill>
+                          <a:srgbClr val="000000"/>
+                        </a:solidFill>
+                        <a:effectLst/>
+                        <a:latin typeface="Calibri" panose="020F0502020204030204" pitchFamily="34" charset="0"/>
+                      </a:endParaRPr>
+                    </a:p>
+                  </a:txBody>
+                  <a:tcPr marL="9525" marR="9525" marT="9525" marB="0" anchor="b"/>
+                </a:tc>
+                <a:extLst>
+                  <a:ext uri="{0D108BD9-81ED-4DB2-BD59-A6C34878D82A}">
+                    <a16:rowId xmlns:a16="http://schemas.microsoft.com/office/drawing/2014/main" val="2575826144"/>
+                  </a:ext>
+                </a:extLst>
+              </a:tr>
+            </a:tbl>
+          </a:graphicData>
+        </a:graphic>
+      </p:graphicFrame>
+    </p:spTree>
+    <p:extLst>
+      <p:ext uri="{BB962C8B-B14F-4D97-AF65-F5344CB8AC3E}">
+        <p14:creationId xmlns:p14="http://schemas.microsoft.com/office/powerpoint/2010/main" val="3108496648"/>
+      </p:ext>
+    </p:extLst>
+  </p:cSld>
+  <p:clrMapOvr>
+    <a:masterClrMapping/>
+  </p:clrMapOvr>
+</p:sld>
+</file>
+
+<file path=ppt/slides/slide8.xml><?xml version="1.0" encoding="utf-8"?>
+<p:sld xmlns:a="http://schemas.openxmlformats.org/drawingml/2006/main" xmlns:r="http://schemas.openxmlformats.org/officeDocument/2006/relationships" xmlns:p="http://schemas.openxmlformats.org/presentationml/2006/main">
+  <p:cSld>
+    <p:spTree>
+      <p:nvGrpSpPr>
+        <p:cNvPr id="1" name=""/>
+        <p:cNvGrpSpPr/>
+        <p:nvPr/>
+      </p:nvGrpSpPr>
+      <p:grpSpPr>
+        <a:xfrm>
+          <a:off x="0" y="0"/>
+          <a:ext cx="0" cy="0"/>
+          <a:chOff x="0" y="0"/>
+          <a:chExt cx="0" cy="0"/>
+        </a:xfrm>
+      </p:grpSpPr>
+      <p:sp>
+        <p:nvSpPr>
           <p:cNvPr id="2" name="Title 1"/>
           <p:cNvSpPr>
             <a:spLocks noGrp="1"/>
@@ -10277,17 +16275,10 @@
   <p:clrMapOvr>
     <a:masterClrMapping/>
   </p:clrMapOvr>
-  <p:timing>
-    <p:tnLst>
-      <p:par>
-        <p:cTn id="1" dur="indefinite" restart="never" nodeType="tmRoot"/>
-      </p:par>
-    </p:tnLst>
-  </p:timing>
 </p:sld>
 </file>
 
-<file path=ppt/slides/slide7.xml><?xml version="1.0" encoding="utf-8"?>
+<file path=ppt/slides/slide9.xml><?xml version="1.0" encoding="utf-8"?>
 <p:sld xmlns:a="http://schemas.openxmlformats.org/drawingml/2006/main" xmlns:r="http://schemas.openxmlformats.org/officeDocument/2006/relationships" xmlns:p="http://schemas.openxmlformats.org/presentationml/2006/main">
   <p:cSld>
     <p:spTree>
@@ -10363,79 +16354,6 @@
     <p:extLst>
       <p:ext uri="{BB962C8B-B14F-4D97-AF65-F5344CB8AC3E}">
         <p14:creationId xmlns:p14="http://schemas.microsoft.com/office/powerpoint/2010/main" val="3235080115"/>
-      </p:ext>
-    </p:extLst>
-  </p:cSld>
-  <p:clrMapOvr>
-    <a:masterClrMapping/>
-  </p:clrMapOvr>
-  <p:timing>
-    <p:tnLst>
-      <p:par>
-        <p:cTn id="1" dur="indefinite" restart="never" nodeType="tmRoot"/>
-      </p:par>
-    </p:tnLst>
-  </p:timing>
-</p:sld>
-</file>
-
-<file path=ppt/slides/slide8.xml><?xml version="1.0" encoding="utf-8"?>
-<p:sld xmlns:a="http://schemas.openxmlformats.org/drawingml/2006/main" xmlns:r="http://schemas.openxmlformats.org/officeDocument/2006/relationships" xmlns:p="http://schemas.openxmlformats.org/presentationml/2006/main">
-  <p:cSld>
-    <p:spTree>
-      <p:nvGrpSpPr>
-        <p:cNvPr id="1" name=""/>
-        <p:cNvGrpSpPr/>
-        <p:nvPr/>
-      </p:nvGrpSpPr>
-      <p:grpSpPr>
-        <a:xfrm>
-          <a:off x="0" y="0"/>
-          <a:ext cx="0" cy="0"/>
-          <a:chOff x="0" y="0"/>
-          <a:chExt cx="0" cy="0"/>
-        </a:xfrm>
-      </p:grpSpPr>
-      <p:sp>
-        <p:nvSpPr>
-          <p:cNvPr id="2" name="Title 1"/>
-          <p:cNvSpPr>
-            <a:spLocks noGrp="1"/>
-          </p:cNvSpPr>
-          <p:nvPr>
-            <p:ph type="title"/>
-          </p:nvPr>
-        </p:nvSpPr>
-        <p:spPr>
-          <a:xfrm>
-            <a:off x="851902" y="2754283"/>
-            <a:ext cx="8596668" cy="1320800"/>
-          </a:xfrm>
-        </p:spPr>
-        <p:txBody>
-          <a:bodyPr/>
-          <a:lstStyle/>
-          <a:p>
-            <a:pPr algn="ctr"/>
-            <a:r>
-              <a:rPr lang="en-US" dirty="0"/>
-              <a:t>MUL</a:t>
-            </a:r>
-            <a:r>
-              <a:rPr lang="ro-RO" dirty="0"/>
-              <a:t>ȚUMIM PENTRU ATENȚIE</a:t>
-            </a:r>
-            <a:r>
-              <a:rPr lang="en-US" dirty="0"/>
-              <a:t>!</a:t>
-            </a:r>
-          </a:p>
-        </p:txBody>
-      </p:sp>
-    </p:spTree>
-    <p:extLst>
-      <p:ext uri="{BB962C8B-B14F-4D97-AF65-F5344CB8AC3E}">
-        <p14:creationId xmlns:p14="http://schemas.microsoft.com/office/powerpoint/2010/main" val="1829576419"/>
       </p:ext>
     </p:extLst>
   </p:cSld>
@@ -10700,4 +16618,576 @@
     </a:ext>
   </a:extLst>
 </a:theme>
+</file>
+
+<file path=ppt/theme/themeOverride1.xml><?xml version="1.0" encoding="utf-8"?>
+<a:themeOverride xmlns:a="http://schemas.openxmlformats.org/drawingml/2006/main">
+  <a:clrScheme name="Office">
+    <a:dk1>
+      <a:sysClr val="windowText" lastClr="000000"/>
+    </a:dk1>
+    <a:lt1>
+      <a:sysClr val="window" lastClr="FFFFFF"/>
+    </a:lt1>
+    <a:dk2>
+      <a:srgbClr val="44546A"/>
+    </a:dk2>
+    <a:lt2>
+      <a:srgbClr val="E7E6E6"/>
+    </a:lt2>
+    <a:accent1>
+      <a:srgbClr val="4472C4"/>
+    </a:accent1>
+    <a:accent2>
+      <a:srgbClr val="ED7D31"/>
+    </a:accent2>
+    <a:accent3>
+      <a:srgbClr val="A5A5A5"/>
+    </a:accent3>
+    <a:accent4>
+      <a:srgbClr val="FFC000"/>
+    </a:accent4>
+    <a:accent5>
+      <a:srgbClr val="5B9BD5"/>
+    </a:accent5>
+    <a:accent6>
+      <a:srgbClr val="70AD47"/>
+    </a:accent6>
+    <a:hlink>
+      <a:srgbClr val="0563C1"/>
+    </a:hlink>
+    <a:folHlink>
+      <a:srgbClr val="954F72"/>
+    </a:folHlink>
+  </a:clrScheme>
+  <a:fontScheme name="Office">
+    <a:majorFont>
+      <a:latin typeface="Calibri Light" panose="020F0302020204030204"/>
+      <a:ea typeface=""/>
+      <a:cs typeface=""/>
+      <a:font script="Jpan" typeface="游ゴシック Light"/>
+      <a:font script="Hang" typeface="맑은 고딕"/>
+      <a:font script="Hans" typeface="等线 Light"/>
+      <a:font script="Hant" typeface="新細明體"/>
+      <a:font script="Arab" typeface="Times New Roman"/>
+      <a:font script="Hebr" typeface="Times New Roman"/>
+      <a:font script="Thai" typeface="Tahoma"/>
+      <a:font script="Ethi" typeface="Nyala"/>
+      <a:font script="Beng" typeface="Vrinda"/>
+      <a:font script="Gujr" typeface="Shruti"/>
+      <a:font script="Khmr" typeface="MoolBoran"/>
+      <a:font script="Knda" typeface="Tunga"/>
+      <a:font script="Guru" typeface="Raavi"/>
+      <a:font script="Cans" typeface="Euphemia"/>
+      <a:font script="Cher" typeface="Plantagenet Cherokee"/>
+      <a:font script="Yiii" typeface="Microsoft Yi Baiti"/>
+      <a:font script="Tibt" typeface="Microsoft Himalaya"/>
+      <a:font script="Thaa" typeface="MV Boli"/>
+      <a:font script="Deva" typeface="Mangal"/>
+      <a:font script="Telu" typeface="Gautami"/>
+      <a:font script="Taml" typeface="Latha"/>
+      <a:font script="Syrc" typeface="Estrangelo Edessa"/>
+      <a:font script="Orya" typeface="Kalinga"/>
+      <a:font script="Mlym" typeface="Kartika"/>
+      <a:font script="Laoo" typeface="DokChampa"/>
+      <a:font script="Sinh" typeface="Iskoola Pota"/>
+      <a:font script="Mong" typeface="Mongolian Baiti"/>
+      <a:font script="Viet" typeface="Times New Roman"/>
+      <a:font script="Uigh" typeface="Microsoft Uighur"/>
+      <a:font script="Geor" typeface="Sylfaen"/>
+      <a:font script="Armn" typeface="Arial"/>
+      <a:font script="Bugi" typeface="Leelawadee UI"/>
+      <a:font script="Bopo" typeface="Microsoft JhengHei"/>
+      <a:font script="Java" typeface="Javanese Text"/>
+      <a:font script="Lisu" typeface="Segoe UI"/>
+      <a:font script="Mymr" typeface="Myanmar Text"/>
+      <a:font script="Nkoo" typeface="Ebrima"/>
+      <a:font script="Olck" typeface="Nirmala UI"/>
+      <a:font script="Osma" typeface="Ebrima"/>
+      <a:font script="Phag" typeface="Phagspa"/>
+      <a:font script="Syrn" typeface="Estrangelo Edessa"/>
+      <a:font script="Syrj" typeface="Estrangelo Edessa"/>
+      <a:font script="Syre" typeface="Estrangelo Edessa"/>
+      <a:font script="Sora" typeface="Nirmala UI"/>
+      <a:font script="Tale" typeface="Microsoft Tai Le"/>
+      <a:font script="Talu" typeface="Microsoft New Tai Lue"/>
+      <a:font script="Tfng" typeface="Ebrima"/>
+    </a:majorFont>
+    <a:minorFont>
+      <a:latin typeface="Calibri" panose="020F0502020204030204"/>
+      <a:ea typeface=""/>
+      <a:cs typeface=""/>
+      <a:font script="Jpan" typeface="游ゴシック"/>
+      <a:font script="Hang" typeface="맑은 고딕"/>
+      <a:font script="Hans" typeface="等线"/>
+      <a:font script="Hant" typeface="新細明體"/>
+      <a:font script="Arab" typeface="Arial"/>
+      <a:font script="Hebr" typeface="Arial"/>
+      <a:font script="Thai" typeface="Tahoma"/>
+      <a:font script="Ethi" typeface="Nyala"/>
+      <a:font script="Beng" typeface="Vrinda"/>
+      <a:font script="Gujr" typeface="Shruti"/>
+      <a:font script="Khmr" typeface="DaunPenh"/>
+      <a:font script="Knda" typeface="Tunga"/>
+      <a:font script="Guru" typeface="Raavi"/>
+      <a:font script="Cans" typeface="Euphemia"/>
+      <a:font script="Cher" typeface="Plantagenet Cherokee"/>
+      <a:font script="Yiii" typeface="Microsoft Yi Baiti"/>
+      <a:font script="Tibt" typeface="Microsoft Himalaya"/>
+      <a:font script="Thaa" typeface="MV Boli"/>
+      <a:font script="Deva" typeface="Mangal"/>
+      <a:font script="Telu" typeface="Gautami"/>
+      <a:font script="Taml" typeface="Latha"/>
+      <a:font script="Syrc" typeface="Estrangelo Edessa"/>
+      <a:font script="Orya" typeface="Kalinga"/>
+      <a:font script="Mlym" typeface="Kartika"/>
+      <a:font script="Laoo" typeface="DokChampa"/>
+      <a:font script="Sinh" typeface="Iskoola Pota"/>
+      <a:font script="Mong" typeface="Mongolian Baiti"/>
+      <a:font script="Viet" typeface="Arial"/>
+      <a:font script="Uigh" typeface="Microsoft Uighur"/>
+      <a:font script="Geor" typeface="Sylfaen"/>
+      <a:font script="Armn" typeface="Arial"/>
+      <a:font script="Bugi" typeface="Leelawadee UI"/>
+      <a:font script="Bopo" typeface="Microsoft JhengHei"/>
+      <a:font script="Java" typeface="Javanese Text"/>
+      <a:font script="Lisu" typeface="Segoe UI"/>
+      <a:font script="Mymr" typeface="Myanmar Text"/>
+      <a:font script="Nkoo" typeface="Ebrima"/>
+      <a:font script="Olck" typeface="Nirmala UI"/>
+      <a:font script="Osma" typeface="Ebrima"/>
+      <a:font script="Phag" typeface="Phagspa"/>
+      <a:font script="Syrn" typeface="Estrangelo Edessa"/>
+      <a:font script="Syrj" typeface="Estrangelo Edessa"/>
+      <a:font script="Syre" typeface="Estrangelo Edessa"/>
+      <a:font script="Sora" typeface="Nirmala UI"/>
+      <a:font script="Tale" typeface="Microsoft Tai Le"/>
+      <a:font script="Talu" typeface="Microsoft New Tai Lue"/>
+      <a:font script="Tfng" typeface="Ebrima"/>
+    </a:minorFont>
+  </a:fontScheme>
+  <a:fmtScheme name="Office">
+    <a:fillStyleLst>
+      <a:solidFill>
+        <a:schemeClr val="phClr"/>
+      </a:solidFill>
+      <a:gradFill rotWithShape="1">
+        <a:gsLst>
+          <a:gs pos="0">
+            <a:schemeClr val="phClr">
+              <a:lumMod val="110000"/>
+              <a:satMod val="105000"/>
+              <a:tint val="67000"/>
+            </a:schemeClr>
+          </a:gs>
+          <a:gs pos="50000">
+            <a:schemeClr val="phClr">
+              <a:lumMod val="105000"/>
+              <a:satMod val="103000"/>
+              <a:tint val="73000"/>
+            </a:schemeClr>
+          </a:gs>
+          <a:gs pos="100000">
+            <a:schemeClr val="phClr">
+              <a:lumMod val="105000"/>
+              <a:satMod val="109000"/>
+              <a:tint val="81000"/>
+            </a:schemeClr>
+          </a:gs>
+        </a:gsLst>
+        <a:lin ang="5400000" scaled="0"/>
+      </a:gradFill>
+      <a:gradFill rotWithShape="1">
+        <a:gsLst>
+          <a:gs pos="0">
+            <a:schemeClr val="phClr">
+              <a:satMod val="103000"/>
+              <a:lumMod val="102000"/>
+              <a:tint val="94000"/>
+            </a:schemeClr>
+          </a:gs>
+          <a:gs pos="50000">
+            <a:schemeClr val="phClr">
+              <a:satMod val="110000"/>
+              <a:lumMod val="100000"/>
+              <a:shade val="100000"/>
+            </a:schemeClr>
+          </a:gs>
+          <a:gs pos="100000">
+            <a:schemeClr val="phClr">
+              <a:lumMod val="99000"/>
+              <a:satMod val="120000"/>
+              <a:shade val="78000"/>
+            </a:schemeClr>
+          </a:gs>
+        </a:gsLst>
+        <a:lin ang="5400000" scaled="0"/>
+      </a:gradFill>
+    </a:fillStyleLst>
+    <a:lnStyleLst>
+      <a:ln w="6350" cap="flat" cmpd="sng" algn="ctr">
+        <a:solidFill>
+          <a:schemeClr val="phClr"/>
+        </a:solidFill>
+        <a:prstDash val="solid"/>
+        <a:miter lim="800000"/>
+      </a:ln>
+      <a:ln w="12700" cap="flat" cmpd="sng" algn="ctr">
+        <a:solidFill>
+          <a:schemeClr val="phClr"/>
+        </a:solidFill>
+        <a:prstDash val="solid"/>
+        <a:miter lim="800000"/>
+      </a:ln>
+      <a:ln w="19050" cap="flat" cmpd="sng" algn="ctr">
+        <a:solidFill>
+          <a:schemeClr val="phClr"/>
+        </a:solidFill>
+        <a:prstDash val="solid"/>
+        <a:miter lim="800000"/>
+      </a:ln>
+    </a:lnStyleLst>
+    <a:effectStyleLst>
+      <a:effectStyle>
+        <a:effectLst/>
+      </a:effectStyle>
+      <a:effectStyle>
+        <a:effectLst/>
+      </a:effectStyle>
+      <a:effectStyle>
+        <a:effectLst>
+          <a:outerShdw blurRad="57150" dist="19050" dir="5400000" algn="ctr" rotWithShape="0">
+            <a:srgbClr val="000000">
+              <a:alpha val="63000"/>
+            </a:srgbClr>
+          </a:outerShdw>
+        </a:effectLst>
+      </a:effectStyle>
+    </a:effectStyleLst>
+    <a:bgFillStyleLst>
+      <a:solidFill>
+        <a:schemeClr val="phClr"/>
+      </a:solidFill>
+      <a:solidFill>
+        <a:schemeClr val="phClr">
+          <a:tint val="95000"/>
+          <a:satMod val="170000"/>
+        </a:schemeClr>
+      </a:solidFill>
+      <a:gradFill rotWithShape="1">
+        <a:gsLst>
+          <a:gs pos="0">
+            <a:schemeClr val="phClr">
+              <a:tint val="93000"/>
+              <a:satMod val="150000"/>
+              <a:shade val="98000"/>
+              <a:lumMod val="102000"/>
+            </a:schemeClr>
+          </a:gs>
+          <a:gs pos="50000">
+            <a:schemeClr val="phClr">
+              <a:tint val="98000"/>
+              <a:satMod val="130000"/>
+              <a:shade val="90000"/>
+              <a:lumMod val="103000"/>
+            </a:schemeClr>
+          </a:gs>
+          <a:gs pos="100000">
+            <a:schemeClr val="phClr">
+              <a:shade val="63000"/>
+              <a:satMod val="120000"/>
+            </a:schemeClr>
+          </a:gs>
+        </a:gsLst>
+        <a:lin ang="5400000" scaled="0"/>
+      </a:gradFill>
+    </a:bgFillStyleLst>
+  </a:fmtScheme>
+</a:themeOverride>
+</file>
+
+<file path=ppt/theme/themeOverride2.xml><?xml version="1.0" encoding="utf-8"?>
+<a:themeOverride xmlns:a="http://schemas.openxmlformats.org/drawingml/2006/main">
+  <a:clrScheme name="Office">
+    <a:dk1>
+      <a:sysClr val="windowText" lastClr="000000"/>
+    </a:dk1>
+    <a:lt1>
+      <a:sysClr val="window" lastClr="FFFFFF"/>
+    </a:lt1>
+    <a:dk2>
+      <a:srgbClr val="44546A"/>
+    </a:dk2>
+    <a:lt2>
+      <a:srgbClr val="E7E6E6"/>
+    </a:lt2>
+    <a:accent1>
+      <a:srgbClr val="4472C4"/>
+    </a:accent1>
+    <a:accent2>
+      <a:srgbClr val="ED7D31"/>
+    </a:accent2>
+    <a:accent3>
+      <a:srgbClr val="A5A5A5"/>
+    </a:accent3>
+    <a:accent4>
+      <a:srgbClr val="FFC000"/>
+    </a:accent4>
+    <a:accent5>
+      <a:srgbClr val="5B9BD5"/>
+    </a:accent5>
+    <a:accent6>
+      <a:srgbClr val="70AD47"/>
+    </a:accent6>
+    <a:hlink>
+      <a:srgbClr val="0563C1"/>
+    </a:hlink>
+    <a:folHlink>
+      <a:srgbClr val="954F72"/>
+    </a:folHlink>
+  </a:clrScheme>
+  <a:fontScheme name="Office">
+    <a:majorFont>
+      <a:latin typeface="Calibri Light" panose="020F0302020204030204"/>
+      <a:ea typeface=""/>
+      <a:cs typeface=""/>
+      <a:font script="Jpan" typeface="游ゴシック Light"/>
+      <a:font script="Hang" typeface="맑은 고딕"/>
+      <a:font script="Hans" typeface="等线 Light"/>
+      <a:font script="Hant" typeface="新細明體"/>
+      <a:font script="Arab" typeface="Times New Roman"/>
+      <a:font script="Hebr" typeface="Times New Roman"/>
+      <a:font script="Thai" typeface="Tahoma"/>
+      <a:font script="Ethi" typeface="Nyala"/>
+      <a:font script="Beng" typeface="Vrinda"/>
+      <a:font script="Gujr" typeface="Shruti"/>
+      <a:font script="Khmr" typeface="MoolBoran"/>
+      <a:font script="Knda" typeface="Tunga"/>
+      <a:font script="Guru" typeface="Raavi"/>
+      <a:font script="Cans" typeface="Euphemia"/>
+      <a:font script="Cher" typeface="Plantagenet Cherokee"/>
+      <a:font script="Yiii" typeface="Microsoft Yi Baiti"/>
+      <a:font script="Tibt" typeface="Microsoft Himalaya"/>
+      <a:font script="Thaa" typeface="MV Boli"/>
+      <a:font script="Deva" typeface="Mangal"/>
+      <a:font script="Telu" typeface="Gautami"/>
+      <a:font script="Taml" typeface="Latha"/>
+      <a:font script="Syrc" typeface="Estrangelo Edessa"/>
+      <a:font script="Orya" typeface="Kalinga"/>
+      <a:font script="Mlym" typeface="Kartika"/>
+      <a:font script="Laoo" typeface="DokChampa"/>
+      <a:font script="Sinh" typeface="Iskoola Pota"/>
+      <a:font script="Mong" typeface="Mongolian Baiti"/>
+      <a:font script="Viet" typeface="Times New Roman"/>
+      <a:font script="Uigh" typeface="Microsoft Uighur"/>
+      <a:font script="Geor" typeface="Sylfaen"/>
+      <a:font script="Armn" typeface="Arial"/>
+      <a:font script="Bugi" typeface="Leelawadee UI"/>
+      <a:font script="Bopo" typeface="Microsoft JhengHei"/>
+      <a:font script="Java" typeface="Javanese Text"/>
+      <a:font script="Lisu" typeface="Segoe UI"/>
+      <a:font script="Mymr" typeface="Myanmar Text"/>
+      <a:font script="Nkoo" typeface="Ebrima"/>
+      <a:font script="Olck" typeface="Nirmala UI"/>
+      <a:font script="Osma" typeface="Ebrima"/>
+      <a:font script="Phag" typeface="Phagspa"/>
+      <a:font script="Syrn" typeface="Estrangelo Edessa"/>
+      <a:font script="Syrj" typeface="Estrangelo Edessa"/>
+      <a:font script="Syre" typeface="Estrangelo Edessa"/>
+      <a:font script="Sora" typeface="Nirmala UI"/>
+      <a:font script="Tale" typeface="Microsoft Tai Le"/>
+      <a:font script="Talu" typeface="Microsoft New Tai Lue"/>
+      <a:font script="Tfng" typeface="Ebrima"/>
+    </a:majorFont>
+    <a:minorFont>
+      <a:latin typeface="Calibri" panose="020F0502020204030204"/>
+      <a:ea typeface=""/>
+      <a:cs typeface=""/>
+      <a:font script="Jpan" typeface="游ゴシック"/>
+      <a:font script="Hang" typeface="맑은 고딕"/>
+      <a:font script="Hans" typeface="等线"/>
+      <a:font script="Hant" typeface="新細明體"/>
+      <a:font script="Arab" typeface="Arial"/>
+      <a:font script="Hebr" typeface="Arial"/>
+      <a:font script="Thai" typeface="Tahoma"/>
+      <a:font script="Ethi" typeface="Nyala"/>
+      <a:font script="Beng" typeface="Vrinda"/>
+      <a:font script="Gujr" typeface="Shruti"/>
+      <a:font script="Khmr" typeface="DaunPenh"/>
+      <a:font script="Knda" typeface="Tunga"/>
+      <a:font script="Guru" typeface="Raavi"/>
+      <a:font script="Cans" typeface="Euphemia"/>
+      <a:font script="Cher" typeface="Plantagenet Cherokee"/>
+      <a:font script="Yiii" typeface="Microsoft Yi Baiti"/>
+      <a:font script="Tibt" typeface="Microsoft Himalaya"/>
+      <a:font script="Thaa" typeface="MV Boli"/>
+      <a:font script="Deva" typeface="Mangal"/>
+      <a:font script="Telu" typeface="Gautami"/>
+      <a:font script="Taml" typeface="Latha"/>
+      <a:font script="Syrc" typeface="Estrangelo Edessa"/>
+      <a:font script="Orya" typeface="Kalinga"/>
+      <a:font script="Mlym" typeface="Kartika"/>
+      <a:font script="Laoo" typeface="DokChampa"/>
+      <a:font script="Sinh" typeface="Iskoola Pota"/>
+      <a:font script="Mong" typeface="Mongolian Baiti"/>
+      <a:font script="Viet" typeface="Arial"/>
+      <a:font script="Uigh" typeface="Microsoft Uighur"/>
+      <a:font script="Geor" typeface="Sylfaen"/>
+      <a:font script="Armn" typeface="Arial"/>
+      <a:font script="Bugi" typeface="Leelawadee UI"/>
+      <a:font script="Bopo" typeface="Microsoft JhengHei"/>
+      <a:font script="Java" typeface="Javanese Text"/>
+      <a:font script="Lisu" typeface="Segoe UI"/>
+      <a:font script="Mymr" typeface="Myanmar Text"/>
+      <a:font script="Nkoo" typeface="Ebrima"/>
+      <a:font script="Olck" typeface="Nirmala UI"/>
+      <a:font script="Osma" typeface="Ebrima"/>
+      <a:font script="Phag" typeface="Phagspa"/>
+      <a:font script="Syrn" typeface="Estrangelo Edessa"/>
+      <a:font script="Syrj" typeface="Estrangelo Edessa"/>
+      <a:font script="Syre" typeface="Estrangelo Edessa"/>
+      <a:font script="Sora" typeface="Nirmala UI"/>
+      <a:font script="Tale" typeface="Microsoft Tai Le"/>
+      <a:font script="Talu" typeface="Microsoft New Tai Lue"/>
+      <a:font script="Tfng" typeface="Ebrima"/>
+    </a:minorFont>
+  </a:fontScheme>
+  <a:fmtScheme name="Office">
+    <a:fillStyleLst>
+      <a:solidFill>
+        <a:schemeClr val="phClr"/>
+      </a:solidFill>
+      <a:gradFill rotWithShape="1">
+        <a:gsLst>
+          <a:gs pos="0">
+            <a:schemeClr val="phClr">
+              <a:lumMod val="110000"/>
+              <a:satMod val="105000"/>
+              <a:tint val="67000"/>
+            </a:schemeClr>
+          </a:gs>
+          <a:gs pos="50000">
+            <a:schemeClr val="phClr">
+              <a:lumMod val="105000"/>
+              <a:satMod val="103000"/>
+              <a:tint val="73000"/>
+            </a:schemeClr>
+          </a:gs>
+          <a:gs pos="100000">
+            <a:schemeClr val="phClr">
+              <a:lumMod val="105000"/>
+              <a:satMod val="109000"/>
+              <a:tint val="81000"/>
+            </a:schemeClr>
+          </a:gs>
+        </a:gsLst>
+        <a:lin ang="5400000" scaled="0"/>
+      </a:gradFill>
+      <a:gradFill rotWithShape="1">
+        <a:gsLst>
+          <a:gs pos="0">
+            <a:schemeClr val="phClr">
+              <a:satMod val="103000"/>
+              <a:lumMod val="102000"/>
+              <a:tint val="94000"/>
+            </a:schemeClr>
+          </a:gs>
+          <a:gs pos="50000">
+            <a:schemeClr val="phClr">
+              <a:satMod val="110000"/>
+              <a:lumMod val="100000"/>
+              <a:shade val="100000"/>
+            </a:schemeClr>
+          </a:gs>
+          <a:gs pos="100000">
+            <a:schemeClr val="phClr">
+              <a:lumMod val="99000"/>
+              <a:satMod val="120000"/>
+              <a:shade val="78000"/>
+            </a:schemeClr>
+          </a:gs>
+        </a:gsLst>
+        <a:lin ang="5400000" scaled="0"/>
+      </a:gradFill>
+    </a:fillStyleLst>
+    <a:lnStyleLst>
+      <a:ln w="6350" cap="flat" cmpd="sng" algn="ctr">
+        <a:solidFill>
+          <a:schemeClr val="phClr"/>
+        </a:solidFill>
+        <a:prstDash val="solid"/>
+        <a:miter lim="800000"/>
+      </a:ln>
+      <a:ln w="12700" cap="flat" cmpd="sng" algn="ctr">
+        <a:solidFill>
+          <a:schemeClr val="phClr"/>
+        </a:solidFill>
+        <a:prstDash val="solid"/>
+        <a:miter lim="800000"/>
+      </a:ln>
+      <a:ln w="19050" cap="flat" cmpd="sng" algn="ctr">
+        <a:solidFill>
+          <a:schemeClr val="phClr"/>
+        </a:solidFill>
+        <a:prstDash val="solid"/>
+        <a:miter lim="800000"/>
+      </a:ln>
+    </a:lnStyleLst>
+    <a:effectStyleLst>
+      <a:effectStyle>
+        <a:effectLst/>
+      </a:effectStyle>
+      <a:effectStyle>
+        <a:effectLst/>
+      </a:effectStyle>
+      <a:effectStyle>
+        <a:effectLst>
+          <a:outerShdw blurRad="57150" dist="19050" dir="5400000" algn="ctr" rotWithShape="0">
+            <a:srgbClr val="000000">
+              <a:alpha val="63000"/>
+            </a:srgbClr>
+          </a:outerShdw>
+        </a:effectLst>
+      </a:effectStyle>
+    </a:effectStyleLst>
+    <a:bgFillStyleLst>
+      <a:solidFill>
+        <a:schemeClr val="phClr"/>
+      </a:solidFill>
+      <a:solidFill>
+        <a:schemeClr val="phClr">
+          <a:tint val="95000"/>
+          <a:satMod val="170000"/>
+        </a:schemeClr>
+      </a:solidFill>
+      <a:gradFill rotWithShape="1">
+        <a:gsLst>
+          <a:gs pos="0">
+            <a:schemeClr val="phClr">
+              <a:tint val="93000"/>
+              <a:satMod val="150000"/>
+              <a:shade val="98000"/>
+              <a:lumMod val="102000"/>
+            </a:schemeClr>
+          </a:gs>
+          <a:gs pos="50000">
+            <a:schemeClr val="phClr">
+              <a:tint val="98000"/>
+              <a:satMod val="130000"/>
+              <a:shade val="90000"/>
+              <a:lumMod val="103000"/>
+            </a:schemeClr>
+          </a:gs>
+          <a:gs pos="100000">
+            <a:schemeClr val="phClr">
+              <a:shade val="63000"/>
+              <a:satMod val="120000"/>
+            </a:schemeClr>
+          </a:gs>
+        </a:gsLst>
+        <a:lin ang="5400000" scaled="0"/>
+      </a:gradFill>
+    </a:bgFillStyleLst>
+  </a:fmtScheme>
+</a:themeOverride>
 </file>